--- a/lucenify.pptx
+++ b/lucenify.pptx
@@ -7,11 +7,11 @@
   <p:sldIdLst>
     <p:sldId id="257" r:id="rId2"/>
     <p:sldId id="258" r:id="rId3"/>
-    <p:sldId id="263" r:id="rId4"/>
-    <p:sldId id="267" r:id="rId5"/>
-    <p:sldId id="264" r:id="rId6"/>
-    <p:sldId id="270" r:id="rId7"/>
-    <p:sldId id="262" r:id="rId8"/>
+    <p:sldId id="270" r:id="rId4"/>
+    <p:sldId id="262" r:id="rId5"/>
+    <p:sldId id="263" r:id="rId6"/>
+    <p:sldId id="267" r:id="rId7"/>
+    <p:sldId id="264" r:id="rId8"/>
     <p:sldId id="269" r:id="rId9"/>
     <p:sldId id="271" r:id="rId10"/>
     <p:sldId id="272" r:id="rId11"/>
@@ -4430,7 +4430,7 @@
                 <a:hlinkClick r:id="rId6">
                   <a:extLst>
                     <a:ext uri="{A12FA001-AC4F-418D-AE19-62706E023703}">
-                      <ahyp:hlinkClr xmlns:ahyp="http://schemas.microsoft.com/office/drawing/2018/hyperlinkcolor" xmlns="" val="tx"/>
+                      <ahyp:hlinkClr xmlns="" xmlns:ahyp="http://schemas.microsoft.com/office/drawing/2018/hyperlinkcolor" val="tx"/>
                     </a:ext>
                   </a:extLst>
                 </a:hlinkClick>
@@ -5603,15 +5603,6 @@
               </a:rPr>
               <a:t>)</a:t>
             </a:r>
-            <a:r>
-              <a:rPr lang="en-US" altLang="en-US" sz="1200" i="1">
-                <a:solidFill>
-                  <a:srgbClr val="4186F8"/>
-                </a:solidFill>
-                <a:latin typeface="Fira Code"/>
-              </a:rPr>
-              <a:t/>
-            </a:r>
             <a:br>
               <a:rPr lang="en-US" altLang="en-US" sz="1200" i="1">
                 <a:solidFill>
@@ -5684,11 +5675,7 @@
             </a:r>
             <a:r>
               <a:rPr lang="en-US"/>
-              <a:t>the text of fields and generates a token stream. Analyzers may be a single class or they may be composed of a series of tokenizer and filter </a:t>
-            </a:r>
-            <a:r>
-              <a:rPr lang="en-US"/>
-              <a:t>classes</a:t>
+              <a:t>the text of fields and generates a token stream. Analyzers may be a single class or they may be composed of a series of tokenizer and filter classes</a:t>
             </a:r>
             <a:r>
               <a:rPr lang="en-US" smtClean="0"/>
@@ -8784,15 +8771,6 @@
               </a:rPr>
               <a:t>; </a:t>
             </a:r>
-            <a:r>
-              <a:rPr lang="en-US" altLang="en-US" sz="1200">
-                <a:solidFill>
-                  <a:srgbClr val="A9B7C6"/>
-                </a:solidFill>
-                <a:latin typeface="Fira Code"/>
-              </a:rPr>
-              <a:t/>
-            </a:r>
             <a:br>
               <a:rPr lang="en-US" altLang="en-US" sz="1200">
                 <a:solidFill>
@@ -8872,11 +8850,7 @@
             </a:r>
             <a:r>
               <a:rPr lang="en-US"/>
-              <a:t> what to look </a:t>
-            </a:r>
-            <a:r>
-              <a:rPr lang="en-US"/>
-              <a:t>for</a:t>
+              <a:t> what to look for</a:t>
             </a:r>
             <a:r>
               <a:rPr lang="en-US" smtClean="0"/>
@@ -8910,11 +8884,7 @@
             </a:r>
             <a:r>
               <a:rPr lang="en-US"/>
-              <a:t>keyword queries, except that we can define a limit of “fuzziness”, above which Lucene shall accept the two terms </a:t>
-            </a:r>
-            <a:r>
-              <a:rPr lang="en-US"/>
-              <a:t>as </a:t>
+              <a:t>keyword queries, except that we can define a limit of “fuzziness”, above which Lucene shall accept the two terms as </a:t>
             </a:r>
             <a:r>
               <a:rPr lang="en-US" smtClean="0"/>
@@ -8932,11 +8902,7 @@
             </a:r>
             <a:r>
               <a:rPr lang="en-US"/>
-              <a:t>For this, we can </a:t>
-            </a:r>
-            <a:r>
-              <a:rPr lang="en-US"/>
-              <a:t>use </a:t>
+              <a:t>For this, we can use </a:t>
             </a:r>
             <a:r>
               <a:rPr lang="en-US" smtClean="0"/>
@@ -8960,11 +8926,7 @@
             </a:r>
             <a:r>
               <a:rPr lang="en-US"/>
-              <a:t> for any </a:t>
-            </a:r>
-            <a:r>
-              <a:rPr lang="en-US"/>
-              <a:t>character </a:t>
+              <a:t> for any character </a:t>
             </a:r>
             <a:r>
               <a:rPr lang="en-US" smtClean="0"/>
@@ -9119,15 +9081,6 @@
               </a:rPr>
               <a:t>qb</a:t>
             </a:r>
-            <a:r>
-              <a:rPr lang="en-US" altLang="en-US" sz="1200">
-                <a:solidFill>
-                  <a:srgbClr val="CBAD96"/>
-                </a:solidFill>
-                <a:latin typeface="Fira Code"/>
-              </a:rPr>
-              <a:t/>
-            </a:r>
             <a:br>
               <a:rPr lang="en-US" altLang="en-US" sz="1200">
                 <a:solidFill>
@@ -9313,16 +9266,7 @@
                 </a:solidFill>
                 <a:latin typeface="Fira Code"/>
               </a:rPr>
-              <a:t>t</a:t>
-            </a:r>
-            <a:r>
-              <a:rPr lang="en-US" altLang="en-US" sz="1200" smtClean="0">
-                <a:solidFill>
-                  <a:srgbClr val="A6E22E"/>
-                </a:solidFill>
-                <a:latin typeface="Fira Code"/>
-              </a:rPr>
-              <a:t>o</a:t>
+              <a:t>to</a:t>
             </a:r>
             <a:r>
               <a:rPr lang="en-US" altLang="en-US" sz="1200" i="1" smtClean="0">
@@ -9457,23 +9401,77 @@
               </a:rPr>
               <a:t>qb</a:t>
             </a:r>
-            <a:r>
+            <a:br>
               <a:rPr lang="en-US" altLang="en-US" sz="1200">
                 <a:solidFill>
                   <a:srgbClr val="CBAD96"/>
                 </a:solidFill>
                 <a:latin typeface="Fira Code"/>
               </a:rPr>
-              <a:t/>
-            </a:r>
-            <a:br>
+            </a:br>
+            <a:r>
+              <a:rPr lang="en-US" altLang="en-US" sz="1200" smtClean="0">
+                <a:solidFill>
+                  <a:srgbClr val="A9B7C6"/>
+                </a:solidFill>
+                <a:latin typeface="Fira Code"/>
+              </a:rPr>
+              <a:t>.</a:t>
+            </a:r>
+            <a:r>
+              <a:rPr lang="en-US" altLang="en-US" sz="1200">
+                <a:solidFill>
+                  <a:srgbClr val="A6E22E"/>
+                </a:solidFill>
+                <a:latin typeface="Fira Code"/>
+              </a:rPr>
+              <a:t>must</a:t>
+            </a:r>
+            <a:r>
+              <a:rPr lang="en-US" altLang="en-US" sz="1200" i="1">
+                <a:solidFill>
+                  <a:srgbClr val="4186F8"/>
+                </a:solidFill>
+                <a:latin typeface="Fira Code"/>
+              </a:rPr>
+              <a:t>(</a:t>
+            </a:r>
+            <a:r>
               <a:rPr lang="en-US" altLang="en-US" sz="1200">
                 <a:solidFill>
                   <a:srgbClr val="CBAD96"/>
                 </a:solidFill>
                 <a:latin typeface="Fira Code"/>
               </a:rPr>
-            </a:br>
+              <a:t>qb</a:t>
+            </a:r>
+            <a:r>
+              <a:rPr lang="en-US" altLang="en-US" sz="1200">
+                <a:solidFill>
+                  <a:srgbClr val="A9B7C6"/>
+                </a:solidFill>
+                <a:latin typeface="Fira Code"/>
+              </a:rPr>
+              <a:t>.</a:t>
+            </a:r>
+            <a:r>
+              <a:rPr lang="en-US" altLang="en-US" sz="1200">
+                <a:solidFill>
+                  <a:srgbClr val="A6E22E"/>
+                </a:solidFill>
+                <a:latin typeface="Fira Code"/>
+              </a:rPr>
+              <a:t>keyword</a:t>
+            </a:r>
+            <a:r>
+              <a:rPr lang="en-US" altLang="en-US" sz="1200" i="1" smtClean="0">
+                <a:solidFill>
+                  <a:srgbClr val="4186F8"/>
+                </a:solidFill>
+                <a:latin typeface="Fira Code"/>
+              </a:rPr>
+              <a:t>()                             </a:t>
+            </a:r>
             <a:r>
               <a:rPr lang="en-US" altLang="en-US" sz="1200" smtClean="0">
                 <a:solidFill>
@@ -9484,13 +9482,13 @@
               <a:t>.</a:t>
             </a:r>
             <a:r>
-              <a:rPr lang="en-US" altLang="en-US" sz="1200">
+              <a:rPr lang="en-US" altLang="en-US" sz="1200" smtClean="0">
                 <a:solidFill>
                   <a:srgbClr val="A6E22E"/>
                 </a:solidFill>
                 <a:latin typeface="Fira Code"/>
               </a:rPr>
-              <a:t>must</a:t>
+              <a:t>onField</a:t>
             </a:r>
             <a:r>
               <a:rPr lang="en-US" altLang="en-US" sz="1200" i="1">
@@ -9504,14 +9502,32 @@
             <a:r>
               <a:rPr lang="en-US" altLang="en-US" sz="1200">
                 <a:solidFill>
-                  <a:srgbClr val="CBAD96"/>
-                </a:solidFill>
-                <a:latin typeface="Fira Code"/>
-              </a:rPr>
-              <a:t>qb</a:t>
-            </a:r>
-            <a:r>
-              <a:rPr lang="en-US" altLang="en-US" sz="1200">
+                  <a:srgbClr val="E6DB74"/>
+                </a:solidFill>
+                <a:latin typeface="Fira Code"/>
+              </a:rPr>
+              <a:t>"productName</a:t>
+            </a:r>
+            <a:r>
+              <a:rPr lang="en-US" altLang="en-US" sz="1200" smtClean="0">
+                <a:solidFill>
+                  <a:srgbClr val="E6DB74"/>
+                </a:solidFill>
+                <a:latin typeface="Fira Code"/>
+              </a:rPr>
+              <a:t>"</a:t>
+            </a:r>
+            <a:r>
+              <a:rPr lang="en-US" altLang="en-US" sz="1200" i="1" smtClean="0">
+                <a:solidFill>
+                  <a:srgbClr val="4186F8"/>
+                </a:solidFill>
+                <a:latin typeface="Fira Code"/>
+              </a:rPr>
+              <a:t>)</a:t>
+            </a:r>
+            <a:r>
+              <a:rPr lang="en-US" altLang="en-US" sz="1200" smtClean="0">
                 <a:solidFill>
                   <a:srgbClr val="A9B7C6"/>
                 </a:solidFill>
@@ -9526,7 +9542,34 @@
                 </a:solidFill>
                 <a:latin typeface="Fira Code"/>
               </a:rPr>
-              <a:t>keyword</a:t>
+              <a:t>matching</a:t>
+            </a:r>
+            <a:r>
+              <a:rPr lang="en-US" altLang="en-US" sz="1200" i="1">
+                <a:solidFill>
+                  <a:srgbClr val="4186F8"/>
+                </a:solidFill>
+                <a:latin typeface="Fira Code"/>
+              </a:rPr>
+              <a:t>(</a:t>
+            </a:r>
+            <a:r>
+              <a:rPr lang="en-US" altLang="en-US" sz="1200">
+                <a:solidFill>
+                  <a:srgbClr val="E6DB74"/>
+                </a:solidFill>
+                <a:latin typeface="Fira Code"/>
+              </a:rPr>
+              <a:t>"apple</a:t>
+            </a:r>
+            <a:r>
+              <a:rPr lang="en-US" altLang="en-US" sz="1200" smtClean="0">
+                <a:solidFill>
+                  <a:srgbClr val="E6DB74"/>
+                </a:solidFill>
+                <a:latin typeface="Fira Code"/>
+              </a:rPr>
+              <a:t>"</a:t>
             </a:r>
             <a:r>
               <a:rPr lang="en-US" altLang="en-US" sz="1200" i="1" smtClean="0">
@@ -9535,25 +9578,25 @@
                 </a:solidFill>
                 <a:latin typeface="Fira Code"/>
               </a:rPr>
-              <a:t>()                             </a:t>
+              <a:t>)                </a:t>
+            </a:r>
+            <a:r>
+              <a:rPr lang="en-US" altLang="en-US" sz="1200">
+                <a:solidFill>
+                  <a:srgbClr val="A9B7C6"/>
+                </a:solidFill>
+                <a:latin typeface="Fira Code"/>
+              </a:rPr>
+              <a:t>.</a:t>
             </a:r>
             <a:r>
               <a:rPr lang="en-US" altLang="en-US" sz="1200" smtClean="0">
                 <a:solidFill>
-                  <a:srgbClr val="A9B7C6"/>
-                </a:solidFill>
-                <a:latin typeface="Fira Code"/>
-              </a:rPr>
-              <a:t>.</a:t>
-            </a:r>
-            <a:r>
-              <a:rPr lang="en-US" altLang="en-US" sz="1200" smtClean="0">
-                <a:solidFill>
                   <a:srgbClr val="A6E22E"/>
                 </a:solidFill>
                 <a:latin typeface="Fira Code"/>
               </a:rPr>
-              <a:t>onField</a:t>
+              <a:t>createQuery</a:t>
             </a:r>
             <a:r>
               <a:rPr lang="en-US" altLang="en-US" sz="1200" i="1">
@@ -9562,142 +9605,7 @@
                 </a:solidFill>
                 <a:latin typeface="Fira Code"/>
               </a:rPr>
-              <a:t>(</a:t>
-            </a:r>
-            <a:r>
-              <a:rPr lang="en-US" altLang="en-US" sz="1200">
-                <a:solidFill>
-                  <a:srgbClr val="E6DB74"/>
-                </a:solidFill>
-                <a:latin typeface="Fira Code"/>
-              </a:rPr>
-              <a:t>"</a:t>
-            </a:r>
-            <a:r>
-              <a:rPr lang="en-US" altLang="en-US" sz="1200">
-                <a:solidFill>
-                  <a:srgbClr val="E6DB74"/>
-                </a:solidFill>
-                <a:latin typeface="Fira Code"/>
-              </a:rPr>
-              <a:t>productName</a:t>
-            </a:r>
-            <a:r>
-              <a:rPr lang="en-US" altLang="en-US" sz="1200" smtClean="0">
-                <a:solidFill>
-                  <a:srgbClr val="E6DB74"/>
-                </a:solidFill>
-                <a:latin typeface="Fira Code"/>
-              </a:rPr>
-              <a:t>"</a:t>
-            </a:r>
-            <a:r>
-              <a:rPr lang="en-US" altLang="en-US" sz="1200" i="1" smtClean="0">
-                <a:solidFill>
-                  <a:srgbClr val="4186F8"/>
-                </a:solidFill>
-                <a:latin typeface="Fira Code"/>
-              </a:rPr>
-              <a:t>)</a:t>
-            </a:r>
-            <a:r>
-              <a:rPr lang="en-US" altLang="en-US" sz="1200" smtClean="0">
-                <a:solidFill>
-                  <a:srgbClr val="A9B7C6"/>
-                </a:solidFill>
-                <a:latin typeface="Fira Code"/>
-              </a:rPr>
-              <a:t>.</a:t>
-            </a:r>
-            <a:r>
-              <a:rPr lang="en-US" altLang="en-US" sz="1200">
-                <a:solidFill>
-                  <a:srgbClr val="A6E22E"/>
-                </a:solidFill>
-                <a:latin typeface="Fira Code"/>
-              </a:rPr>
-              <a:t>matching</a:t>
-            </a:r>
-            <a:r>
-              <a:rPr lang="en-US" altLang="en-US" sz="1200" i="1">
-                <a:solidFill>
-                  <a:srgbClr val="4186F8"/>
-                </a:solidFill>
-                <a:latin typeface="Fira Code"/>
-              </a:rPr>
-              <a:t>(</a:t>
-            </a:r>
-            <a:r>
-              <a:rPr lang="en-US" altLang="en-US" sz="1200">
-                <a:solidFill>
-                  <a:srgbClr val="E6DB74"/>
-                </a:solidFill>
-                <a:latin typeface="Fira Code"/>
-              </a:rPr>
-              <a:t>"</a:t>
-            </a:r>
-            <a:r>
-              <a:rPr lang="en-US" altLang="en-US" sz="1200">
-                <a:solidFill>
-                  <a:srgbClr val="E6DB74"/>
-                </a:solidFill>
-                <a:latin typeface="Fira Code"/>
-              </a:rPr>
-              <a:t>apple</a:t>
-            </a:r>
-            <a:r>
-              <a:rPr lang="en-US" altLang="en-US" sz="1200" smtClean="0">
-                <a:solidFill>
-                  <a:srgbClr val="E6DB74"/>
-                </a:solidFill>
-                <a:latin typeface="Fira Code"/>
-              </a:rPr>
-              <a:t>"</a:t>
-            </a:r>
-            <a:r>
-              <a:rPr lang="en-US" altLang="en-US" sz="1200" i="1" smtClean="0">
-                <a:solidFill>
-                  <a:srgbClr val="4186F8"/>
-                </a:solidFill>
-                <a:latin typeface="Fira Code"/>
-              </a:rPr>
-              <a:t>)                </a:t>
-            </a:r>
-            <a:r>
-              <a:rPr lang="en-US" altLang="en-US" sz="1200">
-                <a:solidFill>
-                  <a:srgbClr val="A9B7C6"/>
-                </a:solidFill>
-                <a:latin typeface="Fira Code"/>
-              </a:rPr>
-              <a:t>.</a:t>
-            </a:r>
-            <a:r>
-              <a:rPr lang="en-US" altLang="en-US" sz="1200" smtClean="0">
-                <a:solidFill>
-                  <a:srgbClr val="A6E22E"/>
-                </a:solidFill>
-                <a:latin typeface="Fira Code"/>
-              </a:rPr>
-              <a:t>createQuery</a:t>
-            </a:r>
-            <a:r>
-              <a:rPr lang="en-US" altLang="en-US" sz="1200" i="1">
-                <a:solidFill>
-                  <a:srgbClr val="4186F8"/>
-                </a:solidFill>
-                <a:latin typeface="Fira Code"/>
-              </a:rPr>
               <a:t>())</a:t>
-            </a:r>
-            <a:r>
-              <a:rPr lang="en-US" altLang="en-US" sz="1200" i="1">
-                <a:solidFill>
-                  <a:srgbClr val="4186F8"/>
-                </a:solidFill>
-                <a:latin typeface="Fira Code"/>
-              </a:rPr>
-              <a:t/>
             </a:r>
             <a:br>
               <a:rPr lang="en-US" altLang="en-US" sz="1200" i="1">
@@ -9770,15 +9678,6 @@
               </a:rPr>
               <a:t>()</a:t>
             </a:r>
-            <a:r>
-              <a:rPr lang="en-US" altLang="en-US" sz="1200" i="1">
-                <a:solidFill>
-                  <a:srgbClr val="4186F8"/>
-                </a:solidFill>
-                <a:latin typeface="Fira Code"/>
-              </a:rPr>
-              <a:t/>
-            </a:r>
             <a:br>
               <a:rPr lang="en-US" altLang="en-US" sz="1200" i="1">
                 <a:solidFill>
@@ -9877,15 +9776,6 @@
               </a:rPr>
               <a:t>)</a:t>
             </a:r>
-            <a:r>
-              <a:rPr lang="en-US" altLang="en-US" sz="1200" i="1">
-                <a:solidFill>
-                  <a:srgbClr val="4186F8"/>
-                </a:solidFill>
-                <a:latin typeface="Fira Code"/>
-              </a:rPr>
-              <a:t/>
-            </a:r>
             <a:br>
               <a:rPr lang="en-US" altLang="en-US" sz="1200" i="1">
                 <a:solidFill>
@@ -9921,15 +9811,6 @@
               </a:rPr>
               <a:t>())</a:t>
             </a:r>
-            <a:r>
-              <a:rPr lang="en-US" altLang="en-US" sz="1200" i="1">
-                <a:solidFill>
-                  <a:srgbClr val="4186F8"/>
-                </a:solidFill>
-                <a:latin typeface="Fira Code"/>
-              </a:rPr>
-              <a:t/>
-            </a:r>
             <a:br>
               <a:rPr lang="en-US" altLang="en-US" sz="1200" i="1">
                 <a:solidFill>
@@ -10091,15 +9972,6 @@
               </a:rPr>
               <a:t>)</a:t>
             </a:r>
-            <a:r>
-              <a:rPr lang="en-US" altLang="en-US" sz="1200" i="1">
-                <a:solidFill>
-                  <a:srgbClr val="4186F8"/>
-                </a:solidFill>
-                <a:latin typeface="Fira Code"/>
-              </a:rPr>
-              <a:t/>
-            </a:r>
             <a:br>
               <a:rPr lang="en-US" altLang="en-US" sz="1200" i="1">
                 <a:solidFill>
@@ -10134,15 +10006,6 @@
                 <a:latin typeface="Fira Code"/>
               </a:rPr>
               <a:t>())</a:t>
-            </a:r>
-            <a:r>
-              <a:rPr lang="en-US" altLang="en-US" sz="1200" i="1">
-                <a:solidFill>
-                  <a:srgbClr val="4186F8"/>
-                </a:solidFill>
-                <a:latin typeface="Fira Code"/>
-              </a:rPr>
-              <a:t/>
             </a:r>
             <a:br>
               <a:rPr lang="en-US" altLang="en-US" sz="1200" i="1">
@@ -11402,13 +11265,7 @@
               <a:rPr lang="en-US">
                 <a:hlinkClick r:id="rId2"/>
               </a:rPr>
-              <a:t>https</a:t>
-            </a:r>
-            <a:r>
-              <a:rPr lang="en-US">
-                <a:hlinkClick r:id="rId2"/>
-              </a:rPr>
-              <a:t>://</a:t>
+              <a:t>https://</a:t>
             </a:r>
             <a:r>
               <a:rPr lang="en-US" smtClean="0">
@@ -11912,15 +11769,6 @@
               </a:rPr>
               <a:t>;</a:t>
             </a:r>
-            <a:r>
-              <a:rPr lang="en-US" altLang="en-US" sz="1200">
-                <a:solidFill>
-                  <a:srgbClr val="A9B7C6"/>
-                </a:solidFill>
-                <a:latin typeface="Fira Code"/>
-              </a:rPr>
-              <a:t/>
-            </a:r>
             <a:br>
               <a:rPr lang="en-US" altLang="en-US" sz="1200">
                 <a:solidFill>
@@ -12914,10 +12762,10 @@
                   </a:schemeClr>
                 </a:solidFill>
               </a:rPr>
-              <a:t>other lucene syntax</a:t>
-            </a:r>
-            <a:r>
-              <a:rPr lang="en-US">
+              <a:t>other lucene syntax:  </a:t>
+            </a:r>
+            <a:r>
+              <a:rPr lang="en-US" smtClean="0">
                 <a:solidFill>
                   <a:schemeClr val="tx1">
                     <a:lumMod val="65000"/>
@@ -12925,10 +12773,10 @@
                   </a:schemeClr>
                 </a:solidFill>
               </a:rPr>
-              <a:t>:  </a:t>
-            </a:r>
-            <a:r>
-              <a:rPr lang="en-US" smtClean="0">
+              <a:t>“\ </a:t>
+            </a:r>
+            <a:r>
+              <a:rPr lang="en-US">
                 <a:solidFill>
                   <a:schemeClr val="tx1">
                     <a:lumMod val="65000"/>
@@ -12936,29 +12784,7 @@
                   </a:schemeClr>
                 </a:solidFill>
               </a:rPr>
-              <a:t>“\ </a:t>
-            </a:r>
-            <a:r>
-              <a:rPr lang="en-US">
-                <a:solidFill>
-                  <a:schemeClr val="tx1">
-                    <a:lumMod val="65000"/>
-                    <a:lumOff val="35000"/>
-                  </a:schemeClr>
-                </a:solidFill>
-              </a:rPr>
-              <a:t>+ - ! { } [ ] ^ </a:t>
-            </a:r>
-            <a:r>
-              <a:rPr lang="en-US">
-                <a:solidFill>
-                  <a:schemeClr val="tx1">
-                    <a:lumMod val="65000"/>
-                    <a:lumOff val="35000"/>
-                  </a:schemeClr>
-                </a:solidFill>
-              </a:rPr>
-              <a:t>? </a:t>
+              <a:t>+ - ! { } [ ] ^ ? </a:t>
             </a:r>
             <a:r>
               <a:rPr lang="en-US" smtClean="0">
@@ -13171,18 +12997,7 @@
                   </a:schemeClr>
                 </a:solidFill>
               </a:rPr>
-              <a:t>science</a:t>
-            </a:r>
-            <a:r>
-              <a:rPr lang="en-US" altLang="en-US">
-                <a:solidFill>
-                  <a:schemeClr val="tx1">
-                    <a:lumMod val="65000"/>
-                    <a:lumOff val="35000"/>
-                  </a:schemeClr>
-                </a:solidFill>
-              </a:rPr>
-              <a:t>~ </a:t>
+              <a:t>science~ </a:t>
             </a:r>
             <a:r>
               <a:rPr lang="en-US" altLang="en-US" smtClean="0">
@@ -13361,10 +13176,10 @@
                   </a:schemeClr>
                 </a:solidFill>
               </a:rPr>
-              <a:t> </a:t>
-            </a:r>
-            <a:r>
-              <a:rPr lang="en-US" altLang="en-US">
+              <a:t> fact</a:t>
+            </a:r>
+            <a:r>
+              <a:rPr lang="en-US" altLang="en-US" smtClean="0">
                 <a:solidFill>
                   <a:schemeClr val="tx1">
                     <a:lumMod val="65000"/>
@@ -13372,10 +13187,15 @@
                   </a:schemeClr>
                 </a:solidFill>
               </a:rPr>
-              <a:t>fact</a:t>
-            </a:r>
-            <a:r>
-              <a:rPr lang="en-US" altLang="en-US" smtClean="0">
+              <a:t>~)</a:t>
+            </a:r>
+          </a:p>
+          <a:p>
+            <a:pPr marL="0" indent="0">
+              <a:buNone/>
+            </a:pPr>
+            <a:r>
+              <a:rPr lang="en-US" altLang="en-US">
                 <a:solidFill>
                   <a:schemeClr val="tx1">
                     <a:lumMod val="65000"/>
@@ -13383,13 +13203,19 @@
                   </a:schemeClr>
                 </a:solidFill>
               </a:rPr>
-              <a:t>~)</a:t>
-            </a:r>
-          </a:p>
-          <a:p>
-            <a:pPr marL="0" indent="0">
-              <a:buNone/>
-            </a:pPr>
+              <a:t>“the meaning of life” </a:t>
+            </a:r>
+            <a:r>
+              <a:rPr lang="en-US" altLang="en-US">
+                <a:solidFill>
+                  <a:schemeClr val="accent1">
+                    <a:lumMod val="75000"/>
+                    <a:lumOff val="25000"/>
+                  </a:schemeClr>
+                </a:solidFill>
+              </a:rPr>
+              <a:t>-&gt;</a:t>
+            </a:r>
             <a:r>
               <a:rPr lang="en-US" altLang="en-US">
                 <a:solidFill>
@@ -13399,40 +13225,7 @@
                   </a:schemeClr>
                 </a:solidFill>
               </a:rPr>
-              <a:t>“the meaning of life” </a:t>
-            </a:r>
-            <a:r>
-              <a:rPr lang="en-US" altLang="en-US">
-                <a:solidFill>
-                  <a:schemeClr val="accent1">
-                    <a:lumMod val="75000"/>
-                    <a:lumOff val="25000"/>
-                  </a:schemeClr>
-                </a:solidFill>
-              </a:rPr>
-              <a:t>-&gt;</a:t>
-            </a:r>
-            <a:r>
-              <a:rPr lang="en-US" altLang="en-US">
-                <a:solidFill>
-                  <a:schemeClr val="tx1">
-                    <a:lumMod val="65000"/>
-                    <a:lumOff val="35000"/>
-                  </a:schemeClr>
-                </a:solidFill>
-              </a:rPr>
-              <a:t> "the meaning of </a:t>
-            </a:r>
-            <a:r>
-              <a:rPr lang="en-US" altLang="en-US">
-                <a:solidFill>
-                  <a:schemeClr val="tx1">
-                    <a:lumMod val="65000"/>
-                    <a:lumOff val="35000"/>
-                  </a:schemeClr>
-                </a:solidFill>
-              </a:rPr>
-              <a:t>life</a:t>
+              <a:t> "the meaning of life</a:t>
             </a:r>
             <a:r>
               <a:rPr lang="en-US" altLang="en-US" smtClean="0">
@@ -13527,10 +13320,10 @@
                   </a:schemeClr>
                 </a:solidFill>
               </a:rPr>
-              <a:t>:"George </a:t>
-            </a:r>
-            <a:r>
-              <a:rPr lang="en-US" altLang="en-US">
+              <a:t>:"George Lucas</a:t>
+            </a:r>
+            <a:r>
+              <a:rPr lang="en-US" altLang="en-US" smtClean="0">
                 <a:solidFill>
                   <a:schemeClr val="tx1">
                     <a:lumMod val="65000"/>
@@ -13538,10 +13331,15 @@
                   </a:schemeClr>
                 </a:solidFill>
               </a:rPr>
-              <a:t>Lucas</a:t>
-            </a:r>
-            <a:r>
-              <a:rPr lang="en-US" altLang="en-US" smtClean="0">
+              <a:t>"~</a:t>
+            </a:r>
+          </a:p>
+          <a:p>
+            <a:pPr marL="0" indent="0">
+              <a:buNone/>
+            </a:pPr>
+            <a:r>
+              <a:rPr lang="en-US" altLang="en-US">
                 <a:solidFill>
                   <a:schemeClr val="tx1">
                     <a:lumMod val="65000"/>
@@ -13549,7 +13347,18 @@
                   </a:schemeClr>
                 </a:solidFill>
               </a:rPr>
-              <a:t>"~</a:t>
+              <a:t>“George “someone Lucas”” </a:t>
+            </a:r>
+            <a:r>
+              <a:rPr lang="en-US" altLang="en-US" smtClean="0">
+                <a:solidFill>
+                  <a:schemeClr val="accent1">
+                    <a:lumMod val="75000"/>
+                    <a:lumOff val="25000"/>
+                  </a:schemeClr>
+                </a:solidFill>
+              </a:rPr>
+              <a:t>-&gt;</a:t>
             </a:r>
           </a:p>
           <a:p>
@@ -13558,6 +13367,17 @@
             </a:pPr>
             <a:r>
               <a:rPr lang="en-US" altLang="en-US">
+                <a:solidFill>
+                  <a:schemeClr val="accent1">
+                    <a:lumMod val="75000"/>
+                    <a:lumOff val="25000"/>
+                  </a:schemeClr>
+                </a:solidFill>
+              </a:rPr>
+              <a:t>	</a:t>
+            </a:r>
+            <a:r>
+              <a:rPr lang="en-US" altLang="en-US" smtClean="0">
                 <a:solidFill>
                   <a:schemeClr val="tx1">
                     <a:lumMod val="65000"/>
@@ -13565,7 +13385,7 @@
                   </a:schemeClr>
                 </a:solidFill>
               </a:rPr>
-              <a:t>“George “someone Lucas</a:t>
+              <a:t> </a:t>
             </a:r>
             <a:r>
               <a:rPr lang="en-US" altLang="en-US">
@@ -13576,67 +13396,7 @@
                   </a:schemeClr>
                 </a:solidFill>
               </a:rPr>
-              <a:t>”” </a:t>
-            </a:r>
-            <a:r>
-              <a:rPr lang="en-US" altLang="en-US" smtClean="0">
-                <a:solidFill>
-                  <a:schemeClr val="accent1">
-                    <a:lumMod val="75000"/>
-                    <a:lumOff val="25000"/>
-                  </a:schemeClr>
-                </a:solidFill>
-              </a:rPr>
-              <a:t>-&gt;</a:t>
-            </a:r>
-          </a:p>
-          <a:p>
-            <a:pPr marL="0" indent="0">
-              <a:buNone/>
-            </a:pPr>
-            <a:r>
-              <a:rPr lang="en-US" altLang="en-US">
-                <a:solidFill>
-                  <a:schemeClr val="accent1">
-                    <a:lumMod val="75000"/>
-                    <a:lumOff val="25000"/>
-                  </a:schemeClr>
-                </a:solidFill>
-              </a:rPr>
-              <a:t>	</a:t>
-            </a:r>
-            <a:r>
-              <a:rPr lang="en-US" altLang="en-US" smtClean="0">
-                <a:solidFill>
-                  <a:schemeClr val="tx1">
-                    <a:lumMod val="65000"/>
-                    <a:lumOff val="35000"/>
-                  </a:schemeClr>
-                </a:solidFill>
-              </a:rPr>
-              <a:t> </a:t>
-            </a:r>
-            <a:r>
-              <a:rPr lang="en-US" altLang="en-US">
-                <a:solidFill>
-                  <a:schemeClr val="tx1">
-                    <a:lumMod val="65000"/>
-                    <a:lumOff val="35000"/>
-                  </a:schemeClr>
-                </a:solidFill>
-              </a:rPr>
-              <a:t>"George "someone </a:t>
-            </a:r>
-            <a:r>
-              <a:rPr lang="en-US" altLang="en-US">
-                <a:solidFill>
-                  <a:schemeClr val="tx1">
-                    <a:lumMod val="65000"/>
-                    <a:lumOff val="35000"/>
-                  </a:schemeClr>
-                </a:solidFill>
-              </a:rPr>
-              <a:t>Lucas</a:t>
+              <a:t>"George "someone Lucas</a:t>
             </a:r>
             <a:r>
               <a:rPr lang="en-US" altLang="en-US" smtClean="0">
@@ -13742,18 +13502,7 @@
                   </a:schemeClr>
                 </a:solidFill>
               </a:rPr>
-              <a:t>~ \{</a:t>
-            </a:r>
-            <a:r>
-              <a:rPr lang="en-US" altLang="en-US">
-                <a:solidFill>
-                  <a:schemeClr val="tx1">
-                    <a:lumMod val="65000"/>
-                    <a:lumOff val="35000"/>
-                  </a:schemeClr>
-                </a:solidFill>
-              </a:rPr>
-              <a:t>alien</a:t>
+              <a:t>~ \{alien</a:t>
             </a:r>
             <a:r>
               <a:rPr lang="en-US" altLang="en-US" smtClean="0">
@@ -14122,2770 +13871,6 @@
           <a:chExt cx="0" cy="0"/>
         </a:xfrm>
       </p:grpSpPr>
-      <p:pic>
-        <p:nvPicPr>
-          <p:cNvPr id="4" name="Picture 2" descr="https://www.codemr.co.uk/wp-content/uploads/2017/12/lucene-core-Package-Dependency.png"/>
-          <p:cNvPicPr>
-            <a:picLocks noChangeAspect="1" noChangeArrowheads="1"/>
-          </p:cNvPicPr>
-          <p:nvPr/>
-        </p:nvPicPr>
-        <p:blipFill rotWithShape="1">
-          <a:blip r:embed="rId2">
-            <a:extLst>
-              <a:ext uri="{28A0092B-C50C-407E-A947-70E740481C1C}">
-                <a14:useLocalDpi xmlns:a14="http://schemas.microsoft.com/office/drawing/2010/main" val="0"/>
-              </a:ext>
-            </a:extLst>
-          </a:blip>
-          <a:srcRect l="1715" t="6029" r="26488" b="3234"/>
-          <a:stretch/>
-        </p:blipFill>
-        <p:spPr bwMode="auto">
-          <a:xfrm>
-            <a:off x="6472989" y="1144985"/>
-            <a:ext cx="5390148" cy="5022361"/>
-          </a:xfrm>
-          <a:prstGeom prst="rect">
-            <a:avLst/>
-          </a:prstGeom>
-          <a:noFill/>
-          <a:extLst>
-            <a:ext uri="{909E8E84-426E-40DD-AFC4-6F175D3DCCD1}">
-              <a14:hiddenFill xmlns:a14="http://schemas.microsoft.com/office/drawing/2010/main">
-                <a:solidFill>
-                  <a:srgbClr val="FFFFFF"/>
-                </a:solidFill>
-              </a14:hiddenFill>
-            </a:ext>
-          </a:extLst>
-        </p:spPr>
-      </p:pic>
-      <p:sp>
-        <p:nvSpPr>
-          <p:cNvPr id="2" name="Rectangle 1">
-            <a:extLst>
-              <a:ext uri="{FF2B5EF4-FFF2-40B4-BE49-F238E27FC236}">
-                <a16:creationId xmlns:a16="http://schemas.microsoft.com/office/drawing/2014/main" id="{3589821E-5F86-48DB-9401-7623BE6C5F3B}"/>
-              </a:ext>
-            </a:extLst>
-          </p:cNvPr>
-          <p:cNvSpPr/>
-          <p:nvPr/>
-        </p:nvSpPr>
-        <p:spPr>
-          <a:xfrm>
-            <a:off x="320136" y="2051736"/>
-            <a:ext cx="6096000" cy="4524315"/>
-          </a:xfrm>
-          <a:prstGeom prst="rect">
-            <a:avLst/>
-          </a:prstGeom>
-        </p:spPr>
-        <p:txBody>
-          <a:bodyPr>
-            <a:spAutoFit/>
-          </a:bodyPr>
-          <a:lstStyle/>
-          <a:p>
-            <a:r>
-              <a:rPr lang="en-US">
-                <a:solidFill>
-                  <a:srgbClr val="333333"/>
-                </a:solidFill>
-                <a:latin typeface="raleway"/>
-              </a:rPr>
-              <a:t>“In case we’re already using Hibernate and JPA for ORM, we’re only one step away from Hibernate Search.</a:t>
-            </a:r>
-          </a:p>
-          <a:p>
-            <a:endParaRPr lang="en-US">
-              <a:solidFill>
-                <a:srgbClr val="333333"/>
-              </a:solidFill>
-              <a:latin typeface="raleway"/>
-            </a:endParaRPr>
-          </a:p>
-          <a:p>
-            <a:r>
-              <a:rPr lang="en-US" b="1">
-                <a:solidFill>
-                  <a:srgbClr val="333333"/>
-                </a:solidFill>
-                <a:latin typeface="raleway"/>
-              </a:rPr>
-              <a:t>Hibernate Search integrates Apache Lucene, a high-performance and extensible full-text search-engine library written in Java</a:t>
-            </a:r>
-            <a:r>
-              <a:rPr lang="en-US">
-                <a:solidFill>
-                  <a:srgbClr val="333333"/>
-                </a:solidFill>
-                <a:latin typeface="raleway"/>
-              </a:rPr>
-              <a:t>. </a:t>
-            </a:r>
-          </a:p>
-          <a:p>
-            <a:endParaRPr lang="en-US">
-              <a:solidFill>
-                <a:srgbClr val="333333"/>
-              </a:solidFill>
-              <a:latin typeface="raleway"/>
-            </a:endParaRPr>
-          </a:p>
-          <a:p>
-            <a:r>
-              <a:rPr lang="en-US">
-                <a:solidFill>
-                  <a:srgbClr val="333333"/>
-                </a:solidFill>
-                <a:latin typeface="raleway"/>
-              </a:rPr>
-              <a:t>This combines the power of Lucene with the simplicity of Hibernate and JPA.</a:t>
-            </a:r>
-          </a:p>
-          <a:p>
-            <a:endParaRPr lang="en-US">
-              <a:solidFill>
-                <a:srgbClr val="333333"/>
-              </a:solidFill>
-              <a:latin typeface="raleway"/>
-            </a:endParaRPr>
-          </a:p>
-          <a:p>
-            <a:r>
-              <a:rPr lang="en-US">
-                <a:solidFill>
-                  <a:srgbClr val="333333"/>
-                </a:solidFill>
-                <a:latin typeface="raleway"/>
-              </a:rPr>
-              <a:t>Simply put, we just have to add some additional annotations to our domain classes, and </a:t>
-            </a:r>
-            <a:r>
-              <a:rPr lang="en-US" b="1">
-                <a:solidFill>
-                  <a:srgbClr val="333333"/>
-                </a:solidFill>
-                <a:latin typeface="raleway"/>
-              </a:rPr>
-              <a:t>the tool will take care of the things like database/index synchronization.”</a:t>
-            </a:r>
-          </a:p>
-          <a:p>
-            <a:endParaRPr lang="en-US" b="1" i="0">
-              <a:solidFill>
-                <a:srgbClr val="333333"/>
-              </a:solidFill>
-              <a:effectLst/>
-              <a:latin typeface="raleway"/>
-            </a:endParaRPr>
-          </a:p>
-          <a:p>
-            <a:r>
-              <a:rPr lang="en-US">
-                <a:hlinkClick r:id="rId3"/>
-              </a:rPr>
-              <a:t>https://www.baeldung.com/hibernate-search</a:t>
-            </a:r>
-            <a:endParaRPr lang="en-US" b="0" i="0">
-              <a:solidFill>
-                <a:srgbClr val="333333"/>
-              </a:solidFill>
-              <a:effectLst/>
-              <a:latin typeface="raleway"/>
-            </a:endParaRPr>
-          </a:p>
-        </p:txBody>
-      </p:sp>
-      <p:pic>
-        <p:nvPicPr>
-          <p:cNvPr id="5" name="Picture 4" descr="Related image">
-            <a:extLst>
-              <a:ext uri="{FF2B5EF4-FFF2-40B4-BE49-F238E27FC236}">
-                <a16:creationId xmlns:a16="http://schemas.microsoft.com/office/drawing/2014/main" id="{B3EB587F-0999-4E05-9DB5-DD5DA9F4DF33}"/>
-              </a:ext>
-            </a:extLst>
-          </p:cNvPr>
-          <p:cNvPicPr>
-            <a:picLocks noChangeAspect="1" noChangeArrowheads="1"/>
-          </p:cNvPicPr>
-          <p:nvPr/>
-        </p:nvPicPr>
-        <p:blipFill>
-          <a:blip r:embed="rId4">
-            <a:extLst>
-              <a:ext uri="{28A0092B-C50C-407E-A947-70E740481C1C}">
-                <a14:useLocalDpi xmlns:a14="http://schemas.microsoft.com/office/drawing/2010/main" val="0"/>
-              </a:ext>
-            </a:extLst>
-          </a:blip>
-          <a:srcRect/>
-          <a:stretch>
-            <a:fillRect/>
-          </a:stretch>
-        </p:blipFill>
-        <p:spPr bwMode="auto">
-          <a:xfrm>
-            <a:off x="831072" y="682361"/>
-            <a:ext cx="4246254" cy="1357859"/>
-          </a:xfrm>
-          <a:prstGeom prst="rect">
-            <a:avLst/>
-          </a:prstGeom>
-          <a:noFill/>
-          <a:extLst>
-            <a:ext uri="{909E8E84-426E-40DD-AFC4-6F175D3DCCD1}">
-              <a14:hiddenFill xmlns:a14="http://schemas.microsoft.com/office/drawing/2010/main">
-                <a:solidFill>
-                  <a:srgbClr val="FFFFFF"/>
-                </a:solidFill>
-              </a14:hiddenFill>
-            </a:ext>
-          </a:extLst>
-        </p:spPr>
-      </p:pic>
-    </p:spTree>
-    <p:extLst>
-      <p:ext uri="{BB962C8B-B14F-4D97-AF65-F5344CB8AC3E}">
-        <p14:creationId xmlns:p14="http://schemas.microsoft.com/office/powerpoint/2010/main" val="733625055"/>
-      </p:ext>
-    </p:extLst>
-  </p:cSld>
-  <p:clrMapOvr>
-    <a:masterClrMapping/>
-  </p:clrMapOvr>
-  <p:timing>
-    <p:tnLst>
-      <p:par>
-        <p:cTn id="1" dur="indefinite" restart="never" nodeType="tmRoot"/>
-      </p:par>
-    </p:tnLst>
-  </p:timing>
-</p:sld>
-</file>
-
-<file path=ppt/slides/slide4.xml><?xml version="1.0" encoding="utf-8"?>
-<p:sld xmlns:a="http://schemas.openxmlformats.org/drawingml/2006/main" xmlns:r="http://schemas.openxmlformats.org/officeDocument/2006/relationships" xmlns:p="http://schemas.openxmlformats.org/presentationml/2006/main">
-  <p:cSld>
-    <p:spTree>
-      <p:nvGrpSpPr>
-        <p:cNvPr id="1" name=""/>
-        <p:cNvGrpSpPr/>
-        <p:nvPr/>
-      </p:nvGrpSpPr>
-      <p:grpSpPr>
-        <a:xfrm>
-          <a:off x="0" y="0"/>
-          <a:ext cx="0" cy="0"/>
-          <a:chOff x="0" y="0"/>
-          <a:chExt cx="0" cy="0"/>
-        </a:xfrm>
-      </p:grpSpPr>
-      <p:sp>
-        <p:nvSpPr>
-          <p:cNvPr id="2" name="Title 1"/>
-          <p:cNvSpPr>
-            <a:spLocks noGrp="1"/>
-          </p:cNvSpPr>
-          <p:nvPr>
-            <p:ph type="title"/>
-          </p:nvPr>
-        </p:nvSpPr>
-        <p:spPr/>
-        <p:txBody>
-          <a:bodyPr/>
-          <a:lstStyle/>
-          <a:p>
-            <a:r>
-              <a:rPr lang="en-US" smtClean="0"/>
-              <a:t>SCI FI Application Structure</a:t>
-            </a:r>
-            <a:endParaRPr lang="en-US"/>
-          </a:p>
-        </p:txBody>
-      </p:sp>
-      <p:sp>
-        <p:nvSpPr>
-          <p:cNvPr id="3" name="Content Placeholder 2"/>
-          <p:cNvSpPr>
-            <a:spLocks noGrp="1"/>
-          </p:cNvSpPr>
-          <p:nvPr>
-            <p:ph sz="half" idx="1"/>
-          </p:nvPr>
-        </p:nvSpPr>
-        <p:spPr>
-          <a:xfrm>
-            <a:off x="581193" y="2588900"/>
-            <a:ext cx="2326130" cy="4071197"/>
-          </a:xfrm>
-        </p:spPr>
-        <p:txBody>
-          <a:bodyPr>
-            <a:normAutofit fontScale="25000" lnSpcReduction="20000"/>
-          </a:bodyPr>
-          <a:lstStyle/>
-          <a:p>
-            <a:pPr marL="0" indent="0">
-              <a:buNone/>
-            </a:pPr>
-            <a:r>
-              <a:rPr lang="en-US" sz="6400" b="1">
-                <a:solidFill>
-                  <a:schemeClr val="accent5">
-                    <a:lumMod val="50000"/>
-                  </a:schemeClr>
-                </a:solidFill>
-              </a:rPr>
-              <a:t>[Primary fields]</a:t>
-            </a:r>
-          </a:p>
-          <a:p>
-            <a:r>
-              <a:rPr lang="en-US" sz="6400" err="1"/>
-              <a:t>movieId</a:t>
-            </a:r>
-            <a:endParaRPr lang="en-US" sz="6400"/>
-          </a:p>
-          <a:p>
-            <a:r>
-              <a:rPr lang="en-US" sz="6400"/>
-              <a:t>Title</a:t>
-            </a:r>
-          </a:p>
-          <a:p>
-            <a:r>
-              <a:rPr lang="en-US" sz="6400"/>
-              <a:t>description</a:t>
-            </a:r>
-          </a:p>
-          <a:p>
-            <a:r>
-              <a:rPr lang="en-US" sz="6400"/>
-              <a:t>url</a:t>
-            </a:r>
-          </a:p>
-          <a:p>
-            <a:r>
-              <a:rPr lang="en-US" sz="6400"/>
-              <a:t>cover</a:t>
-            </a:r>
-          </a:p>
-          <a:p>
-            <a:r>
-              <a:rPr lang="en-US" sz="6400" err="1"/>
-              <a:t>catchPhrase</a:t>
-            </a:r>
-            <a:endParaRPr lang="en-US" sz="6400"/>
-          </a:p>
-          <a:p>
-            <a:r>
-              <a:rPr lang="en-US" sz="6400"/>
-              <a:t>producer</a:t>
-            </a:r>
-          </a:p>
-          <a:p>
-            <a:r>
-              <a:rPr lang="en-US" sz="6400"/>
-              <a:t>genre</a:t>
-            </a:r>
-          </a:p>
-          <a:p>
-            <a:r>
-              <a:rPr lang="en-US" sz="6400"/>
-              <a:t>country</a:t>
-            </a:r>
-          </a:p>
-          <a:p>
-            <a:r>
-              <a:rPr lang="en-US" sz="6400"/>
-              <a:t>avatar</a:t>
-            </a:r>
-          </a:p>
-          <a:p>
-            <a:r>
-              <a:rPr lang="en-US" sz="6400" smtClean="0"/>
-              <a:t>rating</a:t>
-            </a:r>
-            <a:endParaRPr lang="en-US"/>
-          </a:p>
-          <a:p>
-            <a:endParaRPr lang="en-US"/>
-          </a:p>
-        </p:txBody>
-      </p:sp>
-      <p:sp>
-        <p:nvSpPr>
-          <p:cNvPr id="5" name="Content Placeholder 2"/>
-          <p:cNvSpPr txBox="1">
-            <a:spLocks/>
-          </p:cNvSpPr>
-          <p:nvPr/>
-        </p:nvSpPr>
-        <p:spPr>
-          <a:xfrm>
-            <a:off x="2563443" y="2620160"/>
-            <a:ext cx="3016739" cy="2450250"/>
-          </a:xfrm>
-          <a:prstGeom prst="rect">
-            <a:avLst/>
-          </a:prstGeom>
-        </p:spPr>
-        <p:txBody>
-          <a:bodyPr vert="horz" lIns="91440" tIns="45720" rIns="91440" bIns="45720" rtlCol="0" anchor="ctr">
-            <a:normAutofit/>
-          </a:bodyPr>
-          <a:lstStyle>
-            <a:lvl1pPr marL="306000" indent="-306000" algn="l" defTabSz="457200" rtl="0" eaLnBrk="1" latinLnBrk="0" hangingPunct="1">
-              <a:spcBef>
-                <a:spcPct val="20000"/>
-              </a:spcBef>
-              <a:spcAft>
-                <a:spcPts val="600"/>
-              </a:spcAft>
-              <a:buClr>
-                <a:schemeClr val="accent2"/>
-              </a:buClr>
-              <a:buSzPct val="92000"/>
-              <a:buFont typeface="Wingdings 2" panose="05020102010507070707" pitchFamily="18" charset="2"/>
-              <a:buChar char=""/>
-              <a:defRPr sz="1800" kern="1200">
-                <a:solidFill>
-                  <a:schemeClr val="tx2"/>
-                </a:solidFill>
-                <a:latin typeface="+mn-lt"/>
-                <a:ea typeface="+mn-ea"/>
-                <a:cs typeface="+mn-cs"/>
-              </a:defRPr>
-            </a:lvl1pPr>
-            <a:lvl2pPr marL="630000" indent="-306000" algn="l" defTabSz="457200" rtl="0" eaLnBrk="1" latinLnBrk="0" hangingPunct="1">
-              <a:spcBef>
-                <a:spcPct val="20000"/>
-              </a:spcBef>
-              <a:spcAft>
-                <a:spcPts val="600"/>
-              </a:spcAft>
-              <a:buClr>
-                <a:schemeClr val="accent2"/>
-              </a:buClr>
-              <a:buSzPct val="92000"/>
-              <a:buFont typeface="Wingdings 2" panose="05020102010507070707" pitchFamily="18" charset="2"/>
-              <a:buChar char=""/>
-              <a:defRPr sz="1600" kern="1200">
-                <a:solidFill>
-                  <a:schemeClr val="tx2"/>
-                </a:solidFill>
-                <a:latin typeface="+mn-lt"/>
-                <a:ea typeface="+mn-ea"/>
-                <a:cs typeface="+mn-cs"/>
-              </a:defRPr>
-            </a:lvl2pPr>
-            <a:lvl3pPr marL="900000" indent="-270000" algn="l" defTabSz="457200" rtl="0" eaLnBrk="1" latinLnBrk="0" hangingPunct="1">
-              <a:spcBef>
-                <a:spcPct val="20000"/>
-              </a:spcBef>
-              <a:spcAft>
-                <a:spcPts val="600"/>
-              </a:spcAft>
-              <a:buClr>
-                <a:schemeClr val="accent2"/>
-              </a:buClr>
-              <a:buSzPct val="92000"/>
-              <a:buFont typeface="Wingdings 2" panose="05020102010507070707" pitchFamily="18" charset="2"/>
-              <a:buChar char=""/>
-              <a:defRPr sz="1400" kern="1200">
-                <a:solidFill>
-                  <a:schemeClr val="tx2"/>
-                </a:solidFill>
-                <a:latin typeface="+mn-lt"/>
-                <a:ea typeface="+mn-ea"/>
-                <a:cs typeface="+mn-cs"/>
-              </a:defRPr>
-            </a:lvl3pPr>
-            <a:lvl4pPr marL="1242000" indent="-234000" algn="l" defTabSz="457200" rtl="0" eaLnBrk="1" latinLnBrk="0" hangingPunct="1">
-              <a:spcBef>
-                <a:spcPct val="20000"/>
-              </a:spcBef>
-              <a:spcAft>
-                <a:spcPts val="600"/>
-              </a:spcAft>
-              <a:buClr>
-                <a:schemeClr val="accent2"/>
-              </a:buClr>
-              <a:buSzPct val="92000"/>
-              <a:buFont typeface="Wingdings 2" panose="05020102010507070707" pitchFamily="18" charset="2"/>
-              <a:buChar char=""/>
-              <a:defRPr sz="1200" kern="1200">
-                <a:solidFill>
-                  <a:schemeClr val="tx2"/>
-                </a:solidFill>
-                <a:latin typeface="+mn-lt"/>
-                <a:ea typeface="+mn-ea"/>
-                <a:cs typeface="+mn-cs"/>
-              </a:defRPr>
-            </a:lvl4pPr>
-            <a:lvl5pPr marL="1602000" indent="-234000" algn="l" defTabSz="457200" rtl="0" eaLnBrk="1" latinLnBrk="0" hangingPunct="1">
-              <a:spcBef>
-                <a:spcPct val="20000"/>
-              </a:spcBef>
-              <a:spcAft>
-                <a:spcPts val="600"/>
-              </a:spcAft>
-              <a:buClr>
-                <a:schemeClr val="accent2"/>
-              </a:buClr>
-              <a:buSzPct val="92000"/>
-              <a:buFont typeface="Wingdings 2" panose="05020102010507070707" pitchFamily="18" charset="2"/>
-              <a:buChar char=""/>
-              <a:defRPr sz="1200" kern="1200">
-                <a:solidFill>
-                  <a:schemeClr val="tx2"/>
-                </a:solidFill>
-                <a:latin typeface="+mn-lt"/>
-                <a:ea typeface="+mn-ea"/>
-                <a:cs typeface="+mn-cs"/>
-              </a:defRPr>
-            </a:lvl5pPr>
-            <a:lvl6pPr marL="1900000" indent="-228600" algn="l" defTabSz="457200" rtl="0" eaLnBrk="1" latinLnBrk="0" hangingPunct="1">
-              <a:spcBef>
-                <a:spcPct val="20000"/>
-              </a:spcBef>
-              <a:spcAft>
-                <a:spcPts val="600"/>
-              </a:spcAft>
-              <a:buClr>
-                <a:schemeClr val="accent2"/>
-              </a:buClr>
-              <a:buSzPct val="92000"/>
-              <a:buFont typeface="Wingdings 2" panose="05020102010507070707" pitchFamily="18" charset="2"/>
-              <a:buChar char=""/>
-              <a:defRPr sz="1200" kern="1200">
-                <a:solidFill>
-                  <a:schemeClr val="tx2"/>
-                </a:solidFill>
-                <a:latin typeface="+mn-lt"/>
-                <a:ea typeface="+mn-ea"/>
-                <a:cs typeface="+mn-cs"/>
-              </a:defRPr>
-            </a:lvl6pPr>
-            <a:lvl7pPr marL="2200000" indent="-228600" algn="l" defTabSz="457200" rtl="0" eaLnBrk="1" latinLnBrk="0" hangingPunct="1">
-              <a:spcBef>
-                <a:spcPct val="20000"/>
-              </a:spcBef>
-              <a:spcAft>
-                <a:spcPts val="600"/>
-              </a:spcAft>
-              <a:buClr>
-                <a:schemeClr val="accent2"/>
-              </a:buClr>
-              <a:buSzPct val="92000"/>
-              <a:buFont typeface="Wingdings 2" panose="05020102010507070707" pitchFamily="18" charset="2"/>
-              <a:buChar char=""/>
-              <a:defRPr sz="1200" kern="1200">
-                <a:solidFill>
-                  <a:schemeClr val="tx2"/>
-                </a:solidFill>
-                <a:latin typeface="+mn-lt"/>
-                <a:ea typeface="+mn-ea"/>
-                <a:cs typeface="+mn-cs"/>
-              </a:defRPr>
-            </a:lvl7pPr>
-            <a:lvl8pPr marL="2500000" indent="-228600" algn="l" defTabSz="457200" rtl="0" eaLnBrk="1" latinLnBrk="0" hangingPunct="1">
-              <a:spcBef>
-                <a:spcPct val="20000"/>
-              </a:spcBef>
-              <a:spcAft>
-                <a:spcPts val="600"/>
-              </a:spcAft>
-              <a:buClr>
-                <a:schemeClr val="accent2"/>
-              </a:buClr>
-              <a:buSzPct val="92000"/>
-              <a:buFont typeface="Wingdings 2" panose="05020102010507070707" pitchFamily="18" charset="2"/>
-              <a:buChar char=""/>
-              <a:defRPr sz="1200" kern="1200">
-                <a:solidFill>
-                  <a:schemeClr val="tx2"/>
-                </a:solidFill>
-                <a:latin typeface="+mn-lt"/>
-                <a:ea typeface="+mn-ea"/>
-                <a:cs typeface="+mn-cs"/>
-              </a:defRPr>
-            </a:lvl8pPr>
-            <a:lvl9pPr marL="2800000" indent="-228600" algn="l" defTabSz="457200" rtl="0" eaLnBrk="1" latinLnBrk="0" hangingPunct="1">
-              <a:spcBef>
-                <a:spcPct val="20000"/>
-              </a:spcBef>
-              <a:spcAft>
-                <a:spcPts val="600"/>
-              </a:spcAft>
-              <a:buClr>
-                <a:schemeClr val="accent2"/>
-              </a:buClr>
-              <a:buSzPct val="92000"/>
-              <a:buFont typeface="Wingdings 2" panose="05020102010507070707" pitchFamily="18" charset="2"/>
-              <a:buChar char=""/>
-              <a:defRPr sz="1200" kern="1200">
-                <a:solidFill>
-                  <a:schemeClr val="tx2"/>
-                </a:solidFill>
-                <a:latin typeface="+mn-lt"/>
-                <a:ea typeface="+mn-ea"/>
-                <a:cs typeface="+mn-cs"/>
-              </a:defRPr>
-            </a:lvl9pPr>
-          </a:lstStyle>
-          <a:p>
-            <a:pPr marL="0" indent="0">
-              <a:buNone/>
-            </a:pPr>
-            <a:r>
-              <a:rPr lang="en-US" sz="1600" b="1" smtClean="0">
-                <a:solidFill>
-                  <a:schemeClr val="accent3">
-                    <a:lumMod val="75000"/>
-                  </a:schemeClr>
-                </a:solidFill>
-              </a:rPr>
-              <a:t>[Inherited fields]</a:t>
-            </a:r>
-          </a:p>
-          <a:p>
-            <a:r>
-              <a:rPr lang="en-US" sz="1600" err="1" smtClean="0"/>
-              <a:t>createdDate</a:t>
-            </a:r>
-            <a:endParaRPr lang="en-US" sz="1600" smtClean="0"/>
-          </a:p>
-          <a:p>
-            <a:r>
-              <a:rPr lang="en-US" sz="1600" err="1" smtClean="0"/>
-              <a:t>lastModifiedDate</a:t>
-            </a:r>
-            <a:endParaRPr lang="en-US" sz="1600" smtClean="0"/>
-          </a:p>
-          <a:p>
-            <a:r>
-              <a:rPr lang="en-US" sz="1600" smtClean="0"/>
-              <a:t>enabled</a:t>
-            </a:r>
-          </a:p>
-          <a:p>
-            <a:pPr marL="0" indent="0">
-              <a:buNone/>
-            </a:pPr>
-            <a:endParaRPr lang="en-US" sz="1600" smtClean="0"/>
-          </a:p>
-          <a:p>
-            <a:endParaRPr lang="en-US" sz="1600" smtClean="0"/>
-          </a:p>
-          <a:p>
-            <a:endParaRPr lang="en-US" sz="1600"/>
-          </a:p>
-        </p:txBody>
-      </p:sp>
-      <p:sp>
-        <p:nvSpPr>
-          <p:cNvPr id="6" name="Content Placeholder 2"/>
-          <p:cNvSpPr txBox="1">
-            <a:spLocks/>
-          </p:cNvSpPr>
-          <p:nvPr/>
-        </p:nvSpPr>
-        <p:spPr>
-          <a:xfrm>
-            <a:off x="4889573" y="2620160"/>
-            <a:ext cx="3645879" cy="3436386"/>
-          </a:xfrm>
-          <a:prstGeom prst="rect">
-            <a:avLst/>
-          </a:prstGeom>
-        </p:spPr>
-        <p:txBody>
-          <a:bodyPr vert="horz" lIns="91440" tIns="45720" rIns="91440" bIns="45720" rtlCol="0" anchor="ctr">
-            <a:normAutofit/>
-          </a:bodyPr>
-          <a:lstStyle>
-            <a:lvl1pPr marL="306000" indent="-306000" algn="l" defTabSz="457200" rtl="0" eaLnBrk="1" latinLnBrk="0" hangingPunct="1">
-              <a:spcBef>
-                <a:spcPct val="20000"/>
-              </a:spcBef>
-              <a:spcAft>
-                <a:spcPts val="600"/>
-              </a:spcAft>
-              <a:buClr>
-                <a:schemeClr val="accent2"/>
-              </a:buClr>
-              <a:buSzPct val="92000"/>
-              <a:buFont typeface="Wingdings 2" panose="05020102010507070707" pitchFamily="18" charset="2"/>
-              <a:buChar char=""/>
-              <a:defRPr sz="1800" kern="1200">
-                <a:solidFill>
-                  <a:schemeClr val="tx2"/>
-                </a:solidFill>
-                <a:latin typeface="+mn-lt"/>
-                <a:ea typeface="+mn-ea"/>
-                <a:cs typeface="+mn-cs"/>
-              </a:defRPr>
-            </a:lvl1pPr>
-            <a:lvl2pPr marL="630000" indent="-306000" algn="l" defTabSz="457200" rtl="0" eaLnBrk="1" latinLnBrk="0" hangingPunct="1">
-              <a:spcBef>
-                <a:spcPct val="20000"/>
-              </a:spcBef>
-              <a:spcAft>
-                <a:spcPts val="600"/>
-              </a:spcAft>
-              <a:buClr>
-                <a:schemeClr val="accent2"/>
-              </a:buClr>
-              <a:buSzPct val="92000"/>
-              <a:buFont typeface="Wingdings 2" panose="05020102010507070707" pitchFamily="18" charset="2"/>
-              <a:buChar char=""/>
-              <a:defRPr sz="1600" kern="1200">
-                <a:solidFill>
-                  <a:schemeClr val="tx2"/>
-                </a:solidFill>
-                <a:latin typeface="+mn-lt"/>
-                <a:ea typeface="+mn-ea"/>
-                <a:cs typeface="+mn-cs"/>
-              </a:defRPr>
-            </a:lvl2pPr>
-            <a:lvl3pPr marL="900000" indent="-270000" algn="l" defTabSz="457200" rtl="0" eaLnBrk="1" latinLnBrk="0" hangingPunct="1">
-              <a:spcBef>
-                <a:spcPct val="20000"/>
-              </a:spcBef>
-              <a:spcAft>
-                <a:spcPts val="600"/>
-              </a:spcAft>
-              <a:buClr>
-                <a:schemeClr val="accent2"/>
-              </a:buClr>
-              <a:buSzPct val="92000"/>
-              <a:buFont typeface="Wingdings 2" panose="05020102010507070707" pitchFamily="18" charset="2"/>
-              <a:buChar char=""/>
-              <a:defRPr sz="1400" kern="1200">
-                <a:solidFill>
-                  <a:schemeClr val="tx2"/>
-                </a:solidFill>
-                <a:latin typeface="+mn-lt"/>
-                <a:ea typeface="+mn-ea"/>
-                <a:cs typeface="+mn-cs"/>
-              </a:defRPr>
-            </a:lvl3pPr>
-            <a:lvl4pPr marL="1242000" indent="-234000" algn="l" defTabSz="457200" rtl="0" eaLnBrk="1" latinLnBrk="0" hangingPunct="1">
-              <a:spcBef>
-                <a:spcPct val="20000"/>
-              </a:spcBef>
-              <a:spcAft>
-                <a:spcPts val="600"/>
-              </a:spcAft>
-              <a:buClr>
-                <a:schemeClr val="accent2"/>
-              </a:buClr>
-              <a:buSzPct val="92000"/>
-              <a:buFont typeface="Wingdings 2" panose="05020102010507070707" pitchFamily="18" charset="2"/>
-              <a:buChar char=""/>
-              <a:defRPr sz="1200" kern="1200">
-                <a:solidFill>
-                  <a:schemeClr val="tx2"/>
-                </a:solidFill>
-                <a:latin typeface="+mn-lt"/>
-                <a:ea typeface="+mn-ea"/>
-                <a:cs typeface="+mn-cs"/>
-              </a:defRPr>
-            </a:lvl4pPr>
-            <a:lvl5pPr marL="1602000" indent="-234000" algn="l" defTabSz="457200" rtl="0" eaLnBrk="1" latinLnBrk="0" hangingPunct="1">
-              <a:spcBef>
-                <a:spcPct val="20000"/>
-              </a:spcBef>
-              <a:spcAft>
-                <a:spcPts val="600"/>
-              </a:spcAft>
-              <a:buClr>
-                <a:schemeClr val="accent2"/>
-              </a:buClr>
-              <a:buSzPct val="92000"/>
-              <a:buFont typeface="Wingdings 2" panose="05020102010507070707" pitchFamily="18" charset="2"/>
-              <a:buChar char=""/>
-              <a:defRPr sz="1200" kern="1200">
-                <a:solidFill>
-                  <a:schemeClr val="tx2"/>
-                </a:solidFill>
-                <a:latin typeface="+mn-lt"/>
-                <a:ea typeface="+mn-ea"/>
-                <a:cs typeface="+mn-cs"/>
-              </a:defRPr>
-            </a:lvl5pPr>
-            <a:lvl6pPr marL="1900000" indent="-228600" algn="l" defTabSz="457200" rtl="0" eaLnBrk="1" latinLnBrk="0" hangingPunct="1">
-              <a:spcBef>
-                <a:spcPct val="20000"/>
-              </a:spcBef>
-              <a:spcAft>
-                <a:spcPts val="600"/>
-              </a:spcAft>
-              <a:buClr>
-                <a:schemeClr val="accent2"/>
-              </a:buClr>
-              <a:buSzPct val="92000"/>
-              <a:buFont typeface="Wingdings 2" panose="05020102010507070707" pitchFamily="18" charset="2"/>
-              <a:buChar char=""/>
-              <a:defRPr sz="1200" kern="1200">
-                <a:solidFill>
-                  <a:schemeClr val="tx2"/>
-                </a:solidFill>
-                <a:latin typeface="+mn-lt"/>
-                <a:ea typeface="+mn-ea"/>
-                <a:cs typeface="+mn-cs"/>
-              </a:defRPr>
-            </a:lvl6pPr>
-            <a:lvl7pPr marL="2200000" indent="-228600" algn="l" defTabSz="457200" rtl="0" eaLnBrk="1" latinLnBrk="0" hangingPunct="1">
-              <a:spcBef>
-                <a:spcPct val="20000"/>
-              </a:spcBef>
-              <a:spcAft>
-                <a:spcPts val="600"/>
-              </a:spcAft>
-              <a:buClr>
-                <a:schemeClr val="accent2"/>
-              </a:buClr>
-              <a:buSzPct val="92000"/>
-              <a:buFont typeface="Wingdings 2" panose="05020102010507070707" pitchFamily="18" charset="2"/>
-              <a:buChar char=""/>
-              <a:defRPr sz="1200" kern="1200">
-                <a:solidFill>
-                  <a:schemeClr val="tx2"/>
-                </a:solidFill>
-                <a:latin typeface="+mn-lt"/>
-                <a:ea typeface="+mn-ea"/>
-                <a:cs typeface="+mn-cs"/>
-              </a:defRPr>
-            </a:lvl7pPr>
-            <a:lvl8pPr marL="2500000" indent="-228600" algn="l" defTabSz="457200" rtl="0" eaLnBrk="1" latinLnBrk="0" hangingPunct="1">
-              <a:spcBef>
-                <a:spcPct val="20000"/>
-              </a:spcBef>
-              <a:spcAft>
-                <a:spcPts val="600"/>
-              </a:spcAft>
-              <a:buClr>
-                <a:schemeClr val="accent2"/>
-              </a:buClr>
-              <a:buSzPct val="92000"/>
-              <a:buFont typeface="Wingdings 2" panose="05020102010507070707" pitchFamily="18" charset="2"/>
-              <a:buChar char=""/>
-              <a:defRPr sz="1200" kern="1200">
-                <a:solidFill>
-                  <a:schemeClr val="tx2"/>
-                </a:solidFill>
-                <a:latin typeface="+mn-lt"/>
-                <a:ea typeface="+mn-ea"/>
-                <a:cs typeface="+mn-cs"/>
-              </a:defRPr>
-            </a:lvl8pPr>
-            <a:lvl9pPr marL="2800000" indent="-228600" algn="l" defTabSz="457200" rtl="0" eaLnBrk="1" latinLnBrk="0" hangingPunct="1">
-              <a:spcBef>
-                <a:spcPct val="20000"/>
-              </a:spcBef>
-              <a:spcAft>
-                <a:spcPts val="600"/>
-              </a:spcAft>
-              <a:buClr>
-                <a:schemeClr val="accent2"/>
-              </a:buClr>
-              <a:buSzPct val="92000"/>
-              <a:buFont typeface="Wingdings 2" panose="05020102010507070707" pitchFamily="18" charset="2"/>
-              <a:buChar char=""/>
-              <a:defRPr sz="1200" kern="1200">
-                <a:solidFill>
-                  <a:schemeClr val="tx2"/>
-                </a:solidFill>
-                <a:latin typeface="+mn-lt"/>
-                <a:ea typeface="+mn-ea"/>
-                <a:cs typeface="+mn-cs"/>
-              </a:defRPr>
-            </a:lvl9pPr>
-          </a:lstStyle>
-          <a:p>
-            <a:pPr marL="0" indent="0">
-              <a:buNone/>
-            </a:pPr>
-            <a:r>
-              <a:rPr lang="en-US" sz="1600" b="1" smtClean="0">
-                <a:solidFill>
-                  <a:schemeClr val="accent5">
-                    <a:lumMod val="75000"/>
-                  </a:schemeClr>
-                </a:solidFill>
-              </a:rPr>
-              <a:t>[Basic MVC architecture]</a:t>
-            </a:r>
-          </a:p>
-          <a:p>
-            <a:r>
-              <a:rPr lang="en-US" sz="1600" smtClean="0"/>
-              <a:t>Single entity (movie)</a:t>
-            </a:r>
-          </a:p>
-          <a:p>
-            <a:r>
-              <a:rPr lang="en-US" sz="1600" smtClean="0"/>
-              <a:t>Hibernate ORM</a:t>
-            </a:r>
-          </a:p>
-          <a:p>
-            <a:r>
-              <a:rPr lang="en-US" sz="1600" smtClean="0"/>
-              <a:t>Hibernate Search</a:t>
-            </a:r>
-          </a:p>
-          <a:p>
-            <a:r>
-              <a:rPr lang="en-US" sz="1600" smtClean="0"/>
-              <a:t>No relational mapping</a:t>
-            </a:r>
-          </a:p>
-          <a:p>
-            <a:r>
-              <a:rPr lang="en-US" sz="1600" smtClean="0"/>
-              <a:t>Sample data set ~1000 items</a:t>
-            </a:r>
-          </a:p>
-          <a:p>
-            <a:r>
-              <a:rPr lang="en-US" sz="1600" smtClean="0"/>
-              <a:t>Single page search UI</a:t>
-            </a:r>
-          </a:p>
-          <a:p>
-            <a:endParaRPr lang="en-US" sz="1600" smtClean="0"/>
-          </a:p>
-          <a:p>
-            <a:endParaRPr lang="en-US" sz="1600" smtClean="0"/>
-          </a:p>
-          <a:p>
-            <a:endParaRPr lang="en-US" sz="1600"/>
-          </a:p>
-        </p:txBody>
-      </p:sp>
-      <p:sp>
-        <p:nvSpPr>
-          <p:cNvPr id="8" name="TextBox 7"/>
-          <p:cNvSpPr txBox="1"/>
-          <p:nvPr/>
-        </p:nvSpPr>
-        <p:spPr>
-          <a:xfrm>
-            <a:off x="1680308" y="2008554"/>
-            <a:ext cx="1524776" cy="369332"/>
-          </a:xfrm>
-          <a:prstGeom prst="rect">
-            <a:avLst/>
-          </a:prstGeom>
-          <a:noFill/>
-        </p:spPr>
-        <p:txBody>
-          <a:bodyPr wrap="none" rtlCol="0">
-            <a:spAutoFit/>
-          </a:bodyPr>
-          <a:lstStyle/>
-          <a:p>
-            <a:r>
-              <a:rPr lang="en-US" b="1">
-                <a:solidFill>
-                  <a:srgbClr val="00B050"/>
-                </a:solidFill>
-              </a:rPr>
-              <a:t>Movie </a:t>
-            </a:r>
-            <a:r>
-              <a:rPr lang="en-US" b="1" smtClean="0">
-                <a:solidFill>
-                  <a:srgbClr val="00B050"/>
-                </a:solidFill>
-              </a:rPr>
-              <a:t>Entity</a:t>
-            </a:r>
-            <a:endParaRPr lang="en-US">
-              <a:solidFill>
-                <a:srgbClr val="00B050"/>
-              </a:solidFill>
-            </a:endParaRPr>
-          </a:p>
-        </p:txBody>
-      </p:sp>
-      <p:sp>
-        <p:nvSpPr>
-          <p:cNvPr id="10" name="Content Placeholder 2"/>
-          <p:cNvSpPr txBox="1">
-            <a:spLocks/>
-          </p:cNvSpPr>
-          <p:nvPr/>
-        </p:nvSpPr>
-        <p:spPr>
-          <a:xfrm>
-            <a:off x="8482970" y="2532800"/>
-            <a:ext cx="3645879" cy="4743156"/>
-          </a:xfrm>
-          <a:prstGeom prst="rect">
-            <a:avLst/>
-          </a:prstGeom>
-        </p:spPr>
-        <p:txBody>
-          <a:bodyPr vert="horz" lIns="91440" tIns="45720" rIns="91440" bIns="45720" rtlCol="0" anchor="ctr">
-            <a:normAutofit/>
-          </a:bodyPr>
-          <a:lstStyle>
-            <a:lvl1pPr marL="306000" indent="-306000" algn="l" defTabSz="457200" rtl="0" eaLnBrk="1" latinLnBrk="0" hangingPunct="1">
-              <a:spcBef>
-                <a:spcPct val="20000"/>
-              </a:spcBef>
-              <a:spcAft>
-                <a:spcPts val="600"/>
-              </a:spcAft>
-              <a:buClr>
-                <a:schemeClr val="accent2"/>
-              </a:buClr>
-              <a:buSzPct val="92000"/>
-              <a:buFont typeface="Wingdings 2" panose="05020102010507070707" pitchFamily="18" charset="2"/>
-              <a:buChar char=""/>
-              <a:defRPr sz="1800" kern="1200">
-                <a:solidFill>
-                  <a:schemeClr val="tx2"/>
-                </a:solidFill>
-                <a:latin typeface="+mn-lt"/>
-                <a:ea typeface="+mn-ea"/>
-                <a:cs typeface="+mn-cs"/>
-              </a:defRPr>
-            </a:lvl1pPr>
-            <a:lvl2pPr marL="630000" indent="-306000" algn="l" defTabSz="457200" rtl="0" eaLnBrk="1" latinLnBrk="0" hangingPunct="1">
-              <a:spcBef>
-                <a:spcPct val="20000"/>
-              </a:spcBef>
-              <a:spcAft>
-                <a:spcPts val="600"/>
-              </a:spcAft>
-              <a:buClr>
-                <a:schemeClr val="accent2"/>
-              </a:buClr>
-              <a:buSzPct val="92000"/>
-              <a:buFont typeface="Wingdings 2" panose="05020102010507070707" pitchFamily="18" charset="2"/>
-              <a:buChar char=""/>
-              <a:defRPr sz="1600" kern="1200">
-                <a:solidFill>
-                  <a:schemeClr val="tx2"/>
-                </a:solidFill>
-                <a:latin typeface="+mn-lt"/>
-                <a:ea typeface="+mn-ea"/>
-                <a:cs typeface="+mn-cs"/>
-              </a:defRPr>
-            </a:lvl2pPr>
-            <a:lvl3pPr marL="900000" indent="-270000" algn="l" defTabSz="457200" rtl="0" eaLnBrk="1" latinLnBrk="0" hangingPunct="1">
-              <a:spcBef>
-                <a:spcPct val="20000"/>
-              </a:spcBef>
-              <a:spcAft>
-                <a:spcPts val="600"/>
-              </a:spcAft>
-              <a:buClr>
-                <a:schemeClr val="accent2"/>
-              </a:buClr>
-              <a:buSzPct val="92000"/>
-              <a:buFont typeface="Wingdings 2" panose="05020102010507070707" pitchFamily="18" charset="2"/>
-              <a:buChar char=""/>
-              <a:defRPr sz="1400" kern="1200">
-                <a:solidFill>
-                  <a:schemeClr val="tx2"/>
-                </a:solidFill>
-                <a:latin typeface="+mn-lt"/>
-                <a:ea typeface="+mn-ea"/>
-                <a:cs typeface="+mn-cs"/>
-              </a:defRPr>
-            </a:lvl3pPr>
-            <a:lvl4pPr marL="1242000" indent="-234000" algn="l" defTabSz="457200" rtl="0" eaLnBrk="1" latinLnBrk="0" hangingPunct="1">
-              <a:spcBef>
-                <a:spcPct val="20000"/>
-              </a:spcBef>
-              <a:spcAft>
-                <a:spcPts val="600"/>
-              </a:spcAft>
-              <a:buClr>
-                <a:schemeClr val="accent2"/>
-              </a:buClr>
-              <a:buSzPct val="92000"/>
-              <a:buFont typeface="Wingdings 2" panose="05020102010507070707" pitchFamily="18" charset="2"/>
-              <a:buChar char=""/>
-              <a:defRPr sz="1200" kern="1200">
-                <a:solidFill>
-                  <a:schemeClr val="tx2"/>
-                </a:solidFill>
-                <a:latin typeface="+mn-lt"/>
-                <a:ea typeface="+mn-ea"/>
-                <a:cs typeface="+mn-cs"/>
-              </a:defRPr>
-            </a:lvl4pPr>
-            <a:lvl5pPr marL="1602000" indent="-234000" algn="l" defTabSz="457200" rtl="0" eaLnBrk="1" latinLnBrk="0" hangingPunct="1">
-              <a:spcBef>
-                <a:spcPct val="20000"/>
-              </a:spcBef>
-              <a:spcAft>
-                <a:spcPts val="600"/>
-              </a:spcAft>
-              <a:buClr>
-                <a:schemeClr val="accent2"/>
-              </a:buClr>
-              <a:buSzPct val="92000"/>
-              <a:buFont typeface="Wingdings 2" panose="05020102010507070707" pitchFamily="18" charset="2"/>
-              <a:buChar char=""/>
-              <a:defRPr sz="1200" kern="1200">
-                <a:solidFill>
-                  <a:schemeClr val="tx2"/>
-                </a:solidFill>
-                <a:latin typeface="+mn-lt"/>
-                <a:ea typeface="+mn-ea"/>
-                <a:cs typeface="+mn-cs"/>
-              </a:defRPr>
-            </a:lvl5pPr>
-            <a:lvl6pPr marL="1900000" indent="-228600" algn="l" defTabSz="457200" rtl="0" eaLnBrk="1" latinLnBrk="0" hangingPunct="1">
-              <a:spcBef>
-                <a:spcPct val="20000"/>
-              </a:spcBef>
-              <a:spcAft>
-                <a:spcPts val="600"/>
-              </a:spcAft>
-              <a:buClr>
-                <a:schemeClr val="accent2"/>
-              </a:buClr>
-              <a:buSzPct val="92000"/>
-              <a:buFont typeface="Wingdings 2" panose="05020102010507070707" pitchFamily="18" charset="2"/>
-              <a:buChar char=""/>
-              <a:defRPr sz="1200" kern="1200">
-                <a:solidFill>
-                  <a:schemeClr val="tx2"/>
-                </a:solidFill>
-                <a:latin typeface="+mn-lt"/>
-                <a:ea typeface="+mn-ea"/>
-                <a:cs typeface="+mn-cs"/>
-              </a:defRPr>
-            </a:lvl6pPr>
-            <a:lvl7pPr marL="2200000" indent="-228600" algn="l" defTabSz="457200" rtl="0" eaLnBrk="1" latinLnBrk="0" hangingPunct="1">
-              <a:spcBef>
-                <a:spcPct val="20000"/>
-              </a:spcBef>
-              <a:spcAft>
-                <a:spcPts val="600"/>
-              </a:spcAft>
-              <a:buClr>
-                <a:schemeClr val="accent2"/>
-              </a:buClr>
-              <a:buSzPct val="92000"/>
-              <a:buFont typeface="Wingdings 2" panose="05020102010507070707" pitchFamily="18" charset="2"/>
-              <a:buChar char=""/>
-              <a:defRPr sz="1200" kern="1200">
-                <a:solidFill>
-                  <a:schemeClr val="tx2"/>
-                </a:solidFill>
-                <a:latin typeface="+mn-lt"/>
-                <a:ea typeface="+mn-ea"/>
-                <a:cs typeface="+mn-cs"/>
-              </a:defRPr>
-            </a:lvl7pPr>
-            <a:lvl8pPr marL="2500000" indent="-228600" algn="l" defTabSz="457200" rtl="0" eaLnBrk="1" latinLnBrk="0" hangingPunct="1">
-              <a:spcBef>
-                <a:spcPct val="20000"/>
-              </a:spcBef>
-              <a:spcAft>
-                <a:spcPts val="600"/>
-              </a:spcAft>
-              <a:buClr>
-                <a:schemeClr val="accent2"/>
-              </a:buClr>
-              <a:buSzPct val="92000"/>
-              <a:buFont typeface="Wingdings 2" panose="05020102010507070707" pitchFamily="18" charset="2"/>
-              <a:buChar char=""/>
-              <a:defRPr sz="1200" kern="1200">
-                <a:solidFill>
-                  <a:schemeClr val="tx2"/>
-                </a:solidFill>
-                <a:latin typeface="+mn-lt"/>
-                <a:ea typeface="+mn-ea"/>
-                <a:cs typeface="+mn-cs"/>
-              </a:defRPr>
-            </a:lvl8pPr>
-            <a:lvl9pPr marL="2800000" indent="-228600" algn="l" defTabSz="457200" rtl="0" eaLnBrk="1" latinLnBrk="0" hangingPunct="1">
-              <a:spcBef>
-                <a:spcPct val="20000"/>
-              </a:spcBef>
-              <a:spcAft>
-                <a:spcPts val="600"/>
-              </a:spcAft>
-              <a:buClr>
-                <a:schemeClr val="accent2"/>
-              </a:buClr>
-              <a:buSzPct val="92000"/>
-              <a:buFont typeface="Wingdings 2" panose="05020102010507070707" pitchFamily="18" charset="2"/>
-              <a:buChar char=""/>
-              <a:defRPr sz="1200" kern="1200">
-                <a:solidFill>
-                  <a:schemeClr val="tx2"/>
-                </a:solidFill>
-                <a:latin typeface="+mn-lt"/>
-                <a:ea typeface="+mn-ea"/>
-                <a:cs typeface="+mn-cs"/>
-              </a:defRPr>
-            </a:lvl9pPr>
-          </a:lstStyle>
-          <a:p>
-            <a:pPr marL="0" indent="0">
-              <a:buNone/>
-            </a:pPr>
-            <a:r>
-              <a:rPr lang="en-US" sz="1600" b="1" smtClean="0">
-                <a:solidFill>
-                  <a:srgbClr val="7030A0"/>
-                </a:solidFill>
-              </a:rPr>
-              <a:t>[Hibernate Search]</a:t>
-            </a:r>
-          </a:p>
-          <a:p>
-            <a:r>
-              <a:rPr lang="en-US" sz="1600" err="1" smtClean="0"/>
-              <a:t>Lucene</a:t>
-            </a:r>
-            <a:r>
-              <a:rPr lang="en-US" sz="1600" smtClean="0"/>
-              <a:t> indexer</a:t>
-            </a:r>
-          </a:p>
-          <a:p>
-            <a:r>
-              <a:rPr lang="en-US" sz="1600" smtClean="0"/>
-              <a:t>Entity field mappings</a:t>
-            </a:r>
-          </a:p>
-          <a:p>
-            <a:r>
-              <a:rPr lang="en-US" sz="1600" smtClean="0"/>
-              <a:t>Tokenizing rules</a:t>
-            </a:r>
-          </a:p>
-          <a:p>
-            <a:r>
-              <a:rPr lang="en-US" sz="1600" smtClean="0"/>
-              <a:t>Filter rules for fields</a:t>
-            </a:r>
-          </a:p>
-          <a:p>
-            <a:r>
-              <a:rPr lang="en-US" sz="1600" smtClean="0"/>
-              <a:t>Custom field bridges</a:t>
-            </a:r>
-          </a:p>
-          <a:p>
-            <a:r>
-              <a:rPr lang="en-US" sz="1600" smtClean="0"/>
-              <a:t>Language processor</a:t>
-            </a:r>
-          </a:p>
-          <a:p>
-            <a:r>
-              <a:rPr lang="en-US" sz="1600"/>
-              <a:t>Paging enabled</a:t>
-            </a:r>
-          </a:p>
-          <a:p>
-            <a:r>
-              <a:rPr lang="en-US" sz="1600" smtClean="0"/>
-              <a:t>Search / Query generator</a:t>
-            </a:r>
-          </a:p>
-          <a:p>
-            <a:r>
-              <a:rPr lang="en-US" sz="1600" err="1" smtClean="0"/>
-              <a:t>Fulltext</a:t>
-            </a:r>
-            <a:r>
-              <a:rPr lang="en-US" sz="1600" smtClean="0"/>
-              <a:t> JPA Query</a:t>
-            </a:r>
-          </a:p>
-          <a:p>
-            <a:endParaRPr lang="en-US" sz="1600" smtClean="0"/>
-          </a:p>
-          <a:p>
-            <a:endParaRPr lang="en-US" sz="1600" smtClean="0"/>
-          </a:p>
-          <a:p>
-            <a:endParaRPr lang="en-US" sz="1600"/>
-          </a:p>
-        </p:txBody>
-      </p:sp>
-      <p:sp>
-        <p:nvSpPr>
-          <p:cNvPr id="11" name="TextBox 10"/>
-          <p:cNvSpPr txBox="1"/>
-          <p:nvPr/>
-        </p:nvSpPr>
-        <p:spPr>
-          <a:xfrm>
-            <a:off x="7190839" y="2008554"/>
-            <a:ext cx="1483098" cy="369332"/>
-          </a:xfrm>
-          <a:prstGeom prst="rect">
-            <a:avLst/>
-          </a:prstGeom>
-          <a:noFill/>
-        </p:spPr>
-        <p:txBody>
-          <a:bodyPr wrap="none" rtlCol="0">
-            <a:spAutoFit/>
-          </a:bodyPr>
-          <a:lstStyle/>
-          <a:p>
-            <a:r>
-              <a:rPr lang="en-US" b="1" smtClean="0">
-                <a:solidFill>
-                  <a:srgbClr val="00B050"/>
-                </a:solidFill>
-              </a:rPr>
-              <a:t>Application</a:t>
-            </a:r>
-            <a:endParaRPr lang="en-US">
-              <a:solidFill>
-                <a:srgbClr val="00B050"/>
-              </a:solidFill>
-            </a:endParaRPr>
-          </a:p>
-        </p:txBody>
-      </p:sp>
-    </p:spTree>
-    <p:extLst>
-      <p:ext uri="{BB962C8B-B14F-4D97-AF65-F5344CB8AC3E}">
-        <p14:creationId xmlns:p14="http://schemas.microsoft.com/office/powerpoint/2010/main" val="776821335"/>
-      </p:ext>
-    </p:extLst>
-  </p:cSld>
-  <p:clrMapOvr>
-    <a:masterClrMapping/>
-  </p:clrMapOvr>
-  <p:timing>
-    <p:tnLst>
-      <p:par>
-        <p:cTn id="1" dur="indefinite" restart="never" nodeType="tmRoot"/>
-      </p:par>
-    </p:tnLst>
-  </p:timing>
-</p:sld>
-</file>
-
-<file path=ppt/slides/slide5.xml><?xml version="1.0" encoding="utf-8"?>
-<p:sld xmlns:a="http://schemas.openxmlformats.org/drawingml/2006/main" xmlns:r="http://schemas.openxmlformats.org/officeDocument/2006/relationships" xmlns:p="http://schemas.openxmlformats.org/presentationml/2006/main">
-  <p:cSld>
-    <p:spTree>
-      <p:nvGrpSpPr>
-        <p:cNvPr id="1" name=""/>
-        <p:cNvGrpSpPr/>
-        <p:nvPr/>
-      </p:nvGrpSpPr>
-      <p:grpSpPr>
-        <a:xfrm>
-          <a:off x="0" y="0"/>
-          <a:ext cx="0" cy="0"/>
-          <a:chOff x="0" y="0"/>
-          <a:chExt cx="0" cy="0"/>
-        </a:xfrm>
-      </p:grpSpPr>
-      <p:sp>
-        <p:nvSpPr>
-          <p:cNvPr id="3" name="Rectangle: Rounded Corners 2">
-            <a:extLst>
-              <a:ext uri="{FF2B5EF4-FFF2-40B4-BE49-F238E27FC236}">
-                <a16:creationId xmlns:a16="http://schemas.microsoft.com/office/drawing/2014/main" id="{78DB9C1F-E064-47C5-9A87-7E7643797E95}"/>
-              </a:ext>
-            </a:extLst>
-          </p:cNvPr>
-          <p:cNvSpPr/>
-          <p:nvPr/>
-        </p:nvSpPr>
-        <p:spPr>
-          <a:xfrm>
-            <a:off x="616452" y="856362"/>
-            <a:ext cx="10731486" cy="5911760"/>
-          </a:xfrm>
-          <a:prstGeom prst="roundRect">
-            <a:avLst/>
-          </a:prstGeom>
-          <a:solidFill>
-            <a:schemeClr val="bg2">
-              <a:lumMod val="25000"/>
-            </a:schemeClr>
-          </a:solidFill>
-        </p:spPr>
-        <p:style>
-          <a:lnRef idx="2">
-            <a:schemeClr val="accent4">
-              <a:shade val="50000"/>
-            </a:schemeClr>
-          </a:lnRef>
-          <a:fillRef idx="1">
-            <a:schemeClr val="accent4"/>
-          </a:fillRef>
-          <a:effectRef idx="0">
-            <a:schemeClr val="accent4"/>
-          </a:effectRef>
-          <a:fontRef idx="minor">
-            <a:schemeClr val="lt1"/>
-          </a:fontRef>
-        </p:style>
-        <p:txBody>
-          <a:bodyPr rtlCol="0" anchor="ctr"/>
-          <a:lstStyle/>
-          <a:p>
-            <a:pPr algn="ctr"/>
-            <a:endParaRPr lang="en-US"/>
-          </a:p>
-        </p:txBody>
-      </p:sp>
-      <p:sp>
-        <p:nvSpPr>
-          <p:cNvPr id="2" name="Rectangle 1">
-            <a:extLst>
-              <a:ext uri="{FF2B5EF4-FFF2-40B4-BE49-F238E27FC236}">
-                <a16:creationId xmlns:a16="http://schemas.microsoft.com/office/drawing/2014/main" id="{1BD1A123-07B1-4147-B1FE-D46A48CCB5E6}"/>
-              </a:ext>
-            </a:extLst>
-          </p:cNvPr>
-          <p:cNvSpPr>
-            <a:spLocks noChangeArrowheads="1"/>
-          </p:cNvSpPr>
-          <p:nvPr/>
-        </p:nvSpPr>
-        <p:spPr bwMode="auto">
-          <a:xfrm>
-            <a:off x="1034704" y="1457751"/>
-            <a:ext cx="9879891" cy="4708981"/>
-          </a:xfrm>
-          <a:prstGeom prst="rect">
-            <a:avLst/>
-          </a:prstGeom>
-          <a:noFill/>
-          <a:ln w="19050">
-            <a:noFill/>
-          </a:ln>
-          <a:effectLst>
-            <a:outerShdw blurRad="50800" dist="38100" dir="2700000" algn="tl" rotWithShape="0">
-              <a:prstClr val="black">
-                <a:alpha val="40000"/>
-              </a:prstClr>
-            </a:outerShdw>
-            <a:softEdge rad="0"/>
-          </a:effectLst>
-        </p:spPr>
-        <p:txBody>
-          <a:bodyPr vert="horz" wrap="square" lIns="91440" tIns="45720" rIns="91440" bIns="45720" numCol="1" anchor="ctr" anchorCtr="0" compatLnSpc="1">
-            <a:prstTxWarp prst="textNoShape">
-              <a:avLst/>
-            </a:prstTxWarp>
-            <a:spAutoFit/>
-          </a:bodyPr>
-          <a:lstStyle/>
-          <a:p>
-            <a:pPr defTabSz="914400" eaLnBrk="0" fontAlgn="base" hangingPunct="0">
-              <a:spcBef>
-                <a:spcPct val="0"/>
-              </a:spcBef>
-              <a:spcAft>
-                <a:spcPct val="0"/>
-              </a:spcAft>
-            </a:pPr>
-            <a:r>
-              <a:rPr lang="en-US" altLang="en-US" sz="1200" i="1" smtClean="0">
-                <a:solidFill>
-                  <a:srgbClr val="4186F8"/>
-                </a:solidFill>
-                <a:latin typeface="DejaVu Sans Mono" panose="020B0609030804020204" pitchFamily="49" charset="0"/>
-                <a:cs typeface="DejaVu Sans Mono" panose="020B0609030804020204" pitchFamily="49" charset="0"/>
-              </a:rPr>
-              <a:t>build.gradle</a:t>
-            </a:r>
-          </a:p>
-          <a:p>
-            <a:pPr defTabSz="914400" eaLnBrk="0" fontAlgn="base" hangingPunct="0">
-              <a:spcBef>
-                <a:spcPct val="0"/>
-              </a:spcBef>
-              <a:spcAft>
-                <a:spcPct val="0"/>
-              </a:spcAft>
-            </a:pPr>
-            <a:endParaRPr kumimoji="0" lang="en-US" altLang="en-US" sz="1200" b="0" i="0" u="none" strike="noStrike" cap="none" normalizeH="0" baseline="0" smtClean="0">
-              <a:ln>
-                <a:noFill/>
-              </a:ln>
-              <a:solidFill>
-                <a:srgbClr val="A6E22E"/>
-              </a:solidFill>
-              <a:effectLst/>
-              <a:latin typeface="DejaVu Sans Mono" panose="020B0609030804020204" pitchFamily="49" charset="0"/>
-              <a:cs typeface="DejaVu Sans Mono" panose="020B0609030804020204" pitchFamily="49" charset="0"/>
-            </a:endParaRPr>
-          </a:p>
-          <a:p>
-            <a:pPr marL="0" marR="0" lvl="0" indent="0" algn="l" defTabSz="914400" rtl="0" eaLnBrk="0" fontAlgn="base" latinLnBrk="0" hangingPunct="0">
-              <a:lnSpc>
-                <a:spcPct val="100000"/>
-              </a:lnSpc>
-              <a:spcBef>
-                <a:spcPct val="0"/>
-              </a:spcBef>
-              <a:spcAft>
-                <a:spcPct val="0"/>
-              </a:spcAft>
-              <a:buClrTx/>
-              <a:buSzTx/>
-              <a:buFontTx/>
-              <a:buNone/>
-              <a:tabLst/>
-            </a:pPr>
-            <a:r>
-              <a:rPr kumimoji="0" lang="en-US" altLang="en-US" sz="1200" b="0" i="0" u="none" strike="noStrike" cap="none" normalizeH="0" baseline="0" smtClean="0">
-                <a:ln>
-                  <a:noFill/>
-                </a:ln>
-                <a:solidFill>
-                  <a:srgbClr val="A6E22E"/>
-                </a:solidFill>
-                <a:effectLst/>
-                <a:latin typeface="DejaVu Sans Mono" panose="020B0609030804020204" pitchFamily="49" charset="0"/>
-                <a:cs typeface="DejaVu Sans Mono" panose="020B0609030804020204" pitchFamily="49" charset="0"/>
-              </a:rPr>
-              <a:t>dependencies </a:t>
-            </a:r>
-            <a:r>
-              <a:rPr kumimoji="0" lang="en-US" altLang="en-US" sz="1200" b="0" i="1" u="none" strike="noStrike" cap="none" normalizeH="0" baseline="0">
-                <a:ln>
-                  <a:noFill/>
-                </a:ln>
-                <a:solidFill>
-                  <a:srgbClr val="4186F8"/>
-                </a:solidFill>
-                <a:effectLst/>
-                <a:latin typeface="DejaVu Sans Mono" panose="020B0609030804020204" pitchFamily="49" charset="0"/>
-                <a:cs typeface="DejaVu Sans Mono" panose="020B0609030804020204" pitchFamily="49" charset="0"/>
-              </a:rPr>
-              <a:t>{</a:t>
-            </a:r>
-            <a:br>
-              <a:rPr kumimoji="0" lang="en-US" altLang="en-US" sz="1200" b="0" i="1" u="none" strike="noStrike" cap="none" normalizeH="0" baseline="0">
-                <a:ln>
-                  <a:noFill/>
-                </a:ln>
-                <a:solidFill>
-                  <a:srgbClr val="4186F8"/>
-                </a:solidFill>
-                <a:effectLst/>
-                <a:latin typeface="DejaVu Sans Mono" panose="020B0609030804020204" pitchFamily="49" charset="0"/>
-                <a:cs typeface="DejaVu Sans Mono" panose="020B0609030804020204" pitchFamily="49" charset="0"/>
-              </a:rPr>
-            </a:br>
-            <a:endParaRPr kumimoji="0" lang="en-US" altLang="en-US" sz="1200" b="0" i="1" u="none" strike="noStrike" cap="none" normalizeH="0" baseline="0">
-              <a:ln>
-                <a:noFill/>
-              </a:ln>
-              <a:solidFill>
-                <a:srgbClr val="4186F8"/>
-              </a:solidFill>
-              <a:effectLst/>
-              <a:latin typeface="DejaVu Sans Mono" panose="020B0609030804020204" pitchFamily="49" charset="0"/>
-              <a:cs typeface="DejaVu Sans Mono" panose="020B0609030804020204" pitchFamily="49" charset="0"/>
-            </a:endParaRPr>
-          </a:p>
-          <a:p>
-            <a:pPr marL="0" marR="0" lvl="0" indent="0" algn="l" defTabSz="914400" rtl="0" eaLnBrk="0" fontAlgn="base" latinLnBrk="0" hangingPunct="0">
-              <a:lnSpc>
-                <a:spcPct val="100000"/>
-              </a:lnSpc>
-              <a:spcBef>
-                <a:spcPct val="0"/>
-              </a:spcBef>
-              <a:spcAft>
-                <a:spcPct val="0"/>
-              </a:spcAft>
-              <a:buClrTx/>
-              <a:buSzTx/>
-              <a:buFontTx/>
-              <a:buNone/>
-              <a:tabLst/>
-            </a:pPr>
-            <a:r>
-              <a:rPr kumimoji="0" lang="en-US" altLang="en-US" sz="1200" b="0" i="1" u="none" strike="noStrike" cap="none" normalizeH="0" baseline="0">
-                <a:ln>
-                  <a:noFill/>
-                </a:ln>
-                <a:solidFill>
-                  <a:srgbClr val="4186F8"/>
-                </a:solidFill>
-                <a:effectLst/>
-                <a:latin typeface="DejaVu Sans Mono" panose="020B0609030804020204" pitchFamily="49" charset="0"/>
-                <a:cs typeface="DejaVu Sans Mono" panose="020B0609030804020204" pitchFamily="49" charset="0"/>
-              </a:rPr>
-              <a:t>    </a:t>
-            </a:r>
-            <a:r>
-              <a:rPr kumimoji="0" lang="en-US" altLang="en-US" sz="1200" b="0" i="1" u="none" strike="noStrike" cap="none" normalizeH="0" baseline="0">
-                <a:ln>
-                  <a:noFill/>
-                </a:ln>
-                <a:solidFill>
-                  <a:schemeClr val="tx2">
-                    <a:lumMod val="60000"/>
-                    <a:lumOff val="40000"/>
-                  </a:schemeClr>
-                </a:solidFill>
-                <a:effectLst/>
-                <a:latin typeface="DejaVu Sans Mono" panose="020B0609030804020204" pitchFamily="49" charset="0"/>
-                <a:cs typeface="DejaVu Sans Mono" panose="020B0609030804020204" pitchFamily="49" charset="0"/>
-              </a:rPr>
-              <a:t>// Basic spring boot </a:t>
-            </a:r>
-            <a:r>
-              <a:rPr kumimoji="0" lang="en-US" altLang="en-US" sz="1200" b="0" i="1" u="none" strike="noStrike" cap="none" normalizeH="0" baseline="0" err="1">
-                <a:ln>
-                  <a:noFill/>
-                </a:ln>
-                <a:solidFill>
-                  <a:schemeClr val="tx2">
-                    <a:lumMod val="60000"/>
-                    <a:lumOff val="40000"/>
-                  </a:schemeClr>
-                </a:solidFill>
-                <a:effectLst/>
-                <a:latin typeface="DejaVu Sans Mono" panose="020B0609030804020204" pitchFamily="49" charset="0"/>
-                <a:cs typeface="DejaVu Sans Mono" panose="020B0609030804020204" pitchFamily="49" charset="0"/>
-              </a:rPr>
-              <a:t>api</a:t>
-            </a:r>
-            <a:r>
-              <a:rPr kumimoji="0" lang="en-US" altLang="en-US" sz="1200" b="0" i="1" u="none" strike="noStrike" cap="none" normalizeH="0" baseline="0">
-                <a:ln>
-                  <a:noFill/>
-                </a:ln>
-                <a:solidFill>
-                  <a:schemeClr val="tx2">
-                    <a:lumMod val="60000"/>
-                    <a:lumOff val="40000"/>
-                  </a:schemeClr>
-                </a:solidFill>
-                <a:effectLst/>
-                <a:latin typeface="DejaVu Sans Mono" panose="020B0609030804020204" pitchFamily="49" charset="0"/>
-                <a:cs typeface="DejaVu Sans Mono" panose="020B0609030804020204" pitchFamily="49" charset="0"/>
-              </a:rPr>
-              <a:t> dependencies</a:t>
-            </a:r>
-            <a:r>
-              <a:rPr kumimoji="0" lang="en-US" altLang="en-US" sz="1200" b="0" i="1" u="none" strike="noStrike" cap="none" normalizeH="0" baseline="0">
-                <a:ln>
-                  <a:noFill/>
-                </a:ln>
-                <a:solidFill>
-                  <a:srgbClr val="4186F8"/>
-                </a:solidFill>
-                <a:effectLst/>
-                <a:latin typeface="DejaVu Sans Mono" panose="020B0609030804020204" pitchFamily="49" charset="0"/>
-                <a:cs typeface="DejaVu Sans Mono" panose="020B0609030804020204" pitchFamily="49" charset="0"/>
-              </a:rPr>
-              <a:t/>
-            </a:r>
-            <a:br>
-              <a:rPr kumimoji="0" lang="en-US" altLang="en-US" sz="1200" b="0" i="1" u="none" strike="noStrike" cap="none" normalizeH="0" baseline="0">
-                <a:ln>
-                  <a:noFill/>
-                </a:ln>
-                <a:solidFill>
-                  <a:srgbClr val="4186F8"/>
-                </a:solidFill>
-                <a:effectLst/>
-                <a:latin typeface="DejaVu Sans Mono" panose="020B0609030804020204" pitchFamily="49" charset="0"/>
-                <a:cs typeface="DejaVu Sans Mono" panose="020B0609030804020204" pitchFamily="49" charset="0"/>
-              </a:rPr>
-            </a:br>
-            <a:r>
-              <a:rPr kumimoji="0" lang="en-US" altLang="en-US" sz="1200" b="0" i="1" u="none" strike="noStrike" cap="none" normalizeH="0" baseline="0">
-                <a:ln>
-                  <a:noFill/>
-                </a:ln>
-                <a:solidFill>
-                  <a:srgbClr val="4186F8"/>
-                </a:solidFill>
-                <a:effectLst/>
-                <a:latin typeface="DejaVu Sans Mono" panose="020B0609030804020204" pitchFamily="49" charset="0"/>
-                <a:cs typeface="DejaVu Sans Mono" panose="020B0609030804020204" pitchFamily="49" charset="0"/>
-              </a:rPr>
-              <a:t>    </a:t>
-            </a:r>
-            <a:r>
-              <a:rPr kumimoji="0" lang="en-US" altLang="en-US" sz="1200" b="0" i="0" u="none" strike="noStrike" cap="none" normalizeH="0" baseline="0">
-                <a:ln>
-                  <a:noFill/>
-                </a:ln>
-                <a:solidFill>
-                  <a:srgbClr val="A6E22E"/>
-                </a:solidFill>
-                <a:effectLst/>
-                <a:latin typeface="DejaVu Sans Mono" panose="020B0609030804020204" pitchFamily="49" charset="0"/>
-                <a:cs typeface="DejaVu Sans Mono" panose="020B0609030804020204" pitchFamily="49" charset="0"/>
-              </a:rPr>
-              <a:t>implementation </a:t>
-            </a:r>
-            <a:r>
-              <a:rPr kumimoji="0" lang="en-US" altLang="en-US" sz="1200" b="0" i="0" u="none" strike="noStrike" cap="none" normalizeH="0" baseline="0">
-                <a:ln>
-                  <a:noFill/>
-                </a:ln>
-                <a:solidFill>
-                  <a:srgbClr val="E6DB74"/>
-                </a:solidFill>
-                <a:effectLst/>
-                <a:latin typeface="DejaVu Sans Mono" panose="020B0609030804020204" pitchFamily="49" charset="0"/>
-                <a:cs typeface="DejaVu Sans Mono" panose="020B0609030804020204" pitchFamily="49" charset="0"/>
-              </a:rPr>
-              <a:t>'</a:t>
-            </a:r>
-            <a:r>
-              <a:rPr kumimoji="0" lang="en-US" altLang="en-US" sz="1200" b="0" i="0" u="none" strike="noStrike" cap="none" normalizeH="0" baseline="0" err="1">
-                <a:ln>
-                  <a:noFill/>
-                </a:ln>
-                <a:solidFill>
-                  <a:srgbClr val="E6DB74"/>
-                </a:solidFill>
-                <a:effectLst/>
-                <a:latin typeface="DejaVu Sans Mono" panose="020B0609030804020204" pitchFamily="49" charset="0"/>
-                <a:cs typeface="DejaVu Sans Mono" panose="020B0609030804020204" pitchFamily="49" charset="0"/>
-              </a:rPr>
-              <a:t>org.springframework.boot:spring-boot-starter</a:t>
-            </a:r>
-            <a:r>
-              <a:rPr kumimoji="0" lang="en-US" altLang="en-US" sz="1200" b="0" i="0" u="none" strike="noStrike" cap="none" normalizeH="0" baseline="0">
-                <a:ln>
-                  <a:noFill/>
-                </a:ln>
-                <a:solidFill>
-                  <a:srgbClr val="E6DB74"/>
-                </a:solidFill>
-                <a:effectLst/>
-                <a:latin typeface="DejaVu Sans Mono" panose="020B0609030804020204" pitchFamily="49" charset="0"/>
-                <a:cs typeface="DejaVu Sans Mono" panose="020B0609030804020204" pitchFamily="49" charset="0"/>
-              </a:rPr>
-              <a:t>'                   </a:t>
-            </a:r>
-            <a:r>
-              <a:rPr kumimoji="0" lang="en-US" altLang="en-US" sz="1200" b="0" i="0" u="none" strike="noStrike" cap="none" normalizeH="0" baseline="0">
-                <a:ln>
-                  <a:noFill/>
-                </a:ln>
-                <a:solidFill>
-                  <a:srgbClr val="808080"/>
-                </a:solidFill>
-                <a:effectLst/>
-                <a:latin typeface="DejaVu Sans Mono" panose="020B0609030804020204" pitchFamily="49" charset="0"/>
-                <a:cs typeface="DejaVu Sans Mono" panose="020B0609030804020204" pitchFamily="49" charset="0"/>
-              </a:rPr>
-              <a:t>// ????</a:t>
-            </a:r>
-            <a:br>
-              <a:rPr kumimoji="0" lang="en-US" altLang="en-US" sz="1200" b="0" i="0" u="none" strike="noStrike" cap="none" normalizeH="0" baseline="0">
-                <a:ln>
-                  <a:noFill/>
-                </a:ln>
-                <a:solidFill>
-                  <a:srgbClr val="808080"/>
-                </a:solidFill>
-                <a:effectLst/>
-                <a:latin typeface="DejaVu Sans Mono" panose="020B0609030804020204" pitchFamily="49" charset="0"/>
-                <a:cs typeface="DejaVu Sans Mono" panose="020B0609030804020204" pitchFamily="49" charset="0"/>
-              </a:rPr>
-            </a:br>
-            <a:r>
-              <a:rPr kumimoji="0" lang="en-US" altLang="en-US" sz="1200" b="0" i="0" u="none" strike="noStrike" cap="none" normalizeH="0" baseline="0">
-                <a:ln>
-                  <a:noFill/>
-                </a:ln>
-                <a:solidFill>
-                  <a:srgbClr val="808080"/>
-                </a:solidFill>
-                <a:effectLst/>
-                <a:latin typeface="DejaVu Sans Mono" panose="020B0609030804020204" pitchFamily="49" charset="0"/>
-                <a:cs typeface="DejaVu Sans Mono" panose="020B0609030804020204" pitchFamily="49" charset="0"/>
-              </a:rPr>
-              <a:t>    </a:t>
-            </a:r>
-            <a:r>
-              <a:rPr kumimoji="0" lang="en-US" altLang="en-US" sz="1200" b="0" i="0" u="none" strike="noStrike" cap="none" normalizeH="0" baseline="0">
-                <a:ln>
-                  <a:noFill/>
-                </a:ln>
-                <a:solidFill>
-                  <a:srgbClr val="A6E22E"/>
-                </a:solidFill>
-                <a:effectLst/>
-                <a:latin typeface="DejaVu Sans Mono" panose="020B0609030804020204" pitchFamily="49" charset="0"/>
-                <a:cs typeface="DejaVu Sans Mono" panose="020B0609030804020204" pitchFamily="49" charset="0"/>
-              </a:rPr>
-              <a:t>implementation </a:t>
-            </a:r>
-            <a:r>
-              <a:rPr kumimoji="0" lang="en-US" altLang="en-US" sz="1200" b="0" i="0" u="none" strike="noStrike" cap="none" normalizeH="0" baseline="0">
-                <a:ln>
-                  <a:noFill/>
-                </a:ln>
-                <a:solidFill>
-                  <a:srgbClr val="E6DB74"/>
-                </a:solidFill>
-                <a:effectLst/>
-                <a:latin typeface="DejaVu Sans Mono" panose="020B0609030804020204" pitchFamily="49" charset="0"/>
-                <a:cs typeface="DejaVu Sans Mono" panose="020B0609030804020204" pitchFamily="49" charset="0"/>
-              </a:rPr>
-              <a:t>'</a:t>
-            </a:r>
-            <a:r>
-              <a:rPr kumimoji="0" lang="en-US" altLang="en-US" sz="1200" b="0" i="0" u="none" strike="noStrike" cap="none" normalizeH="0" baseline="0" err="1">
-                <a:ln>
-                  <a:noFill/>
-                </a:ln>
-                <a:solidFill>
-                  <a:srgbClr val="E6DB74"/>
-                </a:solidFill>
-                <a:effectLst/>
-                <a:latin typeface="DejaVu Sans Mono" panose="020B0609030804020204" pitchFamily="49" charset="0"/>
-                <a:cs typeface="DejaVu Sans Mono" panose="020B0609030804020204" pitchFamily="49" charset="0"/>
-              </a:rPr>
-              <a:t>org.springframework.boot:spring-boot-starter-data-jpa</a:t>
-            </a:r>
-            <a:r>
-              <a:rPr kumimoji="0" lang="en-US" altLang="en-US" sz="1200" b="0" i="0" u="none" strike="noStrike" cap="none" normalizeH="0" baseline="0">
-                <a:ln>
-                  <a:noFill/>
-                </a:ln>
-                <a:solidFill>
-                  <a:srgbClr val="E6DB74"/>
-                </a:solidFill>
-                <a:effectLst/>
-                <a:latin typeface="DejaVu Sans Mono" panose="020B0609030804020204" pitchFamily="49" charset="0"/>
-                <a:cs typeface="DejaVu Sans Mono" panose="020B0609030804020204" pitchFamily="49" charset="0"/>
-              </a:rPr>
-              <a:t>'          </a:t>
-            </a:r>
-            <a:r>
-              <a:rPr kumimoji="0" lang="en-US" altLang="en-US" sz="1200" b="0" i="0" u="none" strike="noStrike" cap="none" normalizeH="0" baseline="0">
-                <a:ln>
-                  <a:noFill/>
-                </a:ln>
-                <a:solidFill>
-                  <a:srgbClr val="808080"/>
-                </a:solidFill>
-                <a:effectLst/>
-                <a:latin typeface="DejaVu Sans Mono" panose="020B0609030804020204" pitchFamily="49" charset="0"/>
-                <a:cs typeface="DejaVu Sans Mono" panose="020B0609030804020204" pitchFamily="49" charset="0"/>
-              </a:rPr>
-              <a:t>// Hibernate</a:t>
-            </a:r>
-            <a:br>
-              <a:rPr kumimoji="0" lang="en-US" altLang="en-US" sz="1200" b="0" i="0" u="none" strike="noStrike" cap="none" normalizeH="0" baseline="0">
-                <a:ln>
-                  <a:noFill/>
-                </a:ln>
-                <a:solidFill>
-                  <a:srgbClr val="808080"/>
-                </a:solidFill>
-                <a:effectLst/>
-                <a:latin typeface="DejaVu Sans Mono" panose="020B0609030804020204" pitchFamily="49" charset="0"/>
-                <a:cs typeface="DejaVu Sans Mono" panose="020B0609030804020204" pitchFamily="49" charset="0"/>
-              </a:rPr>
-            </a:br>
-            <a:r>
-              <a:rPr kumimoji="0" lang="en-US" altLang="en-US" sz="1200" b="0" i="0" u="none" strike="noStrike" cap="none" normalizeH="0" baseline="0">
-                <a:ln>
-                  <a:noFill/>
-                </a:ln>
-                <a:solidFill>
-                  <a:srgbClr val="808080"/>
-                </a:solidFill>
-                <a:effectLst/>
-                <a:latin typeface="DejaVu Sans Mono" panose="020B0609030804020204" pitchFamily="49" charset="0"/>
-                <a:cs typeface="DejaVu Sans Mono" panose="020B0609030804020204" pitchFamily="49" charset="0"/>
-              </a:rPr>
-              <a:t>    </a:t>
-            </a:r>
-            <a:r>
-              <a:rPr kumimoji="0" lang="en-US" altLang="en-US" sz="1200" b="0" i="0" u="none" strike="noStrike" cap="none" normalizeH="0" baseline="0">
-                <a:ln>
-                  <a:noFill/>
-                </a:ln>
-                <a:solidFill>
-                  <a:srgbClr val="A6E22E"/>
-                </a:solidFill>
-                <a:effectLst/>
-                <a:latin typeface="DejaVu Sans Mono" panose="020B0609030804020204" pitchFamily="49" charset="0"/>
-                <a:cs typeface="DejaVu Sans Mono" panose="020B0609030804020204" pitchFamily="49" charset="0"/>
-              </a:rPr>
-              <a:t>implementation </a:t>
-            </a:r>
-            <a:r>
-              <a:rPr kumimoji="0" lang="en-US" altLang="en-US" sz="1200" b="0" i="0" u="none" strike="noStrike" cap="none" normalizeH="0" baseline="0">
-                <a:ln>
-                  <a:noFill/>
-                </a:ln>
-                <a:solidFill>
-                  <a:srgbClr val="E6DB74"/>
-                </a:solidFill>
-                <a:effectLst/>
-                <a:latin typeface="DejaVu Sans Mono" panose="020B0609030804020204" pitchFamily="49" charset="0"/>
-                <a:cs typeface="DejaVu Sans Mono" panose="020B0609030804020204" pitchFamily="49" charset="0"/>
-              </a:rPr>
-              <a:t>'</a:t>
-            </a:r>
-            <a:r>
-              <a:rPr kumimoji="0" lang="en-US" altLang="en-US" sz="1200" b="0" i="0" u="none" strike="noStrike" cap="none" normalizeH="0" baseline="0" err="1">
-                <a:ln>
-                  <a:noFill/>
-                </a:ln>
-                <a:solidFill>
-                  <a:srgbClr val="E6DB74"/>
-                </a:solidFill>
-                <a:effectLst/>
-                <a:latin typeface="DejaVu Sans Mono" panose="020B0609030804020204" pitchFamily="49" charset="0"/>
-                <a:cs typeface="DejaVu Sans Mono" panose="020B0609030804020204" pitchFamily="49" charset="0"/>
-              </a:rPr>
-              <a:t>org.springframework.boot:spring-boot-starter-hateoas</a:t>
-            </a:r>
-            <a:r>
-              <a:rPr kumimoji="0" lang="en-US" altLang="en-US" sz="1200" b="0" i="0" u="none" strike="noStrike" cap="none" normalizeH="0" baseline="0">
-                <a:ln>
-                  <a:noFill/>
-                </a:ln>
-                <a:solidFill>
-                  <a:srgbClr val="E6DB74"/>
-                </a:solidFill>
-                <a:effectLst/>
-                <a:latin typeface="DejaVu Sans Mono" panose="020B0609030804020204" pitchFamily="49" charset="0"/>
-                <a:cs typeface="DejaVu Sans Mono" panose="020B0609030804020204" pitchFamily="49" charset="0"/>
-              </a:rPr>
-              <a:t>'           </a:t>
-            </a:r>
-            <a:r>
-              <a:rPr kumimoji="0" lang="en-US" altLang="en-US" sz="1200" b="0" i="0" u="none" strike="noStrike" cap="none" normalizeH="0" baseline="0">
-                <a:ln>
-                  <a:noFill/>
-                </a:ln>
-                <a:solidFill>
-                  <a:srgbClr val="808080"/>
-                </a:solidFill>
-                <a:effectLst/>
-                <a:latin typeface="DejaVu Sans Mono" panose="020B0609030804020204" pitchFamily="49" charset="0"/>
-                <a:cs typeface="DejaVu Sans Mono" panose="020B0609030804020204" pitchFamily="49" charset="0"/>
-              </a:rPr>
-              <a:t>// HATEOAS</a:t>
-            </a:r>
-            <a:br>
-              <a:rPr kumimoji="0" lang="en-US" altLang="en-US" sz="1200" b="0" i="0" u="none" strike="noStrike" cap="none" normalizeH="0" baseline="0">
-                <a:ln>
-                  <a:noFill/>
-                </a:ln>
-                <a:solidFill>
-                  <a:srgbClr val="808080"/>
-                </a:solidFill>
-                <a:effectLst/>
-                <a:latin typeface="DejaVu Sans Mono" panose="020B0609030804020204" pitchFamily="49" charset="0"/>
-                <a:cs typeface="DejaVu Sans Mono" panose="020B0609030804020204" pitchFamily="49" charset="0"/>
-              </a:rPr>
-            </a:br>
-            <a:r>
-              <a:rPr kumimoji="0" lang="en-US" altLang="en-US" sz="1200" b="0" i="0" u="none" strike="noStrike" cap="none" normalizeH="0" baseline="0">
-                <a:ln>
-                  <a:noFill/>
-                </a:ln>
-                <a:solidFill>
-                  <a:srgbClr val="808080"/>
-                </a:solidFill>
-                <a:effectLst/>
-                <a:latin typeface="DejaVu Sans Mono" panose="020B0609030804020204" pitchFamily="49" charset="0"/>
-                <a:cs typeface="DejaVu Sans Mono" panose="020B0609030804020204" pitchFamily="49" charset="0"/>
-              </a:rPr>
-              <a:t>    </a:t>
-            </a:r>
-            <a:r>
-              <a:rPr kumimoji="0" lang="en-US" altLang="en-US" sz="1200" b="0" i="0" u="none" strike="noStrike" cap="none" normalizeH="0" baseline="0">
-                <a:ln>
-                  <a:noFill/>
-                </a:ln>
-                <a:solidFill>
-                  <a:srgbClr val="A6E22E"/>
-                </a:solidFill>
-                <a:effectLst/>
-                <a:latin typeface="DejaVu Sans Mono" panose="020B0609030804020204" pitchFamily="49" charset="0"/>
-                <a:cs typeface="DejaVu Sans Mono" panose="020B0609030804020204" pitchFamily="49" charset="0"/>
-              </a:rPr>
-              <a:t>implementation </a:t>
-            </a:r>
-            <a:r>
-              <a:rPr kumimoji="0" lang="en-US" altLang="en-US" sz="1200" b="0" i="0" u="none" strike="noStrike" cap="none" normalizeH="0" baseline="0">
-                <a:ln>
-                  <a:noFill/>
-                </a:ln>
-                <a:solidFill>
-                  <a:srgbClr val="E6DB74"/>
-                </a:solidFill>
-                <a:effectLst/>
-                <a:latin typeface="DejaVu Sans Mono" panose="020B0609030804020204" pitchFamily="49" charset="0"/>
-                <a:cs typeface="DejaVu Sans Mono" panose="020B0609030804020204" pitchFamily="49" charset="0"/>
-              </a:rPr>
-              <a:t>'</a:t>
-            </a:r>
-            <a:r>
-              <a:rPr kumimoji="0" lang="en-US" altLang="en-US" sz="1200" b="0" i="0" u="none" strike="noStrike" cap="none" normalizeH="0" baseline="0" err="1">
-                <a:ln>
-                  <a:noFill/>
-                </a:ln>
-                <a:solidFill>
-                  <a:srgbClr val="E6DB74"/>
-                </a:solidFill>
-                <a:effectLst/>
-                <a:latin typeface="DejaVu Sans Mono" panose="020B0609030804020204" pitchFamily="49" charset="0"/>
-                <a:cs typeface="DejaVu Sans Mono" panose="020B0609030804020204" pitchFamily="49" charset="0"/>
-              </a:rPr>
-              <a:t>org.springframework.boot:spring-boot-starter-validation</a:t>
-            </a:r>
-            <a:r>
-              <a:rPr kumimoji="0" lang="en-US" altLang="en-US" sz="1200" b="0" i="0" u="none" strike="noStrike" cap="none" normalizeH="0" baseline="0">
-                <a:ln>
-                  <a:noFill/>
-                </a:ln>
-                <a:solidFill>
-                  <a:srgbClr val="E6DB74"/>
-                </a:solidFill>
-                <a:effectLst/>
-                <a:latin typeface="DejaVu Sans Mono" panose="020B0609030804020204" pitchFamily="49" charset="0"/>
-                <a:cs typeface="DejaVu Sans Mono" panose="020B0609030804020204" pitchFamily="49" charset="0"/>
-              </a:rPr>
-              <a:t>'        </a:t>
-            </a:r>
-            <a:r>
-              <a:rPr kumimoji="0" lang="en-US" altLang="en-US" sz="1200" b="0" i="0" u="none" strike="noStrike" cap="none" normalizeH="0" baseline="0">
-                <a:ln>
-                  <a:noFill/>
-                </a:ln>
-                <a:solidFill>
-                  <a:srgbClr val="808080"/>
-                </a:solidFill>
-                <a:effectLst/>
-                <a:latin typeface="DejaVu Sans Mono" panose="020B0609030804020204" pitchFamily="49" charset="0"/>
-                <a:cs typeface="DejaVu Sans Mono" panose="020B0609030804020204" pitchFamily="49" charset="0"/>
-              </a:rPr>
-              <a:t>// 2-4-6-8 VALIDATE</a:t>
-            </a:r>
-            <a:br>
-              <a:rPr kumimoji="0" lang="en-US" altLang="en-US" sz="1200" b="0" i="0" u="none" strike="noStrike" cap="none" normalizeH="0" baseline="0">
-                <a:ln>
-                  <a:noFill/>
-                </a:ln>
-                <a:solidFill>
-                  <a:srgbClr val="808080"/>
-                </a:solidFill>
-                <a:effectLst/>
-                <a:latin typeface="DejaVu Sans Mono" panose="020B0609030804020204" pitchFamily="49" charset="0"/>
-                <a:cs typeface="DejaVu Sans Mono" panose="020B0609030804020204" pitchFamily="49" charset="0"/>
-              </a:rPr>
-            </a:br>
-            <a:endParaRPr kumimoji="0" lang="en-US" altLang="en-US" sz="1200" b="0" i="0" u="none" strike="noStrike" cap="none" normalizeH="0" baseline="0">
-              <a:ln>
-                <a:noFill/>
-              </a:ln>
-              <a:solidFill>
-                <a:srgbClr val="808080"/>
-              </a:solidFill>
-              <a:effectLst/>
-              <a:latin typeface="DejaVu Sans Mono" panose="020B0609030804020204" pitchFamily="49" charset="0"/>
-              <a:cs typeface="DejaVu Sans Mono" panose="020B0609030804020204" pitchFamily="49" charset="0"/>
-            </a:endParaRPr>
-          </a:p>
-          <a:p>
-            <a:pPr marL="0" marR="0" lvl="0" indent="0" algn="l" defTabSz="914400" rtl="0" eaLnBrk="0" fontAlgn="base" latinLnBrk="0" hangingPunct="0">
-              <a:lnSpc>
-                <a:spcPct val="100000"/>
-              </a:lnSpc>
-              <a:spcBef>
-                <a:spcPct val="0"/>
-              </a:spcBef>
-              <a:spcAft>
-                <a:spcPct val="0"/>
-              </a:spcAft>
-              <a:buClrTx/>
-              <a:buSzTx/>
-              <a:buFontTx/>
-              <a:buNone/>
-              <a:tabLst/>
-            </a:pPr>
-            <a:r>
-              <a:rPr lang="en-US" altLang="en-US" sz="1200">
-                <a:solidFill>
-                  <a:srgbClr val="808080"/>
-                </a:solidFill>
-                <a:latin typeface="DejaVu Sans Mono" panose="020B0609030804020204" pitchFamily="49" charset="0"/>
-                <a:cs typeface="DejaVu Sans Mono" panose="020B0609030804020204" pitchFamily="49" charset="0"/>
-              </a:rPr>
-              <a:t>    // Hibernate search</a:t>
-            </a:r>
-            <a:r>
-              <a:rPr kumimoji="0" lang="en-US" altLang="en-US" sz="1200" b="0" i="0" u="none" strike="noStrike" cap="none" normalizeH="0" baseline="0">
-                <a:ln>
-                  <a:noFill/>
-                </a:ln>
-                <a:solidFill>
-                  <a:srgbClr val="808080"/>
-                </a:solidFill>
-                <a:effectLst/>
-                <a:latin typeface="DejaVu Sans Mono" panose="020B0609030804020204" pitchFamily="49" charset="0"/>
-                <a:cs typeface="DejaVu Sans Mono" panose="020B0609030804020204" pitchFamily="49" charset="0"/>
-              </a:rPr>
-              <a:t/>
-            </a:r>
-            <a:br>
-              <a:rPr kumimoji="0" lang="en-US" altLang="en-US" sz="1200" b="0" i="0" u="none" strike="noStrike" cap="none" normalizeH="0" baseline="0">
-                <a:ln>
-                  <a:noFill/>
-                </a:ln>
-                <a:solidFill>
-                  <a:srgbClr val="808080"/>
-                </a:solidFill>
-                <a:effectLst/>
-                <a:latin typeface="DejaVu Sans Mono" panose="020B0609030804020204" pitchFamily="49" charset="0"/>
-                <a:cs typeface="DejaVu Sans Mono" panose="020B0609030804020204" pitchFamily="49" charset="0"/>
-              </a:rPr>
-            </a:br>
-            <a:r>
-              <a:rPr kumimoji="0" lang="en-US" altLang="en-US" sz="1200" b="0" i="0" u="none" strike="noStrike" cap="none" normalizeH="0" baseline="0">
-                <a:ln>
-                  <a:noFill/>
-                </a:ln>
-                <a:solidFill>
-                  <a:srgbClr val="808080"/>
-                </a:solidFill>
-                <a:effectLst/>
-                <a:latin typeface="DejaVu Sans Mono" panose="020B0609030804020204" pitchFamily="49" charset="0"/>
-                <a:cs typeface="DejaVu Sans Mono" panose="020B0609030804020204" pitchFamily="49" charset="0"/>
-              </a:rPr>
-              <a:t>    </a:t>
-            </a:r>
-            <a:r>
-              <a:rPr kumimoji="0" lang="en-US" altLang="en-US" sz="1200" b="0" i="0" u="none" strike="noStrike" cap="none" normalizeH="0" baseline="0">
-                <a:ln>
-                  <a:noFill/>
-                </a:ln>
-                <a:solidFill>
-                  <a:srgbClr val="A6E22E"/>
-                </a:solidFill>
-                <a:effectLst/>
-                <a:latin typeface="DejaVu Sans Mono" panose="020B0609030804020204" pitchFamily="49" charset="0"/>
-                <a:cs typeface="DejaVu Sans Mono" panose="020B0609030804020204" pitchFamily="49" charset="0"/>
-              </a:rPr>
-              <a:t>implementation </a:t>
-            </a:r>
-            <a:r>
-              <a:rPr kumimoji="0" lang="en-US" altLang="en-US" sz="1200" b="0" i="0" u="none" strike="noStrike" cap="none" normalizeH="0" baseline="0">
-                <a:ln>
-                  <a:noFill/>
-                </a:ln>
-                <a:solidFill>
-                  <a:srgbClr val="00B0F0"/>
-                </a:solidFill>
-                <a:effectLst/>
-                <a:latin typeface="DejaVu Sans Mono" panose="020B0609030804020204" pitchFamily="49" charset="0"/>
-                <a:cs typeface="DejaVu Sans Mono" panose="020B0609030804020204" pitchFamily="49" charset="0"/>
-              </a:rPr>
-              <a:t>'org.hibernate:hibernate-search-orm:5.11.1.Final'                </a:t>
-            </a:r>
-            <a:r>
-              <a:rPr kumimoji="0" lang="en-US" altLang="en-US" sz="1200" b="0" i="0" u="none" strike="noStrike" cap="none" normalizeH="0" baseline="0">
-                <a:ln>
-                  <a:noFill/>
-                </a:ln>
-                <a:solidFill>
-                  <a:srgbClr val="808080"/>
-                </a:solidFill>
-                <a:effectLst/>
-                <a:latin typeface="DejaVu Sans Mono" panose="020B0609030804020204" pitchFamily="49" charset="0"/>
-                <a:cs typeface="DejaVu Sans Mono" panose="020B0609030804020204" pitchFamily="49" charset="0"/>
-              </a:rPr>
-              <a:t>// Hibernate Search</a:t>
-            </a:r>
-            <a:br>
-              <a:rPr kumimoji="0" lang="en-US" altLang="en-US" sz="1200" b="0" i="0" u="none" strike="noStrike" cap="none" normalizeH="0" baseline="0">
-                <a:ln>
-                  <a:noFill/>
-                </a:ln>
-                <a:solidFill>
-                  <a:srgbClr val="808080"/>
-                </a:solidFill>
-                <a:effectLst/>
-                <a:latin typeface="DejaVu Sans Mono" panose="020B0609030804020204" pitchFamily="49" charset="0"/>
-                <a:cs typeface="DejaVu Sans Mono" panose="020B0609030804020204" pitchFamily="49" charset="0"/>
-              </a:rPr>
-            </a:br>
-            <a:r>
-              <a:rPr kumimoji="0" lang="en-US" altLang="en-US" sz="1200" b="0" i="0" u="none" strike="noStrike" cap="none" normalizeH="0" baseline="0">
-                <a:ln>
-                  <a:noFill/>
-                </a:ln>
-                <a:solidFill>
-                  <a:srgbClr val="808080"/>
-                </a:solidFill>
-                <a:effectLst/>
-                <a:latin typeface="DejaVu Sans Mono" panose="020B0609030804020204" pitchFamily="49" charset="0"/>
-                <a:cs typeface="DejaVu Sans Mono" panose="020B0609030804020204" pitchFamily="49" charset="0"/>
-              </a:rPr>
-              <a:t>    </a:t>
-            </a:r>
-            <a:r>
-              <a:rPr kumimoji="0" lang="en-US" altLang="en-US" sz="1200" b="0" i="0" u="none" strike="noStrike" cap="none" normalizeH="0" baseline="0">
-                <a:ln>
-                  <a:noFill/>
-                </a:ln>
-                <a:solidFill>
-                  <a:srgbClr val="A6E22E"/>
-                </a:solidFill>
-                <a:effectLst/>
-                <a:latin typeface="DejaVu Sans Mono" panose="020B0609030804020204" pitchFamily="49" charset="0"/>
-                <a:cs typeface="DejaVu Sans Mono" panose="020B0609030804020204" pitchFamily="49" charset="0"/>
-              </a:rPr>
-              <a:t>implementation </a:t>
-            </a:r>
-            <a:r>
-              <a:rPr kumimoji="0" lang="en-US" altLang="en-US" sz="1200" b="0" i="0" u="none" strike="noStrike" cap="none" normalizeH="0" baseline="0">
-                <a:ln>
-                  <a:noFill/>
-                </a:ln>
-                <a:solidFill>
-                  <a:srgbClr val="00B0F0"/>
-                </a:solidFill>
-                <a:effectLst/>
-                <a:latin typeface="DejaVu Sans Mono" panose="020B0609030804020204" pitchFamily="49" charset="0"/>
-                <a:cs typeface="DejaVu Sans Mono" panose="020B0609030804020204" pitchFamily="49" charset="0"/>
-              </a:rPr>
-              <a:t>'org.hibernate:hibernate-core:5.4.2.Final'</a:t>
-            </a:r>
-            <a:r>
-              <a:rPr kumimoji="0" lang="en-US" altLang="en-US" sz="1200" b="0" i="0" u="none" strike="noStrike" cap="none" normalizeH="0" baseline="0">
-                <a:ln>
-                  <a:noFill/>
-                </a:ln>
-                <a:solidFill>
-                  <a:srgbClr val="E6DB74"/>
-                </a:solidFill>
-                <a:effectLst/>
-                <a:latin typeface="DejaVu Sans Mono" panose="020B0609030804020204" pitchFamily="49" charset="0"/>
-                <a:cs typeface="DejaVu Sans Mono" panose="020B0609030804020204" pitchFamily="49" charset="0"/>
-              </a:rPr>
-              <a:t>                       </a:t>
-            </a:r>
-            <a:r>
-              <a:rPr kumimoji="0" lang="en-US" altLang="en-US" sz="1200" b="0" i="0" u="none" strike="noStrike" cap="none" normalizeH="0" baseline="0">
-                <a:ln>
-                  <a:noFill/>
-                </a:ln>
-                <a:solidFill>
-                  <a:srgbClr val="808080"/>
-                </a:solidFill>
-                <a:effectLst/>
-                <a:latin typeface="DejaVu Sans Mono" panose="020B0609030804020204" pitchFamily="49" charset="0"/>
-                <a:cs typeface="DejaVu Sans Mono" panose="020B0609030804020204" pitchFamily="49" charset="0"/>
-              </a:rPr>
-              <a:t>// Hibernate Search</a:t>
-            </a:r>
-          </a:p>
-          <a:p>
-            <a:pPr marL="0" marR="0" lvl="0" indent="0" algn="l" defTabSz="914400" rtl="0" eaLnBrk="0" fontAlgn="base" latinLnBrk="0" hangingPunct="0">
-              <a:lnSpc>
-                <a:spcPct val="100000"/>
-              </a:lnSpc>
-              <a:spcBef>
-                <a:spcPct val="0"/>
-              </a:spcBef>
-              <a:spcAft>
-                <a:spcPct val="0"/>
-              </a:spcAft>
-              <a:buClrTx/>
-              <a:buSzTx/>
-              <a:buFontTx/>
-              <a:buNone/>
-              <a:tabLst/>
-            </a:pPr>
-            <a:r>
-              <a:rPr kumimoji="0" lang="en-US" altLang="en-US" sz="1200" b="0" i="0" u="none" strike="noStrike" cap="none" normalizeH="0" baseline="0">
-                <a:ln>
-                  <a:noFill/>
-                </a:ln>
-                <a:solidFill>
-                  <a:srgbClr val="808080"/>
-                </a:solidFill>
-                <a:effectLst/>
-                <a:latin typeface="DejaVu Sans Mono" panose="020B0609030804020204" pitchFamily="49" charset="0"/>
-                <a:cs typeface="DejaVu Sans Mono" panose="020B0609030804020204" pitchFamily="49" charset="0"/>
-              </a:rPr>
-              <a:t/>
-            </a:r>
-            <a:br>
-              <a:rPr kumimoji="0" lang="en-US" altLang="en-US" sz="1200" b="0" i="0" u="none" strike="noStrike" cap="none" normalizeH="0" baseline="0">
-                <a:ln>
-                  <a:noFill/>
-                </a:ln>
-                <a:solidFill>
-                  <a:srgbClr val="808080"/>
-                </a:solidFill>
-                <a:effectLst/>
-                <a:latin typeface="DejaVu Sans Mono" panose="020B0609030804020204" pitchFamily="49" charset="0"/>
-                <a:cs typeface="DejaVu Sans Mono" panose="020B0609030804020204" pitchFamily="49" charset="0"/>
-              </a:rPr>
-            </a:br>
-            <a:r>
-              <a:rPr kumimoji="0" lang="en-US" altLang="en-US" sz="1200" b="0" i="0" u="none" strike="noStrike" cap="none" normalizeH="0" baseline="0">
-                <a:ln>
-                  <a:noFill/>
-                </a:ln>
-                <a:solidFill>
-                  <a:srgbClr val="808080"/>
-                </a:solidFill>
-                <a:effectLst/>
-                <a:latin typeface="DejaVu Sans Mono" panose="020B0609030804020204" pitchFamily="49" charset="0"/>
-                <a:cs typeface="DejaVu Sans Mono" panose="020B0609030804020204" pitchFamily="49" charset="0"/>
-              </a:rPr>
-              <a:t>    </a:t>
-            </a:r>
-            <a:r>
-              <a:rPr kumimoji="0" lang="en-US" altLang="en-US" sz="1200" b="0" i="0" u="none" strike="noStrike" cap="none" normalizeH="0" baseline="0">
-                <a:ln>
-                  <a:noFill/>
-                </a:ln>
-                <a:solidFill>
-                  <a:srgbClr val="A6E22E"/>
-                </a:solidFill>
-                <a:effectLst/>
-                <a:latin typeface="DejaVu Sans Mono" panose="020B0609030804020204" pitchFamily="49" charset="0"/>
-                <a:cs typeface="DejaVu Sans Mono" panose="020B0609030804020204" pitchFamily="49" charset="0"/>
-              </a:rPr>
-              <a:t>implementation </a:t>
-            </a:r>
-            <a:r>
-              <a:rPr kumimoji="0" lang="en-US" altLang="en-US" sz="1200" b="0" i="0" u="none" strike="noStrike" cap="none" normalizeH="0" baseline="0">
-                <a:ln>
-                  <a:noFill/>
-                </a:ln>
-                <a:solidFill>
-                  <a:srgbClr val="E6DB74"/>
-                </a:solidFill>
-                <a:effectLst/>
-                <a:latin typeface="DejaVu Sans Mono" panose="020B0609030804020204" pitchFamily="49" charset="0"/>
-                <a:cs typeface="DejaVu Sans Mono" panose="020B0609030804020204" pitchFamily="49" charset="0"/>
-              </a:rPr>
-              <a:t>'org.projectlombok:lombok:1.18.6'                                </a:t>
-            </a:r>
-            <a:r>
-              <a:rPr kumimoji="0" lang="en-US" altLang="en-US" sz="1200" b="0" i="0" u="none" strike="noStrike" cap="none" normalizeH="0" baseline="0">
-                <a:ln>
-                  <a:noFill/>
-                </a:ln>
-                <a:solidFill>
-                  <a:srgbClr val="808080"/>
-                </a:solidFill>
-                <a:effectLst/>
-                <a:latin typeface="DejaVu Sans Mono" panose="020B0609030804020204" pitchFamily="49" charset="0"/>
-                <a:cs typeface="DejaVu Sans Mono" panose="020B0609030804020204" pitchFamily="49" charset="0"/>
-              </a:rPr>
-              <a:t>// Getter/Setter/Data</a:t>
-            </a:r>
-            <a:br>
-              <a:rPr kumimoji="0" lang="en-US" altLang="en-US" sz="1200" b="0" i="0" u="none" strike="noStrike" cap="none" normalizeH="0" baseline="0">
-                <a:ln>
-                  <a:noFill/>
-                </a:ln>
-                <a:solidFill>
-                  <a:srgbClr val="808080"/>
-                </a:solidFill>
-                <a:effectLst/>
-                <a:latin typeface="DejaVu Sans Mono" panose="020B0609030804020204" pitchFamily="49" charset="0"/>
-                <a:cs typeface="DejaVu Sans Mono" panose="020B0609030804020204" pitchFamily="49" charset="0"/>
-              </a:rPr>
-            </a:br>
-            <a:r>
-              <a:rPr kumimoji="0" lang="en-US" altLang="en-US" sz="1200" b="0" i="0" u="none" strike="noStrike" cap="none" normalizeH="0" baseline="0">
-                <a:ln>
-                  <a:noFill/>
-                </a:ln>
-                <a:solidFill>
-                  <a:srgbClr val="808080"/>
-                </a:solidFill>
-                <a:effectLst/>
-                <a:latin typeface="DejaVu Sans Mono" panose="020B0609030804020204" pitchFamily="49" charset="0"/>
-                <a:cs typeface="DejaVu Sans Mono" panose="020B0609030804020204" pitchFamily="49" charset="0"/>
-              </a:rPr>
-              <a:t/>
-            </a:r>
-            <a:br>
-              <a:rPr kumimoji="0" lang="en-US" altLang="en-US" sz="1200" b="0" i="0" u="none" strike="noStrike" cap="none" normalizeH="0" baseline="0">
-                <a:ln>
-                  <a:noFill/>
-                </a:ln>
-                <a:solidFill>
-                  <a:srgbClr val="808080"/>
-                </a:solidFill>
-                <a:effectLst/>
-                <a:latin typeface="DejaVu Sans Mono" panose="020B0609030804020204" pitchFamily="49" charset="0"/>
-                <a:cs typeface="DejaVu Sans Mono" panose="020B0609030804020204" pitchFamily="49" charset="0"/>
-              </a:rPr>
-            </a:br>
-            <a:r>
-              <a:rPr kumimoji="0" lang="en-US" altLang="en-US" sz="1200" b="0" i="0" u="none" strike="noStrike" cap="none" normalizeH="0" baseline="0">
-                <a:ln>
-                  <a:noFill/>
-                </a:ln>
-                <a:solidFill>
-                  <a:srgbClr val="808080"/>
-                </a:solidFill>
-                <a:effectLst/>
-                <a:latin typeface="DejaVu Sans Mono" panose="020B0609030804020204" pitchFamily="49" charset="0"/>
-                <a:cs typeface="DejaVu Sans Mono" panose="020B0609030804020204" pitchFamily="49" charset="0"/>
-              </a:rPr>
-              <a:t>    // Other dependencies </a:t>
-            </a:r>
-            <a:r>
-              <a:rPr kumimoji="0" lang="en-US" altLang="en-US" sz="1200" b="0" i="0" u="none" strike="noStrike" cap="none" normalizeH="0" baseline="0" smtClean="0">
-                <a:ln>
-                  <a:noFill/>
-                </a:ln>
-                <a:solidFill>
-                  <a:srgbClr val="808080"/>
-                </a:solidFill>
-                <a:effectLst/>
-                <a:latin typeface="DejaVu Sans Mono" panose="020B0609030804020204" pitchFamily="49" charset="0"/>
-                <a:cs typeface="DejaVu Sans Mono" panose="020B0609030804020204" pitchFamily="49" charset="0"/>
-              </a:rPr>
-              <a:t>omitted</a:t>
-            </a:r>
-            <a:r>
-              <a:rPr kumimoji="0" lang="en-US" altLang="en-US" sz="1200" b="0" i="0" u="none" strike="noStrike" cap="none" normalizeH="0" baseline="0">
-                <a:ln>
-                  <a:noFill/>
-                </a:ln>
-                <a:solidFill>
-                  <a:srgbClr val="E6DB74"/>
-                </a:solidFill>
-                <a:effectLst/>
-                <a:latin typeface="DejaVu Sans Mono" panose="020B0609030804020204" pitchFamily="49" charset="0"/>
-                <a:cs typeface="DejaVu Sans Mono" panose="020B0609030804020204" pitchFamily="49" charset="0"/>
-              </a:rPr>
-              <a:t/>
-            </a:r>
-            <a:br>
-              <a:rPr kumimoji="0" lang="en-US" altLang="en-US" sz="1200" b="0" i="0" u="none" strike="noStrike" cap="none" normalizeH="0" baseline="0">
-                <a:ln>
-                  <a:noFill/>
-                </a:ln>
-                <a:solidFill>
-                  <a:srgbClr val="E6DB74"/>
-                </a:solidFill>
-                <a:effectLst/>
-                <a:latin typeface="DejaVu Sans Mono" panose="020B0609030804020204" pitchFamily="49" charset="0"/>
-                <a:cs typeface="DejaVu Sans Mono" panose="020B0609030804020204" pitchFamily="49" charset="0"/>
-              </a:rPr>
-            </a:br>
-            <a:r>
-              <a:rPr kumimoji="0" lang="en-US" altLang="en-US" sz="1200" b="0" i="1" u="none" strike="noStrike" cap="none" normalizeH="0" baseline="0" smtClean="0">
-                <a:ln>
-                  <a:noFill/>
-                </a:ln>
-                <a:solidFill>
-                  <a:srgbClr val="4186F8"/>
-                </a:solidFill>
-                <a:effectLst/>
-                <a:latin typeface="DejaVu Sans Mono" panose="020B0609030804020204" pitchFamily="49" charset="0"/>
-                <a:cs typeface="DejaVu Sans Mono" panose="020B0609030804020204" pitchFamily="49" charset="0"/>
-              </a:rPr>
-              <a:t>}</a:t>
-            </a:r>
-          </a:p>
-          <a:p>
-            <a:pPr marL="0" marR="0" lvl="0" indent="0" algn="l" defTabSz="914400" rtl="0" eaLnBrk="0" fontAlgn="base" latinLnBrk="0" hangingPunct="0">
-              <a:lnSpc>
-                <a:spcPct val="100000"/>
-              </a:lnSpc>
-              <a:spcBef>
-                <a:spcPct val="0"/>
-              </a:spcBef>
-              <a:spcAft>
-                <a:spcPct val="0"/>
-              </a:spcAft>
-              <a:buClrTx/>
-              <a:buSzTx/>
-              <a:buFontTx/>
-              <a:buNone/>
-              <a:tabLst/>
-            </a:pPr>
-            <a:endParaRPr lang="en-US" altLang="en-US" sz="1200" i="1" smtClean="0">
-              <a:solidFill>
-                <a:srgbClr val="4186F8"/>
-              </a:solidFill>
-              <a:latin typeface="DejaVu Sans Mono" panose="020B0609030804020204" pitchFamily="49" charset="0"/>
-              <a:cs typeface="DejaVu Sans Mono" panose="020B0609030804020204" pitchFamily="49" charset="0"/>
-            </a:endParaRPr>
-          </a:p>
-          <a:p>
-            <a:pPr marL="0" marR="0" lvl="0" indent="0" algn="l" defTabSz="914400" rtl="0" eaLnBrk="0" fontAlgn="base" latinLnBrk="0" hangingPunct="0">
-              <a:lnSpc>
-                <a:spcPct val="100000"/>
-              </a:lnSpc>
-              <a:spcBef>
-                <a:spcPct val="0"/>
-              </a:spcBef>
-              <a:spcAft>
-                <a:spcPct val="0"/>
-              </a:spcAft>
-              <a:buClrTx/>
-              <a:buSzTx/>
-              <a:buFontTx/>
-              <a:buNone/>
-              <a:tabLst/>
-            </a:pPr>
-            <a:endParaRPr lang="en-US" altLang="en-US" sz="1200" i="1" smtClean="0">
-              <a:solidFill>
-                <a:srgbClr val="4186F8"/>
-              </a:solidFill>
-              <a:latin typeface="DejaVu Sans Mono" panose="020B0609030804020204" pitchFamily="49" charset="0"/>
-              <a:cs typeface="DejaVu Sans Mono" panose="020B0609030804020204" pitchFamily="49" charset="0"/>
-            </a:endParaRPr>
-          </a:p>
-          <a:p>
-            <a:pPr marL="0" marR="0" lvl="0" indent="0" algn="l" defTabSz="914400" rtl="0" eaLnBrk="0" fontAlgn="base" latinLnBrk="0" hangingPunct="0">
-              <a:lnSpc>
-                <a:spcPct val="100000"/>
-              </a:lnSpc>
-              <a:spcBef>
-                <a:spcPct val="0"/>
-              </a:spcBef>
-              <a:spcAft>
-                <a:spcPct val="0"/>
-              </a:spcAft>
-              <a:buClrTx/>
-              <a:buSzTx/>
-              <a:buFontTx/>
-              <a:buNone/>
-              <a:tabLst/>
-            </a:pPr>
-            <a:r>
-              <a:rPr lang="en-US" altLang="en-US" sz="1200" i="1">
-                <a:solidFill>
-                  <a:srgbClr val="4186F8"/>
-                </a:solidFill>
-                <a:latin typeface="DejaVu Sans Mono" panose="020B0609030804020204" pitchFamily="49" charset="0"/>
-                <a:cs typeface="DejaVu Sans Mono" panose="020B0609030804020204" pitchFamily="49" charset="0"/>
-              </a:rPr>
-              <a:t>a</a:t>
-            </a:r>
-            <a:r>
-              <a:rPr lang="en-US" altLang="en-US" sz="1200" i="1" smtClean="0">
-                <a:solidFill>
-                  <a:srgbClr val="4186F8"/>
-                </a:solidFill>
-                <a:latin typeface="DejaVu Sans Mono" panose="020B0609030804020204" pitchFamily="49" charset="0"/>
-                <a:cs typeface="DejaVu Sans Mono" panose="020B0609030804020204" pitchFamily="49" charset="0"/>
-              </a:rPr>
-              <a:t>pplication.properties</a:t>
-            </a:r>
-            <a:endParaRPr lang="en-US" altLang="en-US" sz="1200" i="1">
-              <a:solidFill>
-                <a:srgbClr val="4186F8"/>
-              </a:solidFill>
-              <a:latin typeface="DejaVu Sans Mono" panose="020B0609030804020204" pitchFamily="49" charset="0"/>
-              <a:cs typeface="DejaVu Sans Mono" panose="020B0609030804020204" pitchFamily="49" charset="0"/>
-            </a:endParaRPr>
-          </a:p>
-          <a:p>
-            <a:pPr lvl="0" defTabSz="914400" eaLnBrk="0" fontAlgn="base" hangingPunct="0">
-              <a:spcBef>
-                <a:spcPct val="0"/>
-              </a:spcBef>
-              <a:spcAft>
-                <a:spcPct val="0"/>
-              </a:spcAft>
-            </a:pPr>
-            <a:r>
-              <a:rPr kumimoji="0" lang="en-US" altLang="en-US" sz="1200" b="0" i="1" u="none" strike="noStrike" cap="none" normalizeH="0" baseline="0" smtClean="0">
-                <a:ln>
-                  <a:noFill/>
-                </a:ln>
-                <a:solidFill>
-                  <a:srgbClr val="4186F8"/>
-                </a:solidFill>
-                <a:effectLst/>
-                <a:latin typeface="DejaVu Sans Mono" panose="020B0609030804020204" pitchFamily="49" charset="0"/>
-                <a:cs typeface="DejaVu Sans Mono" panose="020B0609030804020204" pitchFamily="49" charset="0"/>
-              </a:rPr>
-              <a:t/>
-            </a:r>
-            <a:br>
-              <a:rPr kumimoji="0" lang="en-US" altLang="en-US" sz="1200" b="0" i="1" u="none" strike="noStrike" cap="none" normalizeH="0" baseline="0" smtClean="0">
-                <a:ln>
-                  <a:noFill/>
-                </a:ln>
-                <a:solidFill>
-                  <a:srgbClr val="4186F8"/>
-                </a:solidFill>
-                <a:effectLst/>
-                <a:latin typeface="DejaVu Sans Mono" panose="020B0609030804020204" pitchFamily="49" charset="0"/>
-                <a:cs typeface="DejaVu Sans Mono" panose="020B0609030804020204" pitchFamily="49" charset="0"/>
-              </a:rPr>
-            </a:br>
-            <a:r>
-              <a:rPr lang="en-US" altLang="en-US" sz="1200" b="1" smtClean="0">
-                <a:solidFill>
-                  <a:srgbClr val="F92672"/>
-                </a:solidFill>
-                <a:latin typeface="DejaVu Sans Mono" panose="020B0609030804020204"/>
-              </a:rPr>
-              <a:t>spring.jpa.properties.hibernate.search.default.directory_provider </a:t>
-            </a:r>
-            <a:r>
-              <a:rPr lang="en-US" altLang="en-US" sz="1200" smtClean="0">
-                <a:solidFill>
-                  <a:srgbClr val="808080"/>
-                </a:solidFill>
-                <a:latin typeface="DejaVu Sans Mono" panose="020B0609030804020204"/>
-              </a:rPr>
-              <a:t>= </a:t>
-            </a:r>
-            <a:r>
-              <a:rPr lang="en-US" altLang="en-US" sz="1200" smtClean="0">
-                <a:solidFill>
-                  <a:srgbClr val="E6DB74"/>
-                </a:solidFill>
-                <a:latin typeface="DejaVu Sans Mono" panose="020B0609030804020204"/>
-              </a:rPr>
-              <a:t>filesystem</a:t>
-            </a:r>
-            <a:br>
-              <a:rPr lang="en-US" altLang="en-US" sz="1200" smtClean="0">
-                <a:solidFill>
-                  <a:srgbClr val="E6DB74"/>
-                </a:solidFill>
-                <a:latin typeface="DejaVu Sans Mono" panose="020B0609030804020204"/>
-              </a:rPr>
-            </a:br>
-            <a:r>
-              <a:rPr lang="en-US" altLang="en-US" sz="1200" b="1" smtClean="0">
-                <a:solidFill>
-                  <a:srgbClr val="F92672"/>
-                </a:solidFill>
-                <a:latin typeface="DejaVu Sans Mono" panose="020B0609030804020204"/>
-              </a:rPr>
-              <a:t>spring.jpa.properties.hibernate.search.default.indexBase </a:t>
-            </a:r>
-            <a:r>
-              <a:rPr lang="en-US" altLang="en-US" sz="1200" smtClean="0">
-                <a:solidFill>
-                  <a:srgbClr val="808080"/>
-                </a:solidFill>
-                <a:latin typeface="DejaVu Sans Mono" panose="020B0609030804020204"/>
-              </a:rPr>
-              <a:t>= </a:t>
-            </a:r>
-            <a:r>
-              <a:rPr lang="en-US" altLang="en-US" sz="1200" smtClean="0">
-                <a:solidFill>
-                  <a:srgbClr val="E6DB74"/>
-                </a:solidFill>
-                <a:latin typeface="DejaVu Sans Mono" panose="020B0609030804020204"/>
-              </a:rPr>
-              <a:t>indexpath</a:t>
-            </a:r>
-            <a:br>
-              <a:rPr lang="en-US" altLang="en-US" sz="1200" smtClean="0">
-                <a:solidFill>
-                  <a:srgbClr val="E6DB74"/>
-                </a:solidFill>
-                <a:latin typeface="DejaVu Sans Mono" panose="020B0609030804020204"/>
-              </a:rPr>
-            </a:br>
-            <a:r>
-              <a:rPr lang="en-US" altLang="en-US" sz="1200" b="1" smtClean="0">
-                <a:solidFill>
-                  <a:srgbClr val="F92672"/>
-                </a:solidFill>
-                <a:latin typeface="DejaVu Sans Mono" panose="020B0609030804020204"/>
-              </a:rPr>
-              <a:t>spring.jpa.properties.hibernate.search.default.locking_strategy </a:t>
-            </a:r>
-            <a:r>
-              <a:rPr lang="en-US" altLang="en-US" sz="1200" smtClean="0">
-                <a:solidFill>
-                  <a:srgbClr val="808080"/>
-                </a:solidFill>
-                <a:latin typeface="DejaVu Sans Mono" panose="020B0609030804020204"/>
-              </a:rPr>
-              <a:t>= </a:t>
-            </a:r>
-            <a:r>
-              <a:rPr lang="en-US" altLang="en-US" sz="1200" smtClean="0">
-                <a:solidFill>
-                  <a:srgbClr val="E6DB74"/>
-                </a:solidFill>
-                <a:latin typeface="DejaVu Sans Mono" panose="020B0609030804020204"/>
-              </a:rPr>
-              <a:t>none</a:t>
-            </a:r>
-            <a:endParaRPr lang="en-US" altLang="en-US" sz="6000">
-              <a:latin typeface="DejaVu Sans Mono" panose="020B0609030804020204"/>
-            </a:endParaRPr>
-          </a:p>
-        </p:txBody>
-      </p:sp>
-    </p:spTree>
-    <p:extLst>
-      <p:ext uri="{BB962C8B-B14F-4D97-AF65-F5344CB8AC3E}">
-        <p14:creationId xmlns:p14="http://schemas.microsoft.com/office/powerpoint/2010/main" val="1654694693"/>
-      </p:ext>
-    </p:extLst>
-  </p:cSld>
-  <p:clrMapOvr>
-    <a:masterClrMapping/>
-  </p:clrMapOvr>
-  <p:timing>
-    <p:tnLst>
-      <p:par>
-        <p:cTn id="1" dur="indefinite" restart="never" nodeType="tmRoot"/>
-      </p:par>
-    </p:tnLst>
-  </p:timing>
-</p:sld>
-</file>
-
-<file path=ppt/slides/slide6.xml><?xml version="1.0" encoding="utf-8"?>
-<p:sld xmlns:a="http://schemas.openxmlformats.org/drawingml/2006/main" xmlns:r="http://schemas.openxmlformats.org/officeDocument/2006/relationships" xmlns:p="http://schemas.openxmlformats.org/presentationml/2006/main">
-  <p:cSld>
-    <p:spTree>
-      <p:nvGrpSpPr>
-        <p:cNvPr id="1" name=""/>
-        <p:cNvGrpSpPr/>
-        <p:nvPr/>
-      </p:nvGrpSpPr>
-      <p:grpSpPr>
-        <a:xfrm>
-          <a:off x="0" y="0"/>
-          <a:ext cx="0" cy="0"/>
-          <a:chOff x="0" y="0"/>
-          <a:chExt cx="0" cy="0"/>
-        </a:xfrm>
-      </p:grpSpPr>
       <p:sp>
         <p:nvSpPr>
           <p:cNvPr id="2" name="Title 1"/>
@@ -17044,7 +14029,7 @@
 </p:sld>
 </file>
 
-<file path=ppt/slides/slide7.xml><?xml version="1.0" encoding="utf-8"?>
+<file path=ppt/slides/slide4.xml><?xml version="1.0" encoding="utf-8"?>
 <p:sld xmlns:a="http://schemas.openxmlformats.org/drawingml/2006/main" xmlns:r="http://schemas.openxmlformats.org/officeDocument/2006/relationships" xmlns:p="http://schemas.openxmlformats.org/presentationml/2006/main">
   <p:cSld>
     <p:spTree>
@@ -17149,6 +14134,2778 @@
 </p:sld>
 </file>
 
+<file path=ppt/slides/slide5.xml><?xml version="1.0" encoding="utf-8"?>
+<p:sld xmlns:a="http://schemas.openxmlformats.org/drawingml/2006/main" xmlns:r="http://schemas.openxmlformats.org/officeDocument/2006/relationships" xmlns:p="http://schemas.openxmlformats.org/presentationml/2006/main">
+  <p:cSld>
+    <p:spTree>
+      <p:nvGrpSpPr>
+        <p:cNvPr id="1" name=""/>
+        <p:cNvGrpSpPr/>
+        <p:nvPr/>
+      </p:nvGrpSpPr>
+      <p:grpSpPr>
+        <a:xfrm>
+          <a:off x="0" y="0"/>
+          <a:ext cx="0" cy="0"/>
+          <a:chOff x="0" y="0"/>
+          <a:chExt cx="0" cy="0"/>
+        </a:xfrm>
+      </p:grpSpPr>
+      <p:pic>
+        <p:nvPicPr>
+          <p:cNvPr id="4" name="Picture 2" descr="https://www.codemr.co.uk/wp-content/uploads/2017/12/lucene-core-Package-Dependency.png"/>
+          <p:cNvPicPr>
+            <a:picLocks noChangeAspect="1" noChangeArrowheads="1"/>
+          </p:cNvPicPr>
+          <p:nvPr/>
+        </p:nvPicPr>
+        <p:blipFill rotWithShape="1">
+          <a:blip r:embed="rId2">
+            <a:extLst>
+              <a:ext uri="{28A0092B-C50C-407E-A947-70E740481C1C}">
+                <a14:useLocalDpi xmlns:a14="http://schemas.microsoft.com/office/drawing/2010/main" val="0"/>
+              </a:ext>
+            </a:extLst>
+          </a:blip>
+          <a:srcRect l="1715" t="6029" r="26488" b="3234"/>
+          <a:stretch/>
+        </p:blipFill>
+        <p:spPr bwMode="auto">
+          <a:xfrm>
+            <a:off x="6472989" y="1144985"/>
+            <a:ext cx="5390148" cy="5022361"/>
+          </a:xfrm>
+          <a:prstGeom prst="rect">
+            <a:avLst/>
+          </a:prstGeom>
+          <a:noFill/>
+          <a:extLst>
+            <a:ext uri="{909E8E84-426E-40DD-AFC4-6F175D3DCCD1}">
+              <a14:hiddenFill xmlns:a14="http://schemas.microsoft.com/office/drawing/2010/main">
+                <a:solidFill>
+                  <a:srgbClr val="FFFFFF"/>
+                </a:solidFill>
+              </a14:hiddenFill>
+            </a:ext>
+          </a:extLst>
+        </p:spPr>
+      </p:pic>
+      <p:sp>
+        <p:nvSpPr>
+          <p:cNvPr id="2" name="Rectangle 1">
+            <a:extLst>
+              <a:ext uri="{FF2B5EF4-FFF2-40B4-BE49-F238E27FC236}">
+                <a16:creationId xmlns:a16="http://schemas.microsoft.com/office/drawing/2014/main" id="{3589821E-5F86-48DB-9401-7623BE6C5F3B}"/>
+              </a:ext>
+            </a:extLst>
+          </p:cNvPr>
+          <p:cNvSpPr/>
+          <p:nvPr/>
+        </p:nvSpPr>
+        <p:spPr>
+          <a:xfrm>
+            <a:off x="320136" y="2051736"/>
+            <a:ext cx="6096000" cy="4524315"/>
+          </a:xfrm>
+          <a:prstGeom prst="rect">
+            <a:avLst/>
+          </a:prstGeom>
+        </p:spPr>
+        <p:txBody>
+          <a:bodyPr>
+            <a:spAutoFit/>
+          </a:bodyPr>
+          <a:lstStyle/>
+          <a:p>
+            <a:r>
+              <a:rPr lang="en-US">
+                <a:solidFill>
+                  <a:srgbClr val="333333"/>
+                </a:solidFill>
+                <a:latin typeface="raleway"/>
+              </a:rPr>
+              <a:t>“In case we’re already using Hibernate and JPA for ORM, we’re only one step away from Hibernate Search.</a:t>
+            </a:r>
+          </a:p>
+          <a:p>
+            <a:endParaRPr lang="en-US">
+              <a:solidFill>
+                <a:srgbClr val="333333"/>
+              </a:solidFill>
+              <a:latin typeface="raleway"/>
+            </a:endParaRPr>
+          </a:p>
+          <a:p>
+            <a:r>
+              <a:rPr lang="en-US" b="1">
+                <a:solidFill>
+                  <a:srgbClr val="333333"/>
+                </a:solidFill>
+                <a:latin typeface="raleway"/>
+              </a:rPr>
+              <a:t>Hibernate Search integrates Apache Lucene, a high-performance and extensible full-text search-engine library written in Java</a:t>
+            </a:r>
+            <a:r>
+              <a:rPr lang="en-US">
+                <a:solidFill>
+                  <a:srgbClr val="333333"/>
+                </a:solidFill>
+                <a:latin typeface="raleway"/>
+              </a:rPr>
+              <a:t>. </a:t>
+            </a:r>
+          </a:p>
+          <a:p>
+            <a:endParaRPr lang="en-US">
+              <a:solidFill>
+                <a:srgbClr val="333333"/>
+              </a:solidFill>
+              <a:latin typeface="raleway"/>
+            </a:endParaRPr>
+          </a:p>
+          <a:p>
+            <a:r>
+              <a:rPr lang="en-US">
+                <a:solidFill>
+                  <a:srgbClr val="333333"/>
+                </a:solidFill>
+                <a:latin typeface="raleway"/>
+              </a:rPr>
+              <a:t>This combines the power of Lucene with the simplicity of Hibernate and JPA.</a:t>
+            </a:r>
+          </a:p>
+          <a:p>
+            <a:endParaRPr lang="en-US">
+              <a:solidFill>
+                <a:srgbClr val="333333"/>
+              </a:solidFill>
+              <a:latin typeface="raleway"/>
+            </a:endParaRPr>
+          </a:p>
+          <a:p>
+            <a:r>
+              <a:rPr lang="en-US">
+                <a:solidFill>
+                  <a:srgbClr val="333333"/>
+                </a:solidFill>
+                <a:latin typeface="raleway"/>
+              </a:rPr>
+              <a:t>Simply put, we just have to add some additional annotations to our domain classes, and </a:t>
+            </a:r>
+            <a:r>
+              <a:rPr lang="en-US" b="1">
+                <a:solidFill>
+                  <a:srgbClr val="333333"/>
+                </a:solidFill>
+                <a:latin typeface="raleway"/>
+              </a:rPr>
+              <a:t>the tool will take care of the things like database/index synchronization.”</a:t>
+            </a:r>
+          </a:p>
+          <a:p>
+            <a:endParaRPr lang="en-US" b="1" i="0">
+              <a:solidFill>
+                <a:srgbClr val="333333"/>
+              </a:solidFill>
+              <a:effectLst/>
+              <a:latin typeface="raleway"/>
+            </a:endParaRPr>
+          </a:p>
+          <a:p>
+            <a:r>
+              <a:rPr lang="en-US">
+                <a:hlinkClick r:id="rId3"/>
+              </a:rPr>
+              <a:t>https://www.baeldung.com/hibernate-search</a:t>
+            </a:r>
+            <a:endParaRPr lang="en-US" b="0" i="0">
+              <a:solidFill>
+                <a:srgbClr val="333333"/>
+              </a:solidFill>
+              <a:effectLst/>
+              <a:latin typeface="raleway"/>
+            </a:endParaRPr>
+          </a:p>
+        </p:txBody>
+      </p:sp>
+      <p:pic>
+        <p:nvPicPr>
+          <p:cNvPr id="5" name="Picture 4" descr="Related image">
+            <a:extLst>
+              <a:ext uri="{FF2B5EF4-FFF2-40B4-BE49-F238E27FC236}">
+                <a16:creationId xmlns:a16="http://schemas.microsoft.com/office/drawing/2014/main" id="{B3EB587F-0999-4E05-9DB5-DD5DA9F4DF33}"/>
+              </a:ext>
+            </a:extLst>
+          </p:cNvPr>
+          <p:cNvPicPr>
+            <a:picLocks noChangeAspect="1" noChangeArrowheads="1"/>
+          </p:cNvPicPr>
+          <p:nvPr/>
+        </p:nvPicPr>
+        <p:blipFill>
+          <a:blip r:embed="rId4">
+            <a:extLst>
+              <a:ext uri="{28A0092B-C50C-407E-A947-70E740481C1C}">
+                <a14:useLocalDpi xmlns:a14="http://schemas.microsoft.com/office/drawing/2010/main" val="0"/>
+              </a:ext>
+            </a:extLst>
+          </a:blip>
+          <a:srcRect/>
+          <a:stretch>
+            <a:fillRect/>
+          </a:stretch>
+        </p:blipFill>
+        <p:spPr bwMode="auto">
+          <a:xfrm>
+            <a:off x="831072" y="682361"/>
+            <a:ext cx="4246254" cy="1357859"/>
+          </a:xfrm>
+          <a:prstGeom prst="rect">
+            <a:avLst/>
+          </a:prstGeom>
+          <a:noFill/>
+          <a:extLst>
+            <a:ext uri="{909E8E84-426E-40DD-AFC4-6F175D3DCCD1}">
+              <a14:hiddenFill xmlns:a14="http://schemas.microsoft.com/office/drawing/2010/main">
+                <a:solidFill>
+                  <a:srgbClr val="FFFFFF"/>
+                </a:solidFill>
+              </a14:hiddenFill>
+            </a:ext>
+          </a:extLst>
+        </p:spPr>
+      </p:pic>
+    </p:spTree>
+    <p:extLst>
+      <p:ext uri="{BB962C8B-B14F-4D97-AF65-F5344CB8AC3E}">
+        <p14:creationId xmlns:p14="http://schemas.microsoft.com/office/powerpoint/2010/main" val="733625055"/>
+      </p:ext>
+    </p:extLst>
+  </p:cSld>
+  <p:clrMapOvr>
+    <a:masterClrMapping/>
+  </p:clrMapOvr>
+  <p:timing>
+    <p:tnLst>
+      <p:par>
+        <p:cTn id="1" dur="indefinite" restart="never" nodeType="tmRoot"/>
+      </p:par>
+    </p:tnLst>
+  </p:timing>
+</p:sld>
+</file>
+
+<file path=ppt/slides/slide6.xml><?xml version="1.0" encoding="utf-8"?>
+<p:sld xmlns:a="http://schemas.openxmlformats.org/drawingml/2006/main" xmlns:r="http://schemas.openxmlformats.org/officeDocument/2006/relationships" xmlns:p="http://schemas.openxmlformats.org/presentationml/2006/main">
+  <p:cSld>
+    <p:spTree>
+      <p:nvGrpSpPr>
+        <p:cNvPr id="1" name=""/>
+        <p:cNvGrpSpPr/>
+        <p:nvPr/>
+      </p:nvGrpSpPr>
+      <p:grpSpPr>
+        <a:xfrm>
+          <a:off x="0" y="0"/>
+          <a:ext cx="0" cy="0"/>
+          <a:chOff x="0" y="0"/>
+          <a:chExt cx="0" cy="0"/>
+        </a:xfrm>
+      </p:grpSpPr>
+      <p:sp>
+        <p:nvSpPr>
+          <p:cNvPr id="2" name="Title 1"/>
+          <p:cNvSpPr>
+            <a:spLocks noGrp="1"/>
+          </p:cNvSpPr>
+          <p:nvPr>
+            <p:ph type="title"/>
+          </p:nvPr>
+        </p:nvSpPr>
+        <p:spPr/>
+        <p:txBody>
+          <a:bodyPr/>
+          <a:lstStyle/>
+          <a:p>
+            <a:r>
+              <a:rPr lang="en-US" smtClean="0"/>
+              <a:t>SCI </a:t>
+            </a:r>
+            <a:r>
+              <a:rPr lang="en-US" smtClean="0"/>
+              <a:t>FI SEARH </a:t>
+            </a:r>
+            <a:r>
+              <a:rPr lang="en-US" smtClean="0"/>
+              <a:t>Application Structure</a:t>
+            </a:r>
+            <a:endParaRPr lang="en-US"/>
+          </a:p>
+        </p:txBody>
+      </p:sp>
+      <p:sp>
+        <p:nvSpPr>
+          <p:cNvPr id="3" name="Content Placeholder 2"/>
+          <p:cNvSpPr>
+            <a:spLocks noGrp="1"/>
+          </p:cNvSpPr>
+          <p:nvPr>
+            <p:ph sz="half" idx="1"/>
+          </p:nvPr>
+        </p:nvSpPr>
+        <p:spPr>
+          <a:xfrm>
+            <a:off x="581193" y="2588900"/>
+            <a:ext cx="2326130" cy="4071197"/>
+          </a:xfrm>
+        </p:spPr>
+        <p:txBody>
+          <a:bodyPr>
+            <a:normAutofit fontScale="25000" lnSpcReduction="20000"/>
+          </a:bodyPr>
+          <a:lstStyle/>
+          <a:p>
+            <a:pPr marL="0" indent="0">
+              <a:buNone/>
+            </a:pPr>
+            <a:r>
+              <a:rPr lang="en-US" sz="6400" b="1">
+                <a:solidFill>
+                  <a:schemeClr val="accent5">
+                    <a:lumMod val="50000"/>
+                  </a:schemeClr>
+                </a:solidFill>
+              </a:rPr>
+              <a:t>[Primary fields]</a:t>
+            </a:r>
+          </a:p>
+          <a:p>
+            <a:r>
+              <a:rPr lang="en-US" sz="6400" err="1"/>
+              <a:t>movieId</a:t>
+            </a:r>
+            <a:endParaRPr lang="en-US" sz="6400"/>
+          </a:p>
+          <a:p>
+            <a:r>
+              <a:rPr lang="en-US" sz="6400"/>
+              <a:t>Title</a:t>
+            </a:r>
+          </a:p>
+          <a:p>
+            <a:r>
+              <a:rPr lang="en-US" sz="6400"/>
+              <a:t>description</a:t>
+            </a:r>
+          </a:p>
+          <a:p>
+            <a:r>
+              <a:rPr lang="en-US" sz="6400"/>
+              <a:t>url</a:t>
+            </a:r>
+          </a:p>
+          <a:p>
+            <a:r>
+              <a:rPr lang="en-US" sz="6400"/>
+              <a:t>cover</a:t>
+            </a:r>
+          </a:p>
+          <a:p>
+            <a:r>
+              <a:rPr lang="en-US" sz="6400" err="1"/>
+              <a:t>catchPhrase</a:t>
+            </a:r>
+            <a:endParaRPr lang="en-US" sz="6400"/>
+          </a:p>
+          <a:p>
+            <a:r>
+              <a:rPr lang="en-US" sz="6400"/>
+              <a:t>producer</a:t>
+            </a:r>
+          </a:p>
+          <a:p>
+            <a:r>
+              <a:rPr lang="en-US" sz="6400"/>
+              <a:t>genre</a:t>
+            </a:r>
+          </a:p>
+          <a:p>
+            <a:r>
+              <a:rPr lang="en-US" sz="6400"/>
+              <a:t>country</a:t>
+            </a:r>
+          </a:p>
+          <a:p>
+            <a:r>
+              <a:rPr lang="en-US" sz="6400"/>
+              <a:t>avatar</a:t>
+            </a:r>
+          </a:p>
+          <a:p>
+            <a:r>
+              <a:rPr lang="en-US" sz="6400" smtClean="0"/>
+              <a:t>rating</a:t>
+            </a:r>
+            <a:endParaRPr lang="en-US"/>
+          </a:p>
+          <a:p>
+            <a:endParaRPr lang="en-US"/>
+          </a:p>
+        </p:txBody>
+      </p:sp>
+      <p:sp>
+        <p:nvSpPr>
+          <p:cNvPr id="5" name="Content Placeholder 2"/>
+          <p:cNvSpPr txBox="1">
+            <a:spLocks/>
+          </p:cNvSpPr>
+          <p:nvPr/>
+        </p:nvSpPr>
+        <p:spPr>
+          <a:xfrm>
+            <a:off x="2563443" y="2620160"/>
+            <a:ext cx="3016739" cy="2450250"/>
+          </a:xfrm>
+          <a:prstGeom prst="rect">
+            <a:avLst/>
+          </a:prstGeom>
+        </p:spPr>
+        <p:txBody>
+          <a:bodyPr vert="horz" lIns="91440" tIns="45720" rIns="91440" bIns="45720" rtlCol="0" anchor="ctr">
+            <a:normAutofit/>
+          </a:bodyPr>
+          <a:lstStyle>
+            <a:lvl1pPr marL="306000" indent="-306000" algn="l" defTabSz="457200" rtl="0" eaLnBrk="1" latinLnBrk="0" hangingPunct="1">
+              <a:spcBef>
+                <a:spcPct val="20000"/>
+              </a:spcBef>
+              <a:spcAft>
+                <a:spcPts val="600"/>
+              </a:spcAft>
+              <a:buClr>
+                <a:schemeClr val="accent2"/>
+              </a:buClr>
+              <a:buSzPct val="92000"/>
+              <a:buFont typeface="Wingdings 2" panose="05020102010507070707" pitchFamily="18" charset="2"/>
+              <a:buChar char=""/>
+              <a:defRPr sz="1800" kern="1200">
+                <a:solidFill>
+                  <a:schemeClr val="tx2"/>
+                </a:solidFill>
+                <a:latin typeface="+mn-lt"/>
+                <a:ea typeface="+mn-ea"/>
+                <a:cs typeface="+mn-cs"/>
+              </a:defRPr>
+            </a:lvl1pPr>
+            <a:lvl2pPr marL="630000" indent="-306000" algn="l" defTabSz="457200" rtl="0" eaLnBrk="1" latinLnBrk="0" hangingPunct="1">
+              <a:spcBef>
+                <a:spcPct val="20000"/>
+              </a:spcBef>
+              <a:spcAft>
+                <a:spcPts val="600"/>
+              </a:spcAft>
+              <a:buClr>
+                <a:schemeClr val="accent2"/>
+              </a:buClr>
+              <a:buSzPct val="92000"/>
+              <a:buFont typeface="Wingdings 2" panose="05020102010507070707" pitchFamily="18" charset="2"/>
+              <a:buChar char=""/>
+              <a:defRPr sz="1600" kern="1200">
+                <a:solidFill>
+                  <a:schemeClr val="tx2"/>
+                </a:solidFill>
+                <a:latin typeface="+mn-lt"/>
+                <a:ea typeface="+mn-ea"/>
+                <a:cs typeface="+mn-cs"/>
+              </a:defRPr>
+            </a:lvl2pPr>
+            <a:lvl3pPr marL="900000" indent="-270000" algn="l" defTabSz="457200" rtl="0" eaLnBrk="1" latinLnBrk="0" hangingPunct="1">
+              <a:spcBef>
+                <a:spcPct val="20000"/>
+              </a:spcBef>
+              <a:spcAft>
+                <a:spcPts val="600"/>
+              </a:spcAft>
+              <a:buClr>
+                <a:schemeClr val="accent2"/>
+              </a:buClr>
+              <a:buSzPct val="92000"/>
+              <a:buFont typeface="Wingdings 2" panose="05020102010507070707" pitchFamily="18" charset="2"/>
+              <a:buChar char=""/>
+              <a:defRPr sz="1400" kern="1200">
+                <a:solidFill>
+                  <a:schemeClr val="tx2"/>
+                </a:solidFill>
+                <a:latin typeface="+mn-lt"/>
+                <a:ea typeface="+mn-ea"/>
+                <a:cs typeface="+mn-cs"/>
+              </a:defRPr>
+            </a:lvl3pPr>
+            <a:lvl4pPr marL="1242000" indent="-234000" algn="l" defTabSz="457200" rtl="0" eaLnBrk="1" latinLnBrk="0" hangingPunct="1">
+              <a:spcBef>
+                <a:spcPct val="20000"/>
+              </a:spcBef>
+              <a:spcAft>
+                <a:spcPts val="600"/>
+              </a:spcAft>
+              <a:buClr>
+                <a:schemeClr val="accent2"/>
+              </a:buClr>
+              <a:buSzPct val="92000"/>
+              <a:buFont typeface="Wingdings 2" panose="05020102010507070707" pitchFamily="18" charset="2"/>
+              <a:buChar char=""/>
+              <a:defRPr sz="1200" kern="1200">
+                <a:solidFill>
+                  <a:schemeClr val="tx2"/>
+                </a:solidFill>
+                <a:latin typeface="+mn-lt"/>
+                <a:ea typeface="+mn-ea"/>
+                <a:cs typeface="+mn-cs"/>
+              </a:defRPr>
+            </a:lvl4pPr>
+            <a:lvl5pPr marL="1602000" indent="-234000" algn="l" defTabSz="457200" rtl="0" eaLnBrk="1" latinLnBrk="0" hangingPunct="1">
+              <a:spcBef>
+                <a:spcPct val="20000"/>
+              </a:spcBef>
+              <a:spcAft>
+                <a:spcPts val="600"/>
+              </a:spcAft>
+              <a:buClr>
+                <a:schemeClr val="accent2"/>
+              </a:buClr>
+              <a:buSzPct val="92000"/>
+              <a:buFont typeface="Wingdings 2" panose="05020102010507070707" pitchFamily="18" charset="2"/>
+              <a:buChar char=""/>
+              <a:defRPr sz="1200" kern="1200">
+                <a:solidFill>
+                  <a:schemeClr val="tx2"/>
+                </a:solidFill>
+                <a:latin typeface="+mn-lt"/>
+                <a:ea typeface="+mn-ea"/>
+                <a:cs typeface="+mn-cs"/>
+              </a:defRPr>
+            </a:lvl5pPr>
+            <a:lvl6pPr marL="1900000" indent="-228600" algn="l" defTabSz="457200" rtl="0" eaLnBrk="1" latinLnBrk="0" hangingPunct="1">
+              <a:spcBef>
+                <a:spcPct val="20000"/>
+              </a:spcBef>
+              <a:spcAft>
+                <a:spcPts val="600"/>
+              </a:spcAft>
+              <a:buClr>
+                <a:schemeClr val="accent2"/>
+              </a:buClr>
+              <a:buSzPct val="92000"/>
+              <a:buFont typeface="Wingdings 2" panose="05020102010507070707" pitchFamily="18" charset="2"/>
+              <a:buChar char=""/>
+              <a:defRPr sz="1200" kern="1200">
+                <a:solidFill>
+                  <a:schemeClr val="tx2"/>
+                </a:solidFill>
+                <a:latin typeface="+mn-lt"/>
+                <a:ea typeface="+mn-ea"/>
+                <a:cs typeface="+mn-cs"/>
+              </a:defRPr>
+            </a:lvl6pPr>
+            <a:lvl7pPr marL="2200000" indent="-228600" algn="l" defTabSz="457200" rtl="0" eaLnBrk="1" latinLnBrk="0" hangingPunct="1">
+              <a:spcBef>
+                <a:spcPct val="20000"/>
+              </a:spcBef>
+              <a:spcAft>
+                <a:spcPts val="600"/>
+              </a:spcAft>
+              <a:buClr>
+                <a:schemeClr val="accent2"/>
+              </a:buClr>
+              <a:buSzPct val="92000"/>
+              <a:buFont typeface="Wingdings 2" panose="05020102010507070707" pitchFamily="18" charset="2"/>
+              <a:buChar char=""/>
+              <a:defRPr sz="1200" kern="1200">
+                <a:solidFill>
+                  <a:schemeClr val="tx2"/>
+                </a:solidFill>
+                <a:latin typeface="+mn-lt"/>
+                <a:ea typeface="+mn-ea"/>
+                <a:cs typeface="+mn-cs"/>
+              </a:defRPr>
+            </a:lvl7pPr>
+            <a:lvl8pPr marL="2500000" indent="-228600" algn="l" defTabSz="457200" rtl="0" eaLnBrk="1" latinLnBrk="0" hangingPunct="1">
+              <a:spcBef>
+                <a:spcPct val="20000"/>
+              </a:spcBef>
+              <a:spcAft>
+                <a:spcPts val="600"/>
+              </a:spcAft>
+              <a:buClr>
+                <a:schemeClr val="accent2"/>
+              </a:buClr>
+              <a:buSzPct val="92000"/>
+              <a:buFont typeface="Wingdings 2" panose="05020102010507070707" pitchFamily="18" charset="2"/>
+              <a:buChar char=""/>
+              <a:defRPr sz="1200" kern="1200">
+                <a:solidFill>
+                  <a:schemeClr val="tx2"/>
+                </a:solidFill>
+                <a:latin typeface="+mn-lt"/>
+                <a:ea typeface="+mn-ea"/>
+                <a:cs typeface="+mn-cs"/>
+              </a:defRPr>
+            </a:lvl8pPr>
+            <a:lvl9pPr marL="2800000" indent="-228600" algn="l" defTabSz="457200" rtl="0" eaLnBrk="1" latinLnBrk="0" hangingPunct="1">
+              <a:spcBef>
+                <a:spcPct val="20000"/>
+              </a:spcBef>
+              <a:spcAft>
+                <a:spcPts val="600"/>
+              </a:spcAft>
+              <a:buClr>
+                <a:schemeClr val="accent2"/>
+              </a:buClr>
+              <a:buSzPct val="92000"/>
+              <a:buFont typeface="Wingdings 2" panose="05020102010507070707" pitchFamily="18" charset="2"/>
+              <a:buChar char=""/>
+              <a:defRPr sz="1200" kern="1200">
+                <a:solidFill>
+                  <a:schemeClr val="tx2"/>
+                </a:solidFill>
+                <a:latin typeface="+mn-lt"/>
+                <a:ea typeface="+mn-ea"/>
+                <a:cs typeface="+mn-cs"/>
+              </a:defRPr>
+            </a:lvl9pPr>
+          </a:lstStyle>
+          <a:p>
+            <a:pPr marL="0" indent="0">
+              <a:buNone/>
+            </a:pPr>
+            <a:r>
+              <a:rPr lang="en-US" sz="1600" b="1" smtClean="0">
+                <a:solidFill>
+                  <a:schemeClr val="accent3">
+                    <a:lumMod val="75000"/>
+                  </a:schemeClr>
+                </a:solidFill>
+              </a:rPr>
+              <a:t>[Inherited fields]</a:t>
+            </a:r>
+          </a:p>
+          <a:p>
+            <a:r>
+              <a:rPr lang="en-US" sz="1600" err="1" smtClean="0"/>
+              <a:t>createdDate</a:t>
+            </a:r>
+            <a:endParaRPr lang="en-US" sz="1600" smtClean="0"/>
+          </a:p>
+          <a:p>
+            <a:r>
+              <a:rPr lang="en-US" sz="1600" err="1" smtClean="0"/>
+              <a:t>lastModifiedDate</a:t>
+            </a:r>
+            <a:endParaRPr lang="en-US" sz="1600" smtClean="0"/>
+          </a:p>
+          <a:p>
+            <a:r>
+              <a:rPr lang="en-US" sz="1600" smtClean="0"/>
+              <a:t>enabled</a:t>
+            </a:r>
+          </a:p>
+          <a:p>
+            <a:pPr marL="0" indent="0">
+              <a:buNone/>
+            </a:pPr>
+            <a:endParaRPr lang="en-US" sz="1600" smtClean="0"/>
+          </a:p>
+          <a:p>
+            <a:endParaRPr lang="en-US" sz="1600" smtClean="0"/>
+          </a:p>
+          <a:p>
+            <a:endParaRPr lang="en-US" sz="1600"/>
+          </a:p>
+        </p:txBody>
+      </p:sp>
+      <p:sp>
+        <p:nvSpPr>
+          <p:cNvPr id="6" name="Content Placeholder 2"/>
+          <p:cNvSpPr txBox="1">
+            <a:spLocks/>
+          </p:cNvSpPr>
+          <p:nvPr/>
+        </p:nvSpPr>
+        <p:spPr>
+          <a:xfrm>
+            <a:off x="4975538" y="2620160"/>
+            <a:ext cx="3645879" cy="3436386"/>
+          </a:xfrm>
+          <a:prstGeom prst="rect">
+            <a:avLst/>
+          </a:prstGeom>
+        </p:spPr>
+        <p:txBody>
+          <a:bodyPr vert="horz" lIns="91440" tIns="45720" rIns="91440" bIns="45720" rtlCol="0" anchor="ctr">
+            <a:normAutofit/>
+          </a:bodyPr>
+          <a:lstStyle>
+            <a:lvl1pPr marL="306000" indent="-306000" algn="l" defTabSz="457200" rtl="0" eaLnBrk="1" latinLnBrk="0" hangingPunct="1">
+              <a:spcBef>
+                <a:spcPct val="20000"/>
+              </a:spcBef>
+              <a:spcAft>
+                <a:spcPts val="600"/>
+              </a:spcAft>
+              <a:buClr>
+                <a:schemeClr val="accent2"/>
+              </a:buClr>
+              <a:buSzPct val="92000"/>
+              <a:buFont typeface="Wingdings 2" panose="05020102010507070707" pitchFamily="18" charset="2"/>
+              <a:buChar char=""/>
+              <a:defRPr sz="1800" kern="1200">
+                <a:solidFill>
+                  <a:schemeClr val="tx2"/>
+                </a:solidFill>
+                <a:latin typeface="+mn-lt"/>
+                <a:ea typeface="+mn-ea"/>
+                <a:cs typeface="+mn-cs"/>
+              </a:defRPr>
+            </a:lvl1pPr>
+            <a:lvl2pPr marL="630000" indent="-306000" algn="l" defTabSz="457200" rtl="0" eaLnBrk="1" latinLnBrk="0" hangingPunct="1">
+              <a:spcBef>
+                <a:spcPct val="20000"/>
+              </a:spcBef>
+              <a:spcAft>
+                <a:spcPts val="600"/>
+              </a:spcAft>
+              <a:buClr>
+                <a:schemeClr val="accent2"/>
+              </a:buClr>
+              <a:buSzPct val="92000"/>
+              <a:buFont typeface="Wingdings 2" panose="05020102010507070707" pitchFamily="18" charset="2"/>
+              <a:buChar char=""/>
+              <a:defRPr sz="1600" kern="1200">
+                <a:solidFill>
+                  <a:schemeClr val="tx2"/>
+                </a:solidFill>
+                <a:latin typeface="+mn-lt"/>
+                <a:ea typeface="+mn-ea"/>
+                <a:cs typeface="+mn-cs"/>
+              </a:defRPr>
+            </a:lvl2pPr>
+            <a:lvl3pPr marL="900000" indent="-270000" algn="l" defTabSz="457200" rtl="0" eaLnBrk="1" latinLnBrk="0" hangingPunct="1">
+              <a:spcBef>
+                <a:spcPct val="20000"/>
+              </a:spcBef>
+              <a:spcAft>
+                <a:spcPts val="600"/>
+              </a:spcAft>
+              <a:buClr>
+                <a:schemeClr val="accent2"/>
+              </a:buClr>
+              <a:buSzPct val="92000"/>
+              <a:buFont typeface="Wingdings 2" panose="05020102010507070707" pitchFamily="18" charset="2"/>
+              <a:buChar char=""/>
+              <a:defRPr sz="1400" kern="1200">
+                <a:solidFill>
+                  <a:schemeClr val="tx2"/>
+                </a:solidFill>
+                <a:latin typeface="+mn-lt"/>
+                <a:ea typeface="+mn-ea"/>
+                <a:cs typeface="+mn-cs"/>
+              </a:defRPr>
+            </a:lvl3pPr>
+            <a:lvl4pPr marL="1242000" indent="-234000" algn="l" defTabSz="457200" rtl="0" eaLnBrk="1" latinLnBrk="0" hangingPunct="1">
+              <a:spcBef>
+                <a:spcPct val="20000"/>
+              </a:spcBef>
+              <a:spcAft>
+                <a:spcPts val="600"/>
+              </a:spcAft>
+              <a:buClr>
+                <a:schemeClr val="accent2"/>
+              </a:buClr>
+              <a:buSzPct val="92000"/>
+              <a:buFont typeface="Wingdings 2" panose="05020102010507070707" pitchFamily="18" charset="2"/>
+              <a:buChar char=""/>
+              <a:defRPr sz="1200" kern="1200">
+                <a:solidFill>
+                  <a:schemeClr val="tx2"/>
+                </a:solidFill>
+                <a:latin typeface="+mn-lt"/>
+                <a:ea typeface="+mn-ea"/>
+                <a:cs typeface="+mn-cs"/>
+              </a:defRPr>
+            </a:lvl4pPr>
+            <a:lvl5pPr marL="1602000" indent="-234000" algn="l" defTabSz="457200" rtl="0" eaLnBrk="1" latinLnBrk="0" hangingPunct="1">
+              <a:spcBef>
+                <a:spcPct val="20000"/>
+              </a:spcBef>
+              <a:spcAft>
+                <a:spcPts val="600"/>
+              </a:spcAft>
+              <a:buClr>
+                <a:schemeClr val="accent2"/>
+              </a:buClr>
+              <a:buSzPct val="92000"/>
+              <a:buFont typeface="Wingdings 2" panose="05020102010507070707" pitchFamily="18" charset="2"/>
+              <a:buChar char=""/>
+              <a:defRPr sz="1200" kern="1200">
+                <a:solidFill>
+                  <a:schemeClr val="tx2"/>
+                </a:solidFill>
+                <a:latin typeface="+mn-lt"/>
+                <a:ea typeface="+mn-ea"/>
+                <a:cs typeface="+mn-cs"/>
+              </a:defRPr>
+            </a:lvl5pPr>
+            <a:lvl6pPr marL="1900000" indent="-228600" algn="l" defTabSz="457200" rtl="0" eaLnBrk="1" latinLnBrk="0" hangingPunct="1">
+              <a:spcBef>
+                <a:spcPct val="20000"/>
+              </a:spcBef>
+              <a:spcAft>
+                <a:spcPts val="600"/>
+              </a:spcAft>
+              <a:buClr>
+                <a:schemeClr val="accent2"/>
+              </a:buClr>
+              <a:buSzPct val="92000"/>
+              <a:buFont typeface="Wingdings 2" panose="05020102010507070707" pitchFamily="18" charset="2"/>
+              <a:buChar char=""/>
+              <a:defRPr sz="1200" kern="1200">
+                <a:solidFill>
+                  <a:schemeClr val="tx2"/>
+                </a:solidFill>
+                <a:latin typeface="+mn-lt"/>
+                <a:ea typeface="+mn-ea"/>
+                <a:cs typeface="+mn-cs"/>
+              </a:defRPr>
+            </a:lvl6pPr>
+            <a:lvl7pPr marL="2200000" indent="-228600" algn="l" defTabSz="457200" rtl="0" eaLnBrk="1" latinLnBrk="0" hangingPunct="1">
+              <a:spcBef>
+                <a:spcPct val="20000"/>
+              </a:spcBef>
+              <a:spcAft>
+                <a:spcPts val="600"/>
+              </a:spcAft>
+              <a:buClr>
+                <a:schemeClr val="accent2"/>
+              </a:buClr>
+              <a:buSzPct val="92000"/>
+              <a:buFont typeface="Wingdings 2" panose="05020102010507070707" pitchFamily="18" charset="2"/>
+              <a:buChar char=""/>
+              <a:defRPr sz="1200" kern="1200">
+                <a:solidFill>
+                  <a:schemeClr val="tx2"/>
+                </a:solidFill>
+                <a:latin typeface="+mn-lt"/>
+                <a:ea typeface="+mn-ea"/>
+                <a:cs typeface="+mn-cs"/>
+              </a:defRPr>
+            </a:lvl7pPr>
+            <a:lvl8pPr marL="2500000" indent="-228600" algn="l" defTabSz="457200" rtl="0" eaLnBrk="1" latinLnBrk="0" hangingPunct="1">
+              <a:spcBef>
+                <a:spcPct val="20000"/>
+              </a:spcBef>
+              <a:spcAft>
+                <a:spcPts val="600"/>
+              </a:spcAft>
+              <a:buClr>
+                <a:schemeClr val="accent2"/>
+              </a:buClr>
+              <a:buSzPct val="92000"/>
+              <a:buFont typeface="Wingdings 2" panose="05020102010507070707" pitchFamily="18" charset="2"/>
+              <a:buChar char=""/>
+              <a:defRPr sz="1200" kern="1200">
+                <a:solidFill>
+                  <a:schemeClr val="tx2"/>
+                </a:solidFill>
+                <a:latin typeface="+mn-lt"/>
+                <a:ea typeface="+mn-ea"/>
+                <a:cs typeface="+mn-cs"/>
+              </a:defRPr>
+            </a:lvl8pPr>
+            <a:lvl9pPr marL="2800000" indent="-228600" algn="l" defTabSz="457200" rtl="0" eaLnBrk="1" latinLnBrk="0" hangingPunct="1">
+              <a:spcBef>
+                <a:spcPct val="20000"/>
+              </a:spcBef>
+              <a:spcAft>
+                <a:spcPts val="600"/>
+              </a:spcAft>
+              <a:buClr>
+                <a:schemeClr val="accent2"/>
+              </a:buClr>
+              <a:buSzPct val="92000"/>
+              <a:buFont typeface="Wingdings 2" panose="05020102010507070707" pitchFamily="18" charset="2"/>
+              <a:buChar char=""/>
+              <a:defRPr sz="1200" kern="1200">
+                <a:solidFill>
+                  <a:schemeClr val="tx2"/>
+                </a:solidFill>
+                <a:latin typeface="+mn-lt"/>
+                <a:ea typeface="+mn-ea"/>
+                <a:cs typeface="+mn-cs"/>
+              </a:defRPr>
+            </a:lvl9pPr>
+          </a:lstStyle>
+          <a:p>
+            <a:pPr marL="0" indent="0">
+              <a:buNone/>
+            </a:pPr>
+            <a:r>
+              <a:rPr lang="en-US" sz="1600" b="1" smtClean="0">
+                <a:solidFill>
+                  <a:schemeClr val="accent5">
+                    <a:lumMod val="75000"/>
+                  </a:schemeClr>
+                </a:solidFill>
+              </a:rPr>
+              <a:t>[Basic MVC architecture]</a:t>
+            </a:r>
+          </a:p>
+          <a:p>
+            <a:r>
+              <a:rPr lang="en-US" sz="1600" smtClean="0"/>
+              <a:t>Single entity (movie)</a:t>
+            </a:r>
+          </a:p>
+          <a:p>
+            <a:r>
+              <a:rPr lang="en-US" sz="1600" smtClean="0"/>
+              <a:t>Hibernate ORM</a:t>
+            </a:r>
+          </a:p>
+          <a:p>
+            <a:r>
+              <a:rPr lang="en-US" sz="1600" smtClean="0"/>
+              <a:t>Hibernate Search</a:t>
+            </a:r>
+          </a:p>
+          <a:p>
+            <a:r>
+              <a:rPr lang="en-US" sz="1600" smtClean="0"/>
+              <a:t>No relational mapping</a:t>
+            </a:r>
+          </a:p>
+          <a:p>
+            <a:r>
+              <a:rPr lang="en-US" sz="1600" smtClean="0"/>
+              <a:t>Sample data set ~1000 items</a:t>
+            </a:r>
+          </a:p>
+          <a:p>
+            <a:r>
+              <a:rPr lang="en-US" sz="1600" smtClean="0"/>
+              <a:t>Single page search UI</a:t>
+            </a:r>
+          </a:p>
+          <a:p>
+            <a:endParaRPr lang="en-US" sz="1600" smtClean="0"/>
+          </a:p>
+          <a:p>
+            <a:endParaRPr lang="en-US" sz="1600" smtClean="0"/>
+          </a:p>
+          <a:p>
+            <a:endParaRPr lang="en-US" sz="1600"/>
+          </a:p>
+        </p:txBody>
+      </p:sp>
+      <p:sp>
+        <p:nvSpPr>
+          <p:cNvPr id="8" name="TextBox 7"/>
+          <p:cNvSpPr txBox="1"/>
+          <p:nvPr/>
+        </p:nvSpPr>
+        <p:spPr>
+          <a:xfrm>
+            <a:off x="1680308" y="2008554"/>
+            <a:ext cx="1524776" cy="369332"/>
+          </a:xfrm>
+          <a:prstGeom prst="rect">
+            <a:avLst/>
+          </a:prstGeom>
+          <a:noFill/>
+        </p:spPr>
+        <p:txBody>
+          <a:bodyPr wrap="none" rtlCol="0">
+            <a:spAutoFit/>
+          </a:bodyPr>
+          <a:lstStyle/>
+          <a:p>
+            <a:r>
+              <a:rPr lang="en-US" b="1">
+                <a:solidFill>
+                  <a:srgbClr val="00B050"/>
+                </a:solidFill>
+              </a:rPr>
+              <a:t>Movie </a:t>
+            </a:r>
+            <a:r>
+              <a:rPr lang="en-US" b="1" smtClean="0">
+                <a:solidFill>
+                  <a:srgbClr val="00B050"/>
+                </a:solidFill>
+              </a:rPr>
+              <a:t>Entity</a:t>
+            </a:r>
+            <a:endParaRPr lang="en-US">
+              <a:solidFill>
+                <a:srgbClr val="00B050"/>
+              </a:solidFill>
+            </a:endParaRPr>
+          </a:p>
+        </p:txBody>
+      </p:sp>
+      <p:sp>
+        <p:nvSpPr>
+          <p:cNvPr id="10" name="Content Placeholder 2"/>
+          <p:cNvSpPr txBox="1">
+            <a:spLocks/>
+          </p:cNvSpPr>
+          <p:nvPr/>
+        </p:nvSpPr>
+        <p:spPr>
+          <a:xfrm>
+            <a:off x="8545490" y="2532800"/>
+            <a:ext cx="3645879" cy="4743156"/>
+          </a:xfrm>
+          <a:prstGeom prst="rect">
+            <a:avLst/>
+          </a:prstGeom>
+        </p:spPr>
+        <p:txBody>
+          <a:bodyPr vert="horz" lIns="91440" tIns="45720" rIns="91440" bIns="45720" rtlCol="0" anchor="ctr">
+            <a:normAutofit/>
+          </a:bodyPr>
+          <a:lstStyle>
+            <a:lvl1pPr marL="306000" indent="-306000" algn="l" defTabSz="457200" rtl="0" eaLnBrk="1" latinLnBrk="0" hangingPunct="1">
+              <a:spcBef>
+                <a:spcPct val="20000"/>
+              </a:spcBef>
+              <a:spcAft>
+                <a:spcPts val="600"/>
+              </a:spcAft>
+              <a:buClr>
+                <a:schemeClr val="accent2"/>
+              </a:buClr>
+              <a:buSzPct val="92000"/>
+              <a:buFont typeface="Wingdings 2" panose="05020102010507070707" pitchFamily="18" charset="2"/>
+              <a:buChar char=""/>
+              <a:defRPr sz="1800" kern="1200">
+                <a:solidFill>
+                  <a:schemeClr val="tx2"/>
+                </a:solidFill>
+                <a:latin typeface="+mn-lt"/>
+                <a:ea typeface="+mn-ea"/>
+                <a:cs typeface="+mn-cs"/>
+              </a:defRPr>
+            </a:lvl1pPr>
+            <a:lvl2pPr marL="630000" indent="-306000" algn="l" defTabSz="457200" rtl="0" eaLnBrk="1" latinLnBrk="0" hangingPunct="1">
+              <a:spcBef>
+                <a:spcPct val="20000"/>
+              </a:spcBef>
+              <a:spcAft>
+                <a:spcPts val="600"/>
+              </a:spcAft>
+              <a:buClr>
+                <a:schemeClr val="accent2"/>
+              </a:buClr>
+              <a:buSzPct val="92000"/>
+              <a:buFont typeface="Wingdings 2" panose="05020102010507070707" pitchFamily="18" charset="2"/>
+              <a:buChar char=""/>
+              <a:defRPr sz="1600" kern="1200">
+                <a:solidFill>
+                  <a:schemeClr val="tx2"/>
+                </a:solidFill>
+                <a:latin typeface="+mn-lt"/>
+                <a:ea typeface="+mn-ea"/>
+                <a:cs typeface="+mn-cs"/>
+              </a:defRPr>
+            </a:lvl2pPr>
+            <a:lvl3pPr marL="900000" indent="-270000" algn="l" defTabSz="457200" rtl="0" eaLnBrk="1" latinLnBrk="0" hangingPunct="1">
+              <a:spcBef>
+                <a:spcPct val="20000"/>
+              </a:spcBef>
+              <a:spcAft>
+                <a:spcPts val="600"/>
+              </a:spcAft>
+              <a:buClr>
+                <a:schemeClr val="accent2"/>
+              </a:buClr>
+              <a:buSzPct val="92000"/>
+              <a:buFont typeface="Wingdings 2" panose="05020102010507070707" pitchFamily="18" charset="2"/>
+              <a:buChar char=""/>
+              <a:defRPr sz="1400" kern="1200">
+                <a:solidFill>
+                  <a:schemeClr val="tx2"/>
+                </a:solidFill>
+                <a:latin typeface="+mn-lt"/>
+                <a:ea typeface="+mn-ea"/>
+                <a:cs typeface="+mn-cs"/>
+              </a:defRPr>
+            </a:lvl3pPr>
+            <a:lvl4pPr marL="1242000" indent="-234000" algn="l" defTabSz="457200" rtl="0" eaLnBrk="1" latinLnBrk="0" hangingPunct="1">
+              <a:spcBef>
+                <a:spcPct val="20000"/>
+              </a:spcBef>
+              <a:spcAft>
+                <a:spcPts val="600"/>
+              </a:spcAft>
+              <a:buClr>
+                <a:schemeClr val="accent2"/>
+              </a:buClr>
+              <a:buSzPct val="92000"/>
+              <a:buFont typeface="Wingdings 2" panose="05020102010507070707" pitchFamily="18" charset="2"/>
+              <a:buChar char=""/>
+              <a:defRPr sz="1200" kern="1200">
+                <a:solidFill>
+                  <a:schemeClr val="tx2"/>
+                </a:solidFill>
+                <a:latin typeface="+mn-lt"/>
+                <a:ea typeface="+mn-ea"/>
+                <a:cs typeface="+mn-cs"/>
+              </a:defRPr>
+            </a:lvl4pPr>
+            <a:lvl5pPr marL="1602000" indent="-234000" algn="l" defTabSz="457200" rtl="0" eaLnBrk="1" latinLnBrk="0" hangingPunct="1">
+              <a:spcBef>
+                <a:spcPct val="20000"/>
+              </a:spcBef>
+              <a:spcAft>
+                <a:spcPts val="600"/>
+              </a:spcAft>
+              <a:buClr>
+                <a:schemeClr val="accent2"/>
+              </a:buClr>
+              <a:buSzPct val="92000"/>
+              <a:buFont typeface="Wingdings 2" panose="05020102010507070707" pitchFamily="18" charset="2"/>
+              <a:buChar char=""/>
+              <a:defRPr sz="1200" kern="1200">
+                <a:solidFill>
+                  <a:schemeClr val="tx2"/>
+                </a:solidFill>
+                <a:latin typeface="+mn-lt"/>
+                <a:ea typeface="+mn-ea"/>
+                <a:cs typeface="+mn-cs"/>
+              </a:defRPr>
+            </a:lvl5pPr>
+            <a:lvl6pPr marL="1900000" indent="-228600" algn="l" defTabSz="457200" rtl="0" eaLnBrk="1" latinLnBrk="0" hangingPunct="1">
+              <a:spcBef>
+                <a:spcPct val="20000"/>
+              </a:spcBef>
+              <a:spcAft>
+                <a:spcPts val="600"/>
+              </a:spcAft>
+              <a:buClr>
+                <a:schemeClr val="accent2"/>
+              </a:buClr>
+              <a:buSzPct val="92000"/>
+              <a:buFont typeface="Wingdings 2" panose="05020102010507070707" pitchFamily="18" charset="2"/>
+              <a:buChar char=""/>
+              <a:defRPr sz="1200" kern="1200">
+                <a:solidFill>
+                  <a:schemeClr val="tx2"/>
+                </a:solidFill>
+                <a:latin typeface="+mn-lt"/>
+                <a:ea typeface="+mn-ea"/>
+                <a:cs typeface="+mn-cs"/>
+              </a:defRPr>
+            </a:lvl6pPr>
+            <a:lvl7pPr marL="2200000" indent="-228600" algn="l" defTabSz="457200" rtl="0" eaLnBrk="1" latinLnBrk="0" hangingPunct="1">
+              <a:spcBef>
+                <a:spcPct val="20000"/>
+              </a:spcBef>
+              <a:spcAft>
+                <a:spcPts val="600"/>
+              </a:spcAft>
+              <a:buClr>
+                <a:schemeClr val="accent2"/>
+              </a:buClr>
+              <a:buSzPct val="92000"/>
+              <a:buFont typeface="Wingdings 2" panose="05020102010507070707" pitchFamily="18" charset="2"/>
+              <a:buChar char=""/>
+              <a:defRPr sz="1200" kern="1200">
+                <a:solidFill>
+                  <a:schemeClr val="tx2"/>
+                </a:solidFill>
+                <a:latin typeface="+mn-lt"/>
+                <a:ea typeface="+mn-ea"/>
+                <a:cs typeface="+mn-cs"/>
+              </a:defRPr>
+            </a:lvl7pPr>
+            <a:lvl8pPr marL="2500000" indent="-228600" algn="l" defTabSz="457200" rtl="0" eaLnBrk="1" latinLnBrk="0" hangingPunct="1">
+              <a:spcBef>
+                <a:spcPct val="20000"/>
+              </a:spcBef>
+              <a:spcAft>
+                <a:spcPts val="600"/>
+              </a:spcAft>
+              <a:buClr>
+                <a:schemeClr val="accent2"/>
+              </a:buClr>
+              <a:buSzPct val="92000"/>
+              <a:buFont typeface="Wingdings 2" panose="05020102010507070707" pitchFamily="18" charset="2"/>
+              <a:buChar char=""/>
+              <a:defRPr sz="1200" kern="1200">
+                <a:solidFill>
+                  <a:schemeClr val="tx2"/>
+                </a:solidFill>
+                <a:latin typeface="+mn-lt"/>
+                <a:ea typeface="+mn-ea"/>
+                <a:cs typeface="+mn-cs"/>
+              </a:defRPr>
+            </a:lvl8pPr>
+            <a:lvl9pPr marL="2800000" indent="-228600" algn="l" defTabSz="457200" rtl="0" eaLnBrk="1" latinLnBrk="0" hangingPunct="1">
+              <a:spcBef>
+                <a:spcPct val="20000"/>
+              </a:spcBef>
+              <a:spcAft>
+                <a:spcPts val="600"/>
+              </a:spcAft>
+              <a:buClr>
+                <a:schemeClr val="accent2"/>
+              </a:buClr>
+              <a:buSzPct val="92000"/>
+              <a:buFont typeface="Wingdings 2" panose="05020102010507070707" pitchFamily="18" charset="2"/>
+              <a:buChar char=""/>
+              <a:defRPr sz="1200" kern="1200">
+                <a:solidFill>
+                  <a:schemeClr val="tx2"/>
+                </a:solidFill>
+                <a:latin typeface="+mn-lt"/>
+                <a:ea typeface="+mn-ea"/>
+                <a:cs typeface="+mn-cs"/>
+              </a:defRPr>
+            </a:lvl9pPr>
+          </a:lstStyle>
+          <a:p>
+            <a:pPr marL="0" indent="0">
+              <a:buNone/>
+            </a:pPr>
+            <a:r>
+              <a:rPr lang="en-US" sz="1600" b="1" smtClean="0">
+                <a:solidFill>
+                  <a:srgbClr val="7030A0"/>
+                </a:solidFill>
+              </a:rPr>
+              <a:t>[Hibernate Search]</a:t>
+            </a:r>
+          </a:p>
+          <a:p>
+            <a:r>
+              <a:rPr lang="en-US" sz="1600" err="1" smtClean="0"/>
+              <a:t>Lucene</a:t>
+            </a:r>
+            <a:r>
+              <a:rPr lang="en-US" sz="1600" smtClean="0"/>
+              <a:t> indexer</a:t>
+            </a:r>
+          </a:p>
+          <a:p>
+            <a:r>
+              <a:rPr lang="en-US" sz="1600" smtClean="0"/>
+              <a:t>Entity field mappings</a:t>
+            </a:r>
+          </a:p>
+          <a:p>
+            <a:r>
+              <a:rPr lang="en-US" sz="1600" smtClean="0"/>
+              <a:t>Tokenizing rules</a:t>
+            </a:r>
+          </a:p>
+          <a:p>
+            <a:r>
+              <a:rPr lang="en-US" sz="1600" smtClean="0"/>
+              <a:t>Filter rules for fields</a:t>
+            </a:r>
+          </a:p>
+          <a:p>
+            <a:r>
+              <a:rPr lang="en-US" sz="1600" smtClean="0"/>
+              <a:t>Custom field bridges</a:t>
+            </a:r>
+          </a:p>
+          <a:p>
+            <a:r>
+              <a:rPr lang="en-US" sz="1600" smtClean="0"/>
+              <a:t>Language processor</a:t>
+            </a:r>
+          </a:p>
+          <a:p>
+            <a:r>
+              <a:rPr lang="en-US" sz="1600"/>
+              <a:t>Paging enabled</a:t>
+            </a:r>
+          </a:p>
+          <a:p>
+            <a:r>
+              <a:rPr lang="en-US" sz="1600" smtClean="0"/>
+              <a:t>Search / Query generator</a:t>
+            </a:r>
+          </a:p>
+          <a:p>
+            <a:r>
+              <a:rPr lang="en-US" sz="1600" err="1" smtClean="0"/>
+              <a:t>Fulltext</a:t>
+            </a:r>
+            <a:r>
+              <a:rPr lang="en-US" sz="1600" smtClean="0"/>
+              <a:t> JPA Query</a:t>
+            </a:r>
+          </a:p>
+          <a:p>
+            <a:endParaRPr lang="en-US" sz="1600" smtClean="0"/>
+          </a:p>
+          <a:p>
+            <a:endParaRPr lang="en-US" sz="1600" smtClean="0"/>
+          </a:p>
+          <a:p>
+            <a:endParaRPr lang="en-US" sz="1600"/>
+          </a:p>
+        </p:txBody>
+      </p:sp>
+      <p:sp>
+        <p:nvSpPr>
+          <p:cNvPr id="11" name="TextBox 10"/>
+          <p:cNvSpPr txBox="1"/>
+          <p:nvPr/>
+        </p:nvSpPr>
+        <p:spPr>
+          <a:xfrm>
+            <a:off x="7253359" y="2008554"/>
+            <a:ext cx="1483098" cy="369332"/>
+          </a:xfrm>
+          <a:prstGeom prst="rect">
+            <a:avLst/>
+          </a:prstGeom>
+          <a:noFill/>
+        </p:spPr>
+        <p:txBody>
+          <a:bodyPr wrap="none" rtlCol="0">
+            <a:spAutoFit/>
+          </a:bodyPr>
+          <a:lstStyle/>
+          <a:p>
+            <a:r>
+              <a:rPr lang="en-US" b="1" smtClean="0">
+                <a:solidFill>
+                  <a:srgbClr val="00B050"/>
+                </a:solidFill>
+              </a:rPr>
+              <a:t>Application</a:t>
+            </a:r>
+            <a:endParaRPr lang="en-US">
+              <a:solidFill>
+                <a:srgbClr val="00B050"/>
+              </a:solidFill>
+            </a:endParaRPr>
+          </a:p>
+        </p:txBody>
+      </p:sp>
+    </p:spTree>
+    <p:extLst>
+      <p:ext uri="{BB962C8B-B14F-4D97-AF65-F5344CB8AC3E}">
+        <p14:creationId xmlns:p14="http://schemas.microsoft.com/office/powerpoint/2010/main" val="776821335"/>
+      </p:ext>
+    </p:extLst>
+  </p:cSld>
+  <p:clrMapOvr>
+    <a:masterClrMapping/>
+  </p:clrMapOvr>
+  <p:timing>
+    <p:tnLst>
+      <p:par>
+        <p:cTn id="1" dur="indefinite" restart="never" nodeType="tmRoot"/>
+      </p:par>
+    </p:tnLst>
+  </p:timing>
+</p:sld>
+</file>
+
+<file path=ppt/slides/slide7.xml><?xml version="1.0" encoding="utf-8"?>
+<p:sld xmlns:a="http://schemas.openxmlformats.org/drawingml/2006/main" xmlns:r="http://schemas.openxmlformats.org/officeDocument/2006/relationships" xmlns:p="http://schemas.openxmlformats.org/presentationml/2006/main">
+  <p:cSld>
+    <p:spTree>
+      <p:nvGrpSpPr>
+        <p:cNvPr id="1" name=""/>
+        <p:cNvGrpSpPr/>
+        <p:nvPr/>
+      </p:nvGrpSpPr>
+      <p:grpSpPr>
+        <a:xfrm>
+          <a:off x="0" y="0"/>
+          <a:ext cx="0" cy="0"/>
+          <a:chOff x="0" y="0"/>
+          <a:chExt cx="0" cy="0"/>
+        </a:xfrm>
+      </p:grpSpPr>
+      <p:sp>
+        <p:nvSpPr>
+          <p:cNvPr id="3" name="Rectangle: Rounded Corners 2">
+            <a:extLst>
+              <a:ext uri="{FF2B5EF4-FFF2-40B4-BE49-F238E27FC236}">
+                <a16:creationId xmlns:a16="http://schemas.microsoft.com/office/drawing/2014/main" id="{78DB9C1F-E064-47C5-9A87-7E7643797E95}"/>
+              </a:ext>
+            </a:extLst>
+          </p:cNvPr>
+          <p:cNvSpPr/>
+          <p:nvPr/>
+        </p:nvSpPr>
+        <p:spPr>
+          <a:xfrm>
+            <a:off x="616452" y="856362"/>
+            <a:ext cx="10731486" cy="5911760"/>
+          </a:xfrm>
+          <a:prstGeom prst="roundRect">
+            <a:avLst/>
+          </a:prstGeom>
+          <a:solidFill>
+            <a:schemeClr val="bg2">
+              <a:lumMod val="25000"/>
+            </a:schemeClr>
+          </a:solidFill>
+        </p:spPr>
+        <p:style>
+          <a:lnRef idx="2">
+            <a:schemeClr val="accent4">
+              <a:shade val="50000"/>
+            </a:schemeClr>
+          </a:lnRef>
+          <a:fillRef idx="1">
+            <a:schemeClr val="accent4"/>
+          </a:fillRef>
+          <a:effectRef idx="0">
+            <a:schemeClr val="accent4"/>
+          </a:effectRef>
+          <a:fontRef idx="minor">
+            <a:schemeClr val="lt1"/>
+          </a:fontRef>
+        </p:style>
+        <p:txBody>
+          <a:bodyPr rtlCol="0" anchor="ctr"/>
+          <a:lstStyle/>
+          <a:p>
+            <a:pPr algn="ctr"/>
+            <a:endParaRPr lang="en-US"/>
+          </a:p>
+        </p:txBody>
+      </p:sp>
+      <p:sp>
+        <p:nvSpPr>
+          <p:cNvPr id="2" name="Rectangle 1">
+            <a:extLst>
+              <a:ext uri="{FF2B5EF4-FFF2-40B4-BE49-F238E27FC236}">
+                <a16:creationId xmlns:a16="http://schemas.microsoft.com/office/drawing/2014/main" id="{1BD1A123-07B1-4147-B1FE-D46A48CCB5E6}"/>
+              </a:ext>
+            </a:extLst>
+          </p:cNvPr>
+          <p:cNvSpPr>
+            <a:spLocks noChangeArrowheads="1"/>
+          </p:cNvSpPr>
+          <p:nvPr/>
+        </p:nvSpPr>
+        <p:spPr bwMode="auto">
+          <a:xfrm>
+            <a:off x="1034704" y="1457751"/>
+            <a:ext cx="9879891" cy="4708981"/>
+          </a:xfrm>
+          <a:prstGeom prst="rect">
+            <a:avLst/>
+          </a:prstGeom>
+          <a:noFill/>
+          <a:ln w="19050">
+            <a:noFill/>
+          </a:ln>
+          <a:effectLst>
+            <a:outerShdw blurRad="50800" dist="38100" dir="2700000" algn="tl" rotWithShape="0">
+              <a:prstClr val="black">
+                <a:alpha val="40000"/>
+              </a:prstClr>
+            </a:outerShdw>
+            <a:softEdge rad="0"/>
+          </a:effectLst>
+        </p:spPr>
+        <p:txBody>
+          <a:bodyPr vert="horz" wrap="square" lIns="91440" tIns="45720" rIns="91440" bIns="45720" numCol="1" anchor="ctr" anchorCtr="0" compatLnSpc="1">
+            <a:prstTxWarp prst="textNoShape">
+              <a:avLst/>
+            </a:prstTxWarp>
+            <a:spAutoFit/>
+          </a:bodyPr>
+          <a:lstStyle/>
+          <a:p>
+            <a:pPr defTabSz="914400" eaLnBrk="0" fontAlgn="base" hangingPunct="0">
+              <a:spcBef>
+                <a:spcPct val="0"/>
+              </a:spcBef>
+              <a:spcAft>
+                <a:spcPct val="0"/>
+              </a:spcAft>
+            </a:pPr>
+            <a:r>
+              <a:rPr lang="en-US" altLang="en-US" sz="1200" i="1" smtClean="0">
+                <a:solidFill>
+                  <a:srgbClr val="4186F8"/>
+                </a:solidFill>
+                <a:latin typeface="DejaVu Sans Mono" panose="020B0609030804020204" pitchFamily="49" charset="0"/>
+                <a:cs typeface="DejaVu Sans Mono" panose="020B0609030804020204" pitchFamily="49" charset="0"/>
+              </a:rPr>
+              <a:t>build.gradle</a:t>
+            </a:r>
+          </a:p>
+          <a:p>
+            <a:pPr defTabSz="914400" eaLnBrk="0" fontAlgn="base" hangingPunct="0">
+              <a:spcBef>
+                <a:spcPct val="0"/>
+              </a:spcBef>
+              <a:spcAft>
+                <a:spcPct val="0"/>
+              </a:spcAft>
+            </a:pPr>
+            <a:endParaRPr kumimoji="0" lang="en-US" altLang="en-US" sz="1200" b="0" i="0" u="none" strike="noStrike" cap="none" normalizeH="0" baseline="0" smtClean="0">
+              <a:ln>
+                <a:noFill/>
+              </a:ln>
+              <a:solidFill>
+                <a:srgbClr val="A6E22E"/>
+              </a:solidFill>
+              <a:effectLst/>
+              <a:latin typeface="DejaVu Sans Mono" panose="020B0609030804020204" pitchFamily="49" charset="0"/>
+              <a:cs typeface="DejaVu Sans Mono" panose="020B0609030804020204" pitchFamily="49" charset="0"/>
+            </a:endParaRPr>
+          </a:p>
+          <a:p>
+            <a:pPr marL="0" marR="0" lvl="0" indent="0" algn="l" defTabSz="914400" rtl="0" eaLnBrk="0" fontAlgn="base" latinLnBrk="0" hangingPunct="0">
+              <a:lnSpc>
+                <a:spcPct val="100000"/>
+              </a:lnSpc>
+              <a:spcBef>
+                <a:spcPct val="0"/>
+              </a:spcBef>
+              <a:spcAft>
+                <a:spcPct val="0"/>
+              </a:spcAft>
+              <a:buClrTx/>
+              <a:buSzTx/>
+              <a:buFontTx/>
+              <a:buNone/>
+              <a:tabLst/>
+            </a:pPr>
+            <a:r>
+              <a:rPr kumimoji="0" lang="en-US" altLang="en-US" sz="1200" b="0" i="0" u="none" strike="noStrike" cap="none" normalizeH="0" baseline="0" smtClean="0">
+                <a:ln>
+                  <a:noFill/>
+                </a:ln>
+                <a:solidFill>
+                  <a:srgbClr val="A6E22E"/>
+                </a:solidFill>
+                <a:effectLst/>
+                <a:latin typeface="DejaVu Sans Mono" panose="020B0609030804020204" pitchFamily="49" charset="0"/>
+                <a:cs typeface="DejaVu Sans Mono" panose="020B0609030804020204" pitchFamily="49" charset="0"/>
+              </a:rPr>
+              <a:t>dependencies </a:t>
+            </a:r>
+            <a:r>
+              <a:rPr kumimoji="0" lang="en-US" altLang="en-US" sz="1200" b="0" i="1" u="none" strike="noStrike" cap="none" normalizeH="0" baseline="0">
+                <a:ln>
+                  <a:noFill/>
+                </a:ln>
+                <a:solidFill>
+                  <a:srgbClr val="4186F8"/>
+                </a:solidFill>
+                <a:effectLst/>
+                <a:latin typeface="DejaVu Sans Mono" panose="020B0609030804020204" pitchFamily="49" charset="0"/>
+                <a:cs typeface="DejaVu Sans Mono" panose="020B0609030804020204" pitchFamily="49" charset="0"/>
+              </a:rPr>
+              <a:t>{</a:t>
+            </a:r>
+            <a:br>
+              <a:rPr kumimoji="0" lang="en-US" altLang="en-US" sz="1200" b="0" i="1" u="none" strike="noStrike" cap="none" normalizeH="0" baseline="0">
+                <a:ln>
+                  <a:noFill/>
+                </a:ln>
+                <a:solidFill>
+                  <a:srgbClr val="4186F8"/>
+                </a:solidFill>
+                <a:effectLst/>
+                <a:latin typeface="DejaVu Sans Mono" panose="020B0609030804020204" pitchFamily="49" charset="0"/>
+                <a:cs typeface="DejaVu Sans Mono" panose="020B0609030804020204" pitchFamily="49" charset="0"/>
+              </a:rPr>
+            </a:br>
+            <a:endParaRPr kumimoji="0" lang="en-US" altLang="en-US" sz="1200" b="0" i="1" u="none" strike="noStrike" cap="none" normalizeH="0" baseline="0">
+              <a:ln>
+                <a:noFill/>
+              </a:ln>
+              <a:solidFill>
+                <a:srgbClr val="4186F8"/>
+              </a:solidFill>
+              <a:effectLst/>
+              <a:latin typeface="DejaVu Sans Mono" panose="020B0609030804020204" pitchFamily="49" charset="0"/>
+              <a:cs typeface="DejaVu Sans Mono" panose="020B0609030804020204" pitchFamily="49" charset="0"/>
+            </a:endParaRPr>
+          </a:p>
+          <a:p>
+            <a:pPr marL="0" marR="0" lvl="0" indent="0" algn="l" defTabSz="914400" rtl="0" eaLnBrk="0" fontAlgn="base" latinLnBrk="0" hangingPunct="0">
+              <a:lnSpc>
+                <a:spcPct val="100000"/>
+              </a:lnSpc>
+              <a:spcBef>
+                <a:spcPct val="0"/>
+              </a:spcBef>
+              <a:spcAft>
+                <a:spcPct val="0"/>
+              </a:spcAft>
+              <a:buClrTx/>
+              <a:buSzTx/>
+              <a:buFontTx/>
+              <a:buNone/>
+              <a:tabLst/>
+            </a:pPr>
+            <a:r>
+              <a:rPr kumimoji="0" lang="en-US" altLang="en-US" sz="1200" b="0" i="1" u="none" strike="noStrike" cap="none" normalizeH="0" baseline="0">
+                <a:ln>
+                  <a:noFill/>
+                </a:ln>
+                <a:solidFill>
+                  <a:srgbClr val="4186F8"/>
+                </a:solidFill>
+                <a:effectLst/>
+                <a:latin typeface="DejaVu Sans Mono" panose="020B0609030804020204" pitchFamily="49" charset="0"/>
+                <a:cs typeface="DejaVu Sans Mono" panose="020B0609030804020204" pitchFamily="49" charset="0"/>
+              </a:rPr>
+              <a:t>    </a:t>
+            </a:r>
+            <a:r>
+              <a:rPr kumimoji="0" lang="en-US" altLang="en-US" sz="1200" b="0" i="1" u="none" strike="noStrike" cap="none" normalizeH="0" baseline="0">
+                <a:ln>
+                  <a:noFill/>
+                </a:ln>
+                <a:solidFill>
+                  <a:schemeClr val="tx2">
+                    <a:lumMod val="60000"/>
+                    <a:lumOff val="40000"/>
+                  </a:schemeClr>
+                </a:solidFill>
+                <a:effectLst/>
+                <a:latin typeface="DejaVu Sans Mono" panose="020B0609030804020204" pitchFamily="49" charset="0"/>
+                <a:cs typeface="DejaVu Sans Mono" panose="020B0609030804020204" pitchFamily="49" charset="0"/>
+              </a:rPr>
+              <a:t>// Basic spring boot </a:t>
+            </a:r>
+            <a:r>
+              <a:rPr kumimoji="0" lang="en-US" altLang="en-US" sz="1200" b="0" i="1" u="none" strike="noStrike" cap="none" normalizeH="0" baseline="0" err="1">
+                <a:ln>
+                  <a:noFill/>
+                </a:ln>
+                <a:solidFill>
+                  <a:schemeClr val="tx2">
+                    <a:lumMod val="60000"/>
+                    <a:lumOff val="40000"/>
+                  </a:schemeClr>
+                </a:solidFill>
+                <a:effectLst/>
+                <a:latin typeface="DejaVu Sans Mono" panose="020B0609030804020204" pitchFamily="49" charset="0"/>
+                <a:cs typeface="DejaVu Sans Mono" panose="020B0609030804020204" pitchFamily="49" charset="0"/>
+              </a:rPr>
+              <a:t>api</a:t>
+            </a:r>
+            <a:r>
+              <a:rPr kumimoji="0" lang="en-US" altLang="en-US" sz="1200" b="0" i="1" u="none" strike="noStrike" cap="none" normalizeH="0" baseline="0">
+                <a:ln>
+                  <a:noFill/>
+                </a:ln>
+                <a:solidFill>
+                  <a:schemeClr val="tx2">
+                    <a:lumMod val="60000"/>
+                    <a:lumOff val="40000"/>
+                  </a:schemeClr>
+                </a:solidFill>
+                <a:effectLst/>
+                <a:latin typeface="DejaVu Sans Mono" panose="020B0609030804020204" pitchFamily="49" charset="0"/>
+                <a:cs typeface="DejaVu Sans Mono" panose="020B0609030804020204" pitchFamily="49" charset="0"/>
+              </a:rPr>
+              <a:t> dependencies</a:t>
+            </a:r>
+            <a:r>
+              <a:rPr kumimoji="0" lang="en-US" altLang="en-US" sz="1200" b="0" i="1" u="none" strike="noStrike" cap="none" normalizeH="0" baseline="0">
+                <a:ln>
+                  <a:noFill/>
+                </a:ln>
+                <a:solidFill>
+                  <a:srgbClr val="4186F8"/>
+                </a:solidFill>
+                <a:effectLst/>
+                <a:latin typeface="DejaVu Sans Mono" panose="020B0609030804020204" pitchFamily="49" charset="0"/>
+                <a:cs typeface="DejaVu Sans Mono" panose="020B0609030804020204" pitchFamily="49" charset="0"/>
+              </a:rPr>
+              <a:t/>
+            </a:r>
+            <a:br>
+              <a:rPr kumimoji="0" lang="en-US" altLang="en-US" sz="1200" b="0" i="1" u="none" strike="noStrike" cap="none" normalizeH="0" baseline="0">
+                <a:ln>
+                  <a:noFill/>
+                </a:ln>
+                <a:solidFill>
+                  <a:srgbClr val="4186F8"/>
+                </a:solidFill>
+                <a:effectLst/>
+                <a:latin typeface="DejaVu Sans Mono" panose="020B0609030804020204" pitchFamily="49" charset="0"/>
+                <a:cs typeface="DejaVu Sans Mono" panose="020B0609030804020204" pitchFamily="49" charset="0"/>
+              </a:rPr>
+            </a:br>
+            <a:r>
+              <a:rPr kumimoji="0" lang="en-US" altLang="en-US" sz="1200" b="0" i="1" u="none" strike="noStrike" cap="none" normalizeH="0" baseline="0">
+                <a:ln>
+                  <a:noFill/>
+                </a:ln>
+                <a:solidFill>
+                  <a:srgbClr val="4186F8"/>
+                </a:solidFill>
+                <a:effectLst/>
+                <a:latin typeface="DejaVu Sans Mono" panose="020B0609030804020204" pitchFamily="49" charset="0"/>
+                <a:cs typeface="DejaVu Sans Mono" panose="020B0609030804020204" pitchFamily="49" charset="0"/>
+              </a:rPr>
+              <a:t>    </a:t>
+            </a:r>
+            <a:r>
+              <a:rPr kumimoji="0" lang="en-US" altLang="en-US" sz="1200" b="0" i="0" u="none" strike="noStrike" cap="none" normalizeH="0" baseline="0">
+                <a:ln>
+                  <a:noFill/>
+                </a:ln>
+                <a:solidFill>
+                  <a:srgbClr val="A6E22E"/>
+                </a:solidFill>
+                <a:effectLst/>
+                <a:latin typeface="DejaVu Sans Mono" panose="020B0609030804020204" pitchFamily="49" charset="0"/>
+                <a:cs typeface="DejaVu Sans Mono" panose="020B0609030804020204" pitchFamily="49" charset="0"/>
+              </a:rPr>
+              <a:t>implementation </a:t>
+            </a:r>
+            <a:r>
+              <a:rPr kumimoji="0" lang="en-US" altLang="en-US" sz="1200" b="0" i="0" u="none" strike="noStrike" cap="none" normalizeH="0" baseline="0">
+                <a:ln>
+                  <a:noFill/>
+                </a:ln>
+                <a:solidFill>
+                  <a:srgbClr val="E6DB74"/>
+                </a:solidFill>
+                <a:effectLst/>
+                <a:latin typeface="DejaVu Sans Mono" panose="020B0609030804020204" pitchFamily="49" charset="0"/>
+                <a:cs typeface="DejaVu Sans Mono" panose="020B0609030804020204" pitchFamily="49" charset="0"/>
+              </a:rPr>
+              <a:t>'</a:t>
+            </a:r>
+            <a:r>
+              <a:rPr kumimoji="0" lang="en-US" altLang="en-US" sz="1200" b="0" i="0" u="none" strike="noStrike" cap="none" normalizeH="0" baseline="0" err="1">
+                <a:ln>
+                  <a:noFill/>
+                </a:ln>
+                <a:solidFill>
+                  <a:srgbClr val="E6DB74"/>
+                </a:solidFill>
+                <a:effectLst/>
+                <a:latin typeface="DejaVu Sans Mono" panose="020B0609030804020204" pitchFamily="49" charset="0"/>
+                <a:cs typeface="DejaVu Sans Mono" panose="020B0609030804020204" pitchFamily="49" charset="0"/>
+              </a:rPr>
+              <a:t>org.springframework.boot:spring-boot-starter</a:t>
+            </a:r>
+            <a:r>
+              <a:rPr kumimoji="0" lang="en-US" altLang="en-US" sz="1200" b="0" i="0" u="none" strike="noStrike" cap="none" normalizeH="0" baseline="0">
+                <a:ln>
+                  <a:noFill/>
+                </a:ln>
+                <a:solidFill>
+                  <a:srgbClr val="E6DB74"/>
+                </a:solidFill>
+                <a:effectLst/>
+                <a:latin typeface="DejaVu Sans Mono" panose="020B0609030804020204" pitchFamily="49" charset="0"/>
+                <a:cs typeface="DejaVu Sans Mono" panose="020B0609030804020204" pitchFamily="49" charset="0"/>
+              </a:rPr>
+              <a:t>'                   </a:t>
+            </a:r>
+            <a:r>
+              <a:rPr kumimoji="0" lang="en-US" altLang="en-US" sz="1200" b="0" i="0" u="none" strike="noStrike" cap="none" normalizeH="0" baseline="0">
+                <a:ln>
+                  <a:noFill/>
+                </a:ln>
+                <a:solidFill>
+                  <a:srgbClr val="808080"/>
+                </a:solidFill>
+                <a:effectLst/>
+                <a:latin typeface="DejaVu Sans Mono" panose="020B0609030804020204" pitchFamily="49" charset="0"/>
+                <a:cs typeface="DejaVu Sans Mono" panose="020B0609030804020204" pitchFamily="49" charset="0"/>
+              </a:rPr>
+              <a:t>// ????</a:t>
+            </a:r>
+            <a:br>
+              <a:rPr kumimoji="0" lang="en-US" altLang="en-US" sz="1200" b="0" i="0" u="none" strike="noStrike" cap="none" normalizeH="0" baseline="0">
+                <a:ln>
+                  <a:noFill/>
+                </a:ln>
+                <a:solidFill>
+                  <a:srgbClr val="808080"/>
+                </a:solidFill>
+                <a:effectLst/>
+                <a:latin typeface="DejaVu Sans Mono" panose="020B0609030804020204" pitchFamily="49" charset="0"/>
+                <a:cs typeface="DejaVu Sans Mono" panose="020B0609030804020204" pitchFamily="49" charset="0"/>
+              </a:rPr>
+            </a:br>
+            <a:r>
+              <a:rPr kumimoji="0" lang="en-US" altLang="en-US" sz="1200" b="0" i="0" u="none" strike="noStrike" cap="none" normalizeH="0" baseline="0">
+                <a:ln>
+                  <a:noFill/>
+                </a:ln>
+                <a:solidFill>
+                  <a:srgbClr val="808080"/>
+                </a:solidFill>
+                <a:effectLst/>
+                <a:latin typeface="DejaVu Sans Mono" panose="020B0609030804020204" pitchFamily="49" charset="0"/>
+                <a:cs typeface="DejaVu Sans Mono" panose="020B0609030804020204" pitchFamily="49" charset="0"/>
+              </a:rPr>
+              <a:t>    </a:t>
+            </a:r>
+            <a:r>
+              <a:rPr kumimoji="0" lang="en-US" altLang="en-US" sz="1200" b="0" i="0" u="none" strike="noStrike" cap="none" normalizeH="0" baseline="0">
+                <a:ln>
+                  <a:noFill/>
+                </a:ln>
+                <a:solidFill>
+                  <a:srgbClr val="A6E22E"/>
+                </a:solidFill>
+                <a:effectLst/>
+                <a:latin typeface="DejaVu Sans Mono" panose="020B0609030804020204" pitchFamily="49" charset="0"/>
+                <a:cs typeface="DejaVu Sans Mono" panose="020B0609030804020204" pitchFamily="49" charset="0"/>
+              </a:rPr>
+              <a:t>implementation </a:t>
+            </a:r>
+            <a:r>
+              <a:rPr kumimoji="0" lang="en-US" altLang="en-US" sz="1200" b="0" i="0" u="none" strike="noStrike" cap="none" normalizeH="0" baseline="0">
+                <a:ln>
+                  <a:noFill/>
+                </a:ln>
+                <a:solidFill>
+                  <a:srgbClr val="E6DB74"/>
+                </a:solidFill>
+                <a:effectLst/>
+                <a:latin typeface="DejaVu Sans Mono" panose="020B0609030804020204" pitchFamily="49" charset="0"/>
+                <a:cs typeface="DejaVu Sans Mono" panose="020B0609030804020204" pitchFamily="49" charset="0"/>
+              </a:rPr>
+              <a:t>'</a:t>
+            </a:r>
+            <a:r>
+              <a:rPr kumimoji="0" lang="en-US" altLang="en-US" sz="1200" b="0" i="0" u="none" strike="noStrike" cap="none" normalizeH="0" baseline="0" err="1">
+                <a:ln>
+                  <a:noFill/>
+                </a:ln>
+                <a:solidFill>
+                  <a:srgbClr val="E6DB74"/>
+                </a:solidFill>
+                <a:effectLst/>
+                <a:latin typeface="DejaVu Sans Mono" panose="020B0609030804020204" pitchFamily="49" charset="0"/>
+                <a:cs typeface="DejaVu Sans Mono" panose="020B0609030804020204" pitchFamily="49" charset="0"/>
+              </a:rPr>
+              <a:t>org.springframework.boot:spring-boot-starter-data-jpa</a:t>
+            </a:r>
+            <a:r>
+              <a:rPr kumimoji="0" lang="en-US" altLang="en-US" sz="1200" b="0" i="0" u="none" strike="noStrike" cap="none" normalizeH="0" baseline="0">
+                <a:ln>
+                  <a:noFill/>
+                </a:ln>
+                <a:solidFill>
+                  <a:srgbClr val="E6DB74"/>
+                </a:solidFill>
+                <a:effectLst/>
+                <a:latin typeface="DejaVu Sans Mono" panose="020B0609030804020204" pitchFamily="49" charset="0"/>
+                <a:cs typeface="DejaVu Sans Mono" panose="020B0609030804020204" pitchFamily="49" charset="0"/>
+              </a:rPr>
+              <a:t>'          </a:t>
+            </a:r>
+            <a:r>
+              <a:rPr kumimoji="0" lang="en-US" altLang="en-US" sz="1200" b="0" i="0" u="none" strike="noStrike" cap="none" normalizeH="0" baseline="0">
+                <a:ln>
+                  <a:noFill/>
+                </a:ln>
+                <a:solidFill>
+                  <a:srgbClr val="808080"/>
+                </a:solidFill>
+                <a:effectLst/>
+                <a:latin typeface="DejaVu Sans Mono" panose="020B0609030804020204" pitchFamily="49" charset="0"/>
+                <a:cs typeface="DejaVu Sans Mono" panose="020B0609030804020204" pitchFamily="49" charset="0"/>
+              </a:rPr>
+              <a:t>// Hibernate</a:t>
+            </a:r>
+            <a:br>
+              <a:rPr kumimoji="0" lang="en-US" altLang="en-US" sz="1200" b="0" i="0" u="none" strike="noStrike" cap="none" normalizeH="0" baseline="0">
+                <a:ln>
+                  <a:noFill/>
+                </a:ln>
+                <a:solidFill>
+                  <a:srgbClr val="808080"/>
+                </a:solidFill>
+                <a:effectLst/>
+                <a:latin typeface="DejaVu Sans Mono" panose="020B0609030804020204" pitchFamily="49" charset="0"/>
+                <a:cs typeface="DejaVu Sans Mono" panose="020B0609030804020204" pitchFamily="49" charset="0"/>
+              </a:rPr>
+            </a:br>
+            <a:r>
+              <a:rPr kumimoji="0" lang="en-US" altLang="en-US" sz="1200" b="0" i="0" u="none" strike="noStrike" cap="none" normalizeH="0" baseline="0">
+                <a:ln>
+                  <a:noFill/>
+                </a:ln>
+                <a:solidFill>
+                  <a:srgbClr val="808080"/>
+                </a:solidFill>
+                <a:effectLst/>
+                <a:latin typeface="DejaVu Sans Mono" panose="020B0609030804020204" pitchFamily="49" charset="0"/>
+                <a:cs typeface="DejaVu Sans Mono" panose="020B0609030804020204" pitchFamily="49" charset="0"/>
+              </a:rPr>
+              <a:t>    </a:t>
+            </a:r>
+            <a:r>
+              <a:rPr kumimoji="0" lang="en-US" altLang="en-US" sz="1200" b="0" i="0" u="none" strike="noStrike" cap="none" normalizeH="0" baseline="0">
+                <a:ln>
+                  <a:noFill/>
+                </a:ln>
+                <a:solidFill>
+                  <a:srgbClr val="A6E22E"/>
+                </a:solidFill>
+                <a:effectLst/>
+                <a:latin typeface="DejaVu Sans Mono" panose="020B0609030804020204" pitchFamily="49" charset="0"/>
+                <a:cs typeface="DejaVu Sans Mono" panose="020B0609030804020204" pitchFamily="49" charset="0"/>
+              </a:rPr>
+              <a:t>implementation </a:t>
+            </a:r>
+            <a:r>
+              <a:rPr kumimoji="0" lang="en-US" altLang="en-US" sz="1200" b="0" i="0" u="none" strike="noStrike" cap="none" normalizeH="0" baseline="0">
+                <a:ln>
+                  <a:noFill/>
+                </a:ln>
+                <a:solidFill>
+                  <a:srgbClr val="E6DB74"/>
+                </a:solidFill>
+                <a:effectLst/>
+                <a:latin typeface="DejaVu Sans Mono" panose="020B0609030804020204" pitchFamily="49" charset="0"/>
+                <a:cs typeface="DejaVu Sans Mono" panose="020B0609030804020204" pitchFamily="49" charset="0"/>
+              </a:rPr>
+              <a:t>'</a:t>
+            </a:r>
+            <a:r>
+              <a:rPr kumimoji="0" lang="en-US" altLang="en-US" sz="1200" b="0" i="0" u="none" strike="noStrike" cap="none" normalizeH="0" baseline="0" err="1">
+                <a:ln>
+                  <a:noFill/>
+                </a:ln>
+                <a:solidFill>
+                  <a:srgbClr val="E6DB74"/>
+                </a:solidFill>
+                <a:effectLst/>
+                <a:latin typeface="DejaVu Sans Mono" panose="020B0609030804020204" pitchFamily="49" charset="0"/>
+                <a:cs typeface="DejaVu Sans Mono" panose="020B0609030804020204" pitchFamily="49" charset="0"/>
+              </a:rPr>
+              <a:t>org.springframework.boot:spring-boot-starter-hateoas</a:t>
+            </a:r>
+            <a:r>
+              <a:rPr kumimoji="0" lang="en-US" altLang="en-US" sz="1200" b="0" i="0" u="none" strike="noStrike" cap="none" normalizeH="0" baseline="0">
+                <a:ln>
+                  <a:noFill/>
+                </a:ln>
+                <a:solidFill>
+                  <a:srgbClr val="E6DB74"/>
+                </a:solidFill>
+                <a:effectLst/>
+                <a:latin typeface="DejaVu Sans Mono" panose="020B0609030804020204" pitchFamily="49" charset="0"/>
+                <a:cs typeface="DejaVu Sans Mono" panose="020B0609030804020204" pitchFamily="49" charset="0"/>
+              </a:rPr>
+              <a:t>'           </a:t>
+            </a:r>
+            <a:r>
+              <a:rPr kumimoji="0" lang="en-US" altLang="en-US" sz="1200" b="0" i="0" u="none" strike="noStrike" cap="none" normalizeH="0" baseline="0">
+                <a:ln>
+                  <a:noFill/>
+                </a:ln>
+                <a:solidFill>
+                  <a:srgbClr val="808080"/>
+                </a:solidFill>
+                <a:effectLst/>
+                <a:latin typeface="DejaVu Sans Mono" panose="020B0609030804020204" pitchFamily="49" charset="0"/>
+                <a:cs typeface="DejaVu Sans Mono" panose="020B0609030804020204" pitchFamily="49" charset="0"/>
+              </a:rPr>
+              <a:t>// HATEOAS</a:t>
+            </a:r>
+            <a:br>
+              <a:rPr kumimoji="0" lang="en-US" altLang="en-US" sz="1200" b="0" i="0" u="none" strike="noStrike" cap="none" normalizeH="0" baseline="0">
+                <a:ln>
+                  <a:noFill/>
+                </a:ln>
+                <a:solidFill>
+                  <a:srgbClr val="808080"/>
+                </a:solidFill>
+                <a:effectLst/>
+                <a:latin typeface="DejaVu Sans Mono" panose="020B0609030804020204" pitchFamily="49" charset="0"/>
+                <a:cs typeface="DejaVu Sans Mono" panose="020B0609030804020204" pitchFamily="49" charset="0"/>
+              </a:rPr>
+            </a:br>
+            <a:r>
+              <a:rPr kumimoji="0" lang="en-US" altLang="en-US" sz="1200" b="0" i="0" u="none" strike="noStrike" cap="none" normalizeH="0" baseline="0">
+                <a:ln>
+                  <a:noFill/>
+                </a:ln>
+                <a:solidFill>
+                  <a:srgbClr val="808080"/>
+                </a:solidFill>
+                <a:effectLst/>
+                <a:latin typeface="DejaVu Sans Mono" panose="020B0609030804020204" pitchFamily="49" charset="0"/>
+                <a:cs typeface="DejaVu Sans Mono" panose="020B0609030804020204" pitchFamily="49" charset="0"/>
+              </a:rPr>
+              <a:t>    </a:t>
+            </a:r>
+            <a:r>
+              <a:rPr kumimoji="0" lang="en-US" altLang="en-US" sz="1200" b="0" i="0" u="none" strike="noStrike" cap="none" normalizeH="0" baseline="0">
+                <a:ln>
+                  <a:noFill/>
+                </a:ln>
+                <a:solidFill>
+                  <a:srgbClr val="A6E22E"/>
+                </a:solidFill>
+                <a:effectLst/>
+                <a:latin typeface="DejaVu Sans Mono" panose="020B0609030804020204" pitchFamily="49" charset="0"/>
+                <a:cs typeface="DejaVu Sans Mono" panose="020B0609030804020204" pitchFamily="49" charset="0"/>
+              </a:rPr>
+              <a:t>implementation </a:t>
+            </a:r>
+            <a:r>
+              <a:rPr kumimoji="0" lang="en-US" altLang="en-US" sz="1200" b="0" i="0" u="none" strike="noStrike" cap="none" normalizeH="0" baseline="0">
+                <a:ln>
+                  <a:noFill/>
+                </a:ln>
+                <a:solidFill>
+                  <a:srgbClr val="E6DB74"/>
+                </a:solidFill>
+                <a:effectLst/>
+                <a:latin typeface="DejaVu Sans Mono" panose="020B0609030804020204" pitchFamily="49" charset="0"/>
+                <a:cs typeface="DejaVu Sans Mono" panose="020B0609030804020204" pitchFamily="49" charset="0"/>
+              </a:rPr>
+              <a:t>'</a:t>
+            </a:r>
+            <a:r>
+              <a:rPr kumimoji="0" lang="en-US" altLang="en-US" sz="1200" b="0" i="0" u="none" strike="noStrike" cap="none" normalizeH="0" baseline="0" err="1">
+                <a:ln>
+                  <a:noFill/>
+                </a:ln>
+                <a:solidFill>
+                  <a:srgbClr val="E6DB74"/>
+                </a:solidFill>
+                <a:effectLst/>
+                <a:latin typeface="DejaVu Sans Mono" panose="020B0609030804020204" pitchFamily="49" charset="0"/>
+                <a:cs typeface="DejaVu Sans Mono" panose="020B0609030804020204" pitchFamily="49" charset="0"/>
+              </a:rPr>
+              <a:t>org.springframework.boot:spring-boot-starter-validation</a:t>
+            </a:r>
+            <a:r>
+              <a:rPr kumimoji="0" lang="en-US" altLang="en-US" sz="1200" b="0" i="0" u="none" strike="noStrike" cap="none" normalizeH="0" baseline="0">
+                <a:ln>
+                  <a:noFill/>
+                </a:ln>
+                <a:solidFill>
+                  <a:srgbClr val="E6DB74"/>
+                </a:solidFill>
+                <a:effectLst/>
+                <a:latin typeface="DejaVu Sans Mono" panose="020B0609030804020204" pitchFamily="49" charset="0"/>
+                <a:cs typeface="DejaVu Sans Mono" panose="020B0609030804020204" pitchFamily="49" charset="0"/>
+              </a:rPr>
+              <a:t>'        </a:t>
+            </a:r>
+            <a:r>
+              <a:rPr kumimoji="0" lang="en-US" altLang="en-US" sz="1200" b="0" i="0" u="none" strike="noStrike" cap="none" normalizeH="0" baseline="0">
+                <a:ln>
+                  <a:noFill/>
+                </a:ln>
+                <a:solidFill>
+                  <a:srgbClr val="808080"/>
+                </a:solidFill>
+                <a:effectLst/>
+                <a:latin typeface="DejaVu Sans Mono" panose="020B0609030804020204" pitchFamily="49" charset="0"/>
+                <a:cs typeface="DejaVu Sans Mono" panose="020B0609030804020204" pitchFamily="49" charset="0"/>
+              </a:rPr>
+              <a:t>// 2-4-6-8 VALIDATE</a:t>
+            </a:r>
+            <a:br>
+              <a:rPr kumimoji="0" lang="en-US" altLang="en-US" sz="1200" b="0" i="0" u="none" strike="noStrike" cap="none" normalizeH="0" baseline="0">
+                <a:ln>
+                  <a:noFill/>
+                </a:ln>
+                <a:solidFill>
+                  <a:srgbClr val="808080"/>
+                </a:solidFill>
+                <a:effectLst/>
+                <a:latin typeface="DejaVu Sans Mono" panose="020B0609030804020204" pitchFamily="49" charset="0"/>
+                <a:cs typeface="DejaVu Sans Mono" panose="020B0609030804020204" pitchFamily="49" charset="0"/>
+              </a:rPr>
+            </a:br>
+            <a:endParaRPr kumimoji="0" lang="en-US" altLang="en-US" sz="1200" b="0" i="0" u="none" strike="noStrike" cap="none" normalizeH="0" baseline="0">
+              <a:ln>
+                <a:noFill/>
+              </a:ln>
+              <a:solidFill>
+                <a:srgbClr val="808080"/>
+              </a:solidFill>
+              <a:effectLst/>
+              <a:latin typeface="DejaVu Sans Mono" panose="020B0609030804020204" pitchFamily="49" charset="0"/>
+              <a:cs typeface="DejaVu Sans Mono" panose="020B0609030804020204" pitchFamily="49" charset="0"/>
+            </a:endParaRPr>
+          </a:p>
+          <a:p>
+            <a:pPr marL="0" marR="0" lvl="0" indent="0" algn="l" defTabSz="914400" rtl="0" eaLnBrk="0" fontAlgn="base" latinLnBrk="0" hangingPunct="0">
+              <a:lnSpc>
+                <a:spcPct val="100000"/>
+              </a:lnSpc>
+              <a:spcBef>
+                <a:spcPct val="0"/>
+              </a:spcBef>
+              <a:spcAft>
+                <a:spcPct val="0"/>
+              </a:spcAft>
+              <a:buClrTx/>
+              <a:buSzTx/>
+              <a:buFontTx/>
+              <a:buNone/>
+              <a:tabLst/>
+            </a:pPr>
+            <a:r>
+              <a:rPr lang="en-US" altLang="en-US" sz="1200">
+                <a:solidFill>
+                  <a:srgbClr val="808080"/>
+                </a:solidFill>
+                <a:latin typeface="DejaVu Sans Mono" panose="020B0609030804020204" pitchFamily="49" charset="0"/>
+                <a:cs typeface="DejaVu Sans Mono" panose="020B0609030804020204" pitchFamily="49" charset="0"/>
+              </a:rPr>
+              <a:t>    // Hibernate search</a:t>
+            </a:r>
+            <a:r>
+              <a:rPr kumimoji="0" lang="en-US" altLang="en-US" sz="1200" b="0" i="0" u="none" strike="noStrike" cap="none" normalizeH="0" baseline="0">
+                <a:ln>
+                  <a:noFill/>
+                </a:ln>
+                <a:solidFill>
+                  <a:srgbClr val="808080"/>
+                </a:solidFill>
+                <a:effectLst/>
+                <a:latin typeface="DejaVu Sans Mono" panose="020B0609030804020204" pitchFamily="49" charset="0"/>
+                <a:cs typeface="DejaVu Sans Mono" panose="020B0609030804020204" pitchFamily="49" charset="0"/>
+              </a:rPr>
+              <a:t/>
+            </a:r>
+            <a:br>
+              <a:rPr kumimoji="0" lang="en-US" altLang="en-US" sz="1200" b="0" i="0" u="none" strike="noStrike" cap="none" normalizeH="0" baseline="0">
+                <a:ln>
+                  <a:noFill/>
+                </a:ln>
+                <a:solidFill>
+                  <a:srgbClr val="808080"/>
+                </a:solidFill>
+                <a:effectLst/>
+                <a:latin typeface="DejaVu Sans Mono" panose="020B0609030804020204" pitchFamily="49" charset="0"/>
+                <a:cs typeface="DejaVu Sans Mono" panose="020B0609030804020204" pitchFamily="49" charset="0"/>
+              </a:rPr>
+            </a:br>
+            <a:r>
+              <a:rPr kumimoji="0" lang="en-US" altLang="en-US" sz="1200" b="0" i="0" u="none" strike="noStrike" cap="none" normalizeH="0" baseline="0">
+                <a:ln>
+                  <a:noFill/>
+                </a:ln>
+                <a:solidFill>
+                  <a:srgbClr val="808080"/>
+                </a:solidFill>
+                <a:effectLst/>
+                <a:latin typeface="DejaVu Sans Mono" panose="020B0609030804020204" pitchFamily="49" charset="0"/>
+                <a:cs typeface="DejaVu Sans Mono" panose="020B0609030804020204" pitchFamily="49" charset="0"/>
+              </a:rPr>
+              <a:t>    </a:t>
+            </a:r>
+            <a:r>
+              <a:rPr kumimoji="0" lang="en-US" altLang="en-US" sz="1200" b="0" i="0" u="none" strike="noStrike" cap="none" normalizeH="0" baseline="0">
+                <a:ln>
+                  <a:noFill/>
+                </a:ln>
+                <a:solidFill>
+                  <a:srgbClr val="A6E22E"/>
+                </a:solidFill>
+                <a:effectLst/>
+                <a:latin typeface="DejaVu Sans Mono" panose="020B0609030804020204" pitchFamily="49" charset="0"/>
+                <a:cs typeface="DejaVu Sans Mono" panose="020B0609030804020204" pitchFamily="49" charset="0"/>
+              </a:rPr>
+              <a:t>implementation </a:t>
+            </a:r>
+            <a:r>
+              <a:rPr kumimoji="0" lang="en-US" altLang="en-US" sz="1200" b="0" i="0" u="none" strike="noStrike" cap="none" normalizeH="0" baseline="0">
+                <a:ln>
+                  <a:noFill/>
+                </a:ln>
+                <a:solidFill>
+                  <a:srgbClr val="00B0F0"/>
+                </a:solidFill>
+                <a:effectLst/>
+                <a:latin typeface="DejaVu Sans Mono" panose="020B0609030804020204" pitchFamily="49" charset="0"/>
+                <a:cs typeface="DejaVu Sans Mono" panose="020B0609030804020204" pitchFamily="49" charset="0"/>
+              </a:rPr>
+              <a:t>'org.hibernate:hibernate-search-orm:5.11.1.Final'                </a:t>
+            </a:r>
+            <a:r>
+              <a:rPr kumimoji="0" lang="en-US" altLang="en-US" sz="1200" b="0" i="0" u="none" strike="noStrike" cap="none" normalizeH="0" baseline="0">
+                <a:ln>
+                  <a:noFill/>
+                </a:ln>
+                <a:solidFill>
+                  <a:srgbClr val="808080"/>
+                </a:solidFill>
+                <a:effectLst/>
+                <a:latin typeface="DejaVu Sans Mono" panose="020B0609030804020204" pitchFamily="49" charset="0"/>
+                <a:cs typeface="DejaVu Sans Mono" panose="020B0609030804020204" pitchFamily="49" charset="0"/>
+              </a:rPr>
+              <a:t>// Hibernate Search</a:t>
+            </a:r>
+            <a:br>
+              <a:rPr kumimoji="0" lang="en-US" altLang="en-US" sz="1200" b="0" i="0" u="none" strike="noStrike" cap="none" normalizeH="0" baseline="0">
+                <a:ln>
+                  <a:noFill/>
+                </a:ln>
+                <a:solidFill>
+                  <a:srgbClr val="808080"/>
+                </a:solidFill>
+                <a:effectLst/>
+                <a:latin typeface="DejaVu Sans Mono" panose="020B0609030804020204" pitchFamily="49" charset="0"/>
+                <a:cs typeface="DejaVu Sans Mono" panose="020B0609030804020204" pitchFamily="49" charset="0"/>
+              </a:rPr>
+            </a:br>
+            <a:r>
+              <a:rPr kumimoji="0" lang="en-US" altLang="en-US" sz="1200" b="0" i="0" u="none" strike="noStrike" cap="none" normalizeH="0" baseline="0">
+                <a:ln>
+                  <a:noFill/>
+                </a:ln>
+                <a:solidFill>
+                  <a:srgbClr val="808080"/>
+                </a:solidFill>
+                <a:effectLst/>
+                <a:latin typeface="DejaVu Sans Mono" panose="020B0609030804020204" pitchFamily="49" charset="0"/>
+                <a:cs typeface="DejaVu Sans Mono" panose="020B0609030804020204" pitchFamily="49" charset="0"/>
+              </a:rPr>
+              <a:t>    </a:t>
+            </a:r>
+            <a:r>
+              <a:rPr kumimoji="0" lang="en-US" altLang="en-US" sz="1200" b="0" i="0" u="none" strike="noStrike" cap="none" normalizeH="0" baseline="0">
+                <a:ln>
+                  <a:noFill/>
+                </a:ln>
+                <a:solidFill>
+                  <a:srgbClr val="A6E22E"/>
+                </a:solidFill>
+                <a:effectLst/>
+                <a:latin typeface="DejaVu Sans Mono" panose="020B0609030804020204" pitchFamily="49" charset="0"/>
+                <a:cs typeface="DejaVu Sans Mono" panose="020B0609030804020204" pitchFamily="49" charset="0"/>
+              </a:rPr>
+              <a:t>implementation </a:t>
+            </a:r>
+            <a:r>
+              <a:rPr kumimoji="0" lang="en-US" altLang="en-US" sz="1200" b="0" i="0" u="none" strike="noStrike" cap="none" normalizeH="0" baseline="0">
+                <a:ln>
+                  <a:noFill/>
+                </a:ln>
+                <a:solidFill>
+                  <a:srgbClr val="00B0F0"/>
+                </a:solidFill>
+                <a:effectLst/>
+                <a:latin typeface="DejaVu Sans Mono" panose="020B0609030804020204" pitchFamily="49" charset="0"/>
+                <a:cs typeface="DejaVu Sans Mono" panose="020B0609030804020204" pitchFamily="49" charset="0"/>
+              </a:rPr>
+              <a:t>'org.hibernate:hibernate-core:5.4.2.Final'</a:t>
+            </a:r>
+            <a:r>
+              <a:rPr kumimoji="0" lang="en-US" altLang="en-US" sz="1200" b="0" i="0" u="none" strike="noStrike" cap="none" normalizeH="0" baseline="0">
+                <a:ln>
+                  <a:noFill/>
+                </a:ln>
+                <a:solidFill>
+                  <a:srgbClr val="E6DB74"/>
+                </a:solidFill>
+                <a:effectLst/>
+                <a:latin typeface="DejaVu Sans Mono" panose="020B0609030804020204" pitchFamily="49" charset="0"/>
+                <a:cs typeface="DejaVu Sans Mono" panose="020B0609030804020204" pitchFamily="49" charset="0"/>
+              </a:rPr>
+              <a:t>                       </a:t>
+            </a:r>
+            <a:r>
+              <a:rPr kumimoji="0" lang="en-US" altLang="en-US" sz="1200" b="0" i="0" u="none" strike="noStrike" cap="none" normalizeH="0" baseline="0">
+                <a:ln>
+                  <a:noFill/>
+                </a:ln>
+                <a:solidFill>
+                  <a:srgbClr val="808080"/>
+                </a:solidFill>
+                <a:effectLst/>
+                <a:latin typeface="DejaVu Sans Mono" panose="020B0609030804020204" pitchFamily="49" charset="0"/>
+                <a:cs typeface="DejaVu Sans Mono" panose="020B0609030804020204" pitchFamily="49" charset="0"/>
+              </a:rPr>
+              <a:t>// Hibernate Search</a:t>
+            </a:r>
+          </a:p>
+          <a:p>
+            <a:pPr marL="0" marR="0" lvl="0" indent="0" algn="l" defTabSz="914400" rtl="0" eaLnBrk="0" fontAlgn="base" latinLnBrk="0" hangingPunct="0">
+              <a:lnSpc>
+                <a:spcPct val="100000"/>
+              </a:lnSpc>
+              <a:spcBef>
+                <a:spcPct val="0"/>
+              </a:spcBef>
+              <a:spcAft>
+                <a:spcPct val="0"/>
+              </a:spcAft>
+              <a:buClrTx/>
+              <a:buSzTx/>
+              <a:buFontTx/>
+              <a:buNone/>
+              <a:tabLst/>
+            </a:pPr>
+            <a:r>
+              <a:rPr kumimoji="0" lang="en-US" altLang="en-US" sz="1200" b="0" i="0" u="none" strike="noStrike" cap="none" normalizeH="0" baseline="0">
+                <a:ln>
+                  <a:noFill/>
+                </a:ln>
+                <a:solidFill>
+                  <a:srgbClr val="808080"/>
+                </a:solidFill>
+                <a:effectLst/>
+                <a:latin typeface="DejaVu Sans Mono" panose="020B0609030804020204" pitchFamily="49" charset="0"/>
+                <a:cs typeface="DejaVu Sans Mono" panose="020B0609030804020204" pitchFamily="49" charset="0"/>
+              </a:rPr>
+              <a:t/>
+            </a:r>
+            <a:br>
+              <a:rPr kumimoji="0" lang="en-US" altLang="en-US" sz="1200" b="0" i="0" u="none" strike="noStrike" cap="none" normalizeH="0" baseline="0">
+                <a:ln>
+                  <a:noFill/>
+                </a:ln>
+                <a:solidFill>
+                  <a:srgbClr val="808080"/>
+                </a:solidFill>
+                <a:effectLst/>
+                <a:latin typeface="DejaVu Sans Mono" panose="020B0609030804020204" pitchFamily="49" charset="0"/>
+                <a:cs typeface="DejaVu Sans Mono" panose="020B0609030804020204" pitchFamily="49" charset="0"/>
+              </a:rPr>
+            </a:br>
+            <a:r>
+              <a:rPr kumimoji="0" lang="en-US" altLang="en-US" sz="1200" b="0" i="0" u="none" strike="noStrike" cap="none" normalizeH="0" baseline="0">
+                <a:ln>
+                  <a:noFill/>
+                </a:ln>
+                <a:solidFill>
+                  <a:srgbClr val="808080"/>
+                </a:solidFill>
+                <a:effectLst/>
+                <a:latin typeface="DejaVu Sans Mono" panose="020B0609030804020204" pitchFamily="49" charset="0"/>
+                <a:cs typeface="DejaVu Sans Mono" panose="020B0609030804020204" pitchFamily="49" charset="0"/>
+              </a:rPr>
+              <a:t>    </a:t>
+            </a:r>
+            <a:r>
+              <a:rPr kumimoji="0" lang="en-US" altLang="en-US" sz="1200" b="0" i="0" u="none" strike="noStrike" cap="none" normalizeH="0" baseline="0">
+                <a:ln>
+                  <a:noFill/>
+                </a:ln>
+                <a:solidFill>
+                  <a:srgbClr val="A6E22E"/>
+                </a:solidFill>
+                <a:effectLst/>
+                <a:latin typeface="DejaVu Sans Mono" panose="020B0609030804020204" pitchFamily="49" charset="0"/>
+                <a:cs typeface="DejaVu Sans Mono" panose="020B0609030804020204" pitchFamily="49" charset="0"/>
+              </a:rPr>
+              <a:t>implementation </a:t>
+            </a:r>
+            <a:r>
+              <a:rPr kumimoji="0" lang="en-US" altLang="en-US" sz="1200" b="0" i="0" u="none" strike="noStrike" cap="none" normalizeH="0" baseline="0">
+                <a:ln>
+                  <a:noFill/>
+                </a:ln>
+                <a:solidFill>
+                  <a:srgbClr val="E6DB74"/>
+                </a:solidFill>
+                <a:effectLst/>
+                <a:latin typeface="DejaVu Sans Mono" panose="020B0609030804020204" pitchFamily="49" charset="0"/>
+                <a:cs typeface="DejaVu Sans Mono" panose="020B0609030804020204" pitchFamily="49" charset="0"/>
+              </a:rPr>
+              <a:t>'org.projectlombok:lombok:1.18.6'                                </a:t>
+            </a:r>
+            <a:r>
+              <a:rPr kumimoji="0" lang="en-US" altLang="en-US" sz="1200" b="0" i="0" u="none" strike="noStrike" cap="none" normalizeH="0" baseline="0">
+                <a:ln>
+                  <a:noFill/>
+                </a:ln>
+                <a:solidFill>
+                  <a:srgbClr val="808080"/>
+                </a:solidFill>
+                <a:effectLst/>
+                <a:latin typeface="DejaVu Sans Mono" panose="020B0609030804020204" pitchFamily="49" charset="0"/>
+                <a:cs typeface="DejaVu Sans Mono" panose="020B0609030804020204" pitchFamily="49" charset="0"/>
+              </a:rPr>
+              <a:t>// Getter/Setter/Data</a:t>
+            </a:r>
+            <a:br>
+              <a:rPr kumimoji="0" lang="en-US" altLang="en-US" sz="1200" b="0" i="0" u="none" strike="noStrike" cap="none" normalizeH="0" baseline="0">
+                <a:ln>
+                  <a:noFill/>
+                </a:ln>
+                <a:solidFill>
+                  <a:srgbClr val="808080"/>
+                </a:solidFill>
+                <a:effectLst/>
+                <a:latin typeface="DejaVu Sans Mono" panose="020B0609030804020204" pitchFamily="49" charset="0"/>
+                <a:cs typeface="DejaVu Sans Mono" panose="020B0609030804020204" pitchFamily="49" charset="0"/>
+              </a:rPr>
+            </a:br>
+            <a:r>
+              <a:rPr kumimoji="0" lang="en-US" altLang="en-US" sz="1200" b="0" i="0" u="none" strike="noStrike" cap="none" normalizeH="0" baseline="0">
+                <a:ln>
+                  <a:noFill/>
+                </a:ln>
+                <a:solidFill>
+                  <a:srgbClr val="808080"/>
+                </a:solidFill>
+                <a:effectLst/>
+                <a:latin typeface="DejaVu Sans Mono" panose="020B0609030804020204" pitchFamily="49" charset="0"/>
+                <a:cs typeface="DejaVu Sans Mono" panose="020B0609030804020204" pitchFamily="49" charset="0"/>
+              </a:rPr>
+              <a:t/>
+            </a:r>
+            <a:br>
+              <a:rPr kumimoji="0" lang="en-US" altLang="en-US" sz="1200" b="0" i="0" u="none" strike="noStrike" cap="none" normalizeH="0" baseline="0">
+                <a:ln>
+                  <a:noFill/>
+                </a:ln>
+                <a:solidFill>
+                  <a:srgbClr val="808080"/>
+                </a:solidFill>
+                <a:effectLst/>
+                <a:latin typeface="DejaVu Sans Mono" panose="020B0609030804020204" pitchFamily="49" charset="0"/>
+                <a:cs typeface="DejaVu Sans Mono" panose="020B0609030804020204" pitchFamily="49" charset="0"/>
+              </a:rPr>
+            </a:br>
+            <a:r>
+              <a:rPr kumimoji="0" lang="en-US" altLang="en-US" sz="1200" b="0" i="0" u="none" strike="noStrike" cap="none" normalizeH="0" baseline="0">
+                <a:ln>
+                  <a:noFill/>
+                </a:ln>
+                <a:solidFill>
+                  <a:srgbClr val="808080"/>
+                </a:solidFill>
+                <a:effectLst/>
+                <a:latin typeface="DejaVu Sans Mono" panose="020B0609030804020204" pitchFamily="49" charset="0"/>
+                <a:cs typeface="DejaVu Sans Mono" panose="020B0609030804020204" pitchFamily="49" charset="0"/>
+              </a:rPr>
+              <a:t>    // Other dependencies </a:t>
+            </a:r>
+            <a:r>
+              <a:rPr kumimoji="0" lang="en-US" altLang="en-US" sz="1200" b="0" i="0" u="none" strike="noStrike" cap="none" normalizeH="0" baseline="0" smtClean="0">
+                <a:ln>
+                  <a:noFill/>
+                </a:ln>
+                <a:solidFill>
+                  <a:srgbClr val="808080"/>
+                </a:solidFill>
+                <a:effectLst/>
+                <a:latin typeface="DejaVu Sans Mono" panose="020B0609030804020204" pitchFamily="49" charset="0"/>
+                <a:cs typeface="DejaVu Sans Mono" panose="020B0609030804020204" pitchFamily="49" charset="0"/>
+              </a:rPr>
+              <a:t>omitted</a:t>
+            </a:r>
+            <a:r>
+              <a:rPr kumimoji="0" lang="en-US" altLang="en-US" sz="1200" b="0" i="0" u="none" strike="noStrike" cap="none" normalizeH="0" baseline="0">
+                <a:ln>
+                  <a:noFill/>
+                </a:ln>
+                <a:solidFill>
+                  <a:srgbClr val="E6DB74"/>
+                </a:solidFill>
+                <a:effectLst/>
+                <a:latin typeface="DejaVu Sans Mono" panose="020B0609030804020204" pitchFamily="49" charset="0"/>
+                <a:cs typeface="DejaVu Sans Mono" panose="020B0609030804020204" pitchFamily="49" charset="0"/>
+              </a:rPr>
+              <a:t/>
+            </a:r>
+            <a:br>
+              <a:rPr kumimoji="0" lang="en-US" altLang="en-US" sz="1200" b="0" i="0" u="none" strike="noStrike" cap="none" normalizeH="0" baseline="0">
+                <a:ln>
+                  <a:noFill/>
+                </a:ln>
+                <a:solidFill>
+                  <a:srgbClr val="E6DB74"/>
+                </a:solidFill>
+                <a:effectLst/>
+                <a:latin typeface="DejaVu Sans Mono" panose="020B0609030804020204" pitchFamily="49" charset="0"/>
+                <a:cs typeface="DejaVu Sans Mono" panose="020B0609030804020204" pitchFamily="49" charset="0"/>
+              </a:rPr>
+            </a:br>
+            <a:r>
+              <a:rPr kumimoji="0" lang="en-US" altLang="en-US" sz="1200" b="0" i="1" u="none" strike="noStrike" cap="none" normalizeH="0" baseline="0" smtClean="0">
+                <a:ln>
+                  <a:noFill/>
+                </a:ln>
+                <a:solidFill>
+                  <a:srgbClr val="4186F8"/>
+                </a:solidFill>
+                <a:effectLst/>
+                <a:latin typeface="DejaVu Sans Mono" panose="020B0609030804020204" pitchFamily="49" charset="0"/>
+                <a:cs typeface="DejaVu Sans Mono" panose="020B0609030804020204" pitchFamily="49" charset="0"/>
+              </a:rPr>
+              <a:t>}</a:t>
+            </a:r>
+          </a:p>
+          <a:p>
+            <a:pPr marL="0" marR="0" lvl="0" indent="0" algn="l" defTabSz="914400" rtl="0" eaLnBrk="0" fontAlgn="base" latinLnBrk="0" hangingPunct="0">
+              <a:lnSpc>
+                <a:spcPct val="100000"/>
+              </a:lnSpc>
+              <a:spcBef>
+                <a:spcPct val="0"/>
+              </a:spcBef>
+              <a:spcAft>
+                <a:spcPct val="0"/>
+              </a:spcAft>
+              <a:buClrTx/>
+              <a:buSzTx/>
+              <a:buFontTx/>
+              <a:buNone/>
+              <a:tabLst/>
+            </a:pPr>
+            <a:endParaRPr lang="en-US" altLang="en-US" sz="1200" i="1" smtClean="0">
+              <a:solidFill>
+                <a:srgbClr val="4186F8"/>
+              </a:solidFill>
+              <a:latin typeface="DejaVu Sans Mono" panose="020B0609030804020204" pitchFamily="49" charset="0"/>
+              <a:cs typeface="DejaVu Sans Mono" panose="020B0609030804020204" pitchFamily="49" charset="0"/>
+            </a:endParaRPr>
+          </a:p>
+          <a:p>
+            <a:pPr marL="0" marR="0" lvl="0" indent="0" algn="l" defTabSz="914400" rtl="0" eaLnBrk="0" fontAlgn="base" latinLnBrk="0" hangingPunct="0">
+              <a:lnSpc>
+                <a:spcPct val="100000"/>
+              </a:lnSpc>
+              <a:spcBef>
+                <a:spcPct val="0"/>
+              </a:spcBef>
+              <a:spcAft>
+                <a:spcPct val="0"/>
+              </a:spcAft>
+              <a:buClrTx/>
+              <a:buSzTx/>
+              <a:buFontTx/>
+              <a:buNone/>
+              <a:tabLst/>
+            </a:pPr>
+            <a:endParaRPr lang="en-US" altLang="en-US" sz="1200" i="1" smtClean="0">
+              <a:solidFill>
+                <a:srgbClr val="4186F8"/>
+              </a:solidFill>
+              <a:latin typeface="DejaVu Sans Mono" panose="020B0609030804020204" pitchFamily="49" charset="0"/>
+              <a:cs typeface="DejaVu Sans Mono" panose="020B0609030804020204" pitchFamily="49" charset="0"/>
+            </a:endParaRPr>
+          </a:p>
+          <a:p>
+            <a:pPr marL="0" marR="0" lvl="0" indent="0" algn="l" defTabSz="914400" rtl="0" eaLnBrk="0" fontAlgn="base" latinLnBrk="0" hangingPunct="0">
+              <a:lnSpc>
+                <a:spcPct val="100000"/>
+              </a:lnSpc>
+              <a:spcBef>
+                <a:spcPct val="0"/>
+              </a:spcBef>
+              <a:spcAft>
+                <a:spcPct val="0"/>
+              </a:spcAft>
+              <a:buClrTx/>
+              <a:buSzTx/>
+              <a:buFontTx/>
+              <a:buNone/>
+              <a:tabLst/>
+            </a:pPr>
+            <a:r>
+              <a:rPr lang="en-US" altLang="en-US" sz="1200" i="1">
+                <a:solidFill>
+                  <a:srgbClr val="4186F8"/>
+                </a:solidFill>
+                <a:latin typeface="DejaVu Sans Mono" panose="020B0609030804020204" pitchFamily="49" charset="0"/>
+                <a:cs typeface="DejaVu Sans Mono" panose="020B0609030804020204" pitchFamily="49" charset="0"/>
+              </a:rPr>
+              <a:t>a</a:t>
+            </a:r>
+            <a:r>
+              <a:rPr lang="en-US" altLang="en-US" sz="1200" i="1" smtClean="0">
+                <a:solidFill>
+                  <a:srgbClr val="4186F8"/>
+                </a:solidFill>
+                <a:latin typeface="DejaVu Sans Mono" panose="020B0609030804020204" pitchFamily="49" charset="0"/>
+                <a:cs typeface="DejaVu Sans Mono" panose="020B0609030804020204" pitchFamily="49" charset="0"/>
+              </a:rPr>
+              <a:t>pplication.properties</a:t>
+            </a:r>
+            <a:endParaRPr lang="en-US" altLang="en-US" sz="1200" i="1">
+              <a:solidFill>
+                <a:srgbClr val="4186F8"/>
+              </a:solidFill>
+              <a:latin typeface="DejaVu Sans Mono" panose="020B0609030804020204" pitchFamily="49" charset="0"/>
+              <a:cs typeface="DejaVu Sans Mono" panose="020B0609030804020204" pitchFamily="49" charset="0"/>
+            </a:endParaRPr>
+          </a:p>
+          <a:p>
+            <a:pPr lvl="0" defTabSz="914400" eaLnBrk="0" fontAlgn="base" hangingPunct="0">
+              <a:spcBef>
+                <a:spcPct val="0"/>
+              </a:spcBef>
+              <a:spcAft>
+                <a:spcPct val="0"/>
+              </a:spcAft>
+            </a:pPr>
+            <a:r>
+              <a:rPr kumimoji="0" lang="en-US" altLang="en-US" sz="1200" b="0" i="1" u="none" strike="noStrike" cap="none" normalizeH="0" baseline="0" smtClean="0">
+                <a:ln>
+                  <a:noFill/>
+                </a:ln>
+                <a:solidFill>
+                  <a:srgbClr val="4186F8"/>
+                </a:solidFill>
+                <a:effectLst/>
+                <a:latin typeface="DejaVu Sans Mono" panose="020B0609030804020204" pitchFamily="49" charset="0"/>
+                <a:cs typeface="DejaVu Sans Mono" panose="020B0609030804020204" pitchFamily="49" charset="0"/>
+              </a:rPr>
+              <a:t/>
+            </a:r>
+            <a:br>
+              <a:rPr kumimoji="0" lang="en-US" altLang="en-US" sz="1200" b="0" i="1" u="none" strike="noStrike" cap="none" normalizeH="0" baseline="0" smtClean="0">
+                <a:ln>
+                  <a:noFill/>
+                </a:ln>
+                <a:solidFill>
+                  <a:srgbClr val="4186F8"/>
+                </a:solidFill>
+                <a:effectLst/>
+                <a:latin typeface="DejaVu Sans Mono" panose="020B0609030804020204" pitchFamily="49" charset="0"/>
+                <a:cs typeface="DejaVu Sans Mono" panose="020B0609030804020204" pitchFamily="49" charset="0"/>
+              </a:rPr>
+            </a:br>
+            <a:r>
+              <a:rPr lang="en-US" altLang="en-US" sz="1200" b="1" smtClean="0">
+                <a:solidFill>
+                  <a:srgbClr val="F92672"/>
+                </a:solidFill>
+                <a:latin typeface="DejaVu Sans Mono" panose="020B0609030804020204"/>
+              </a:rPr>
+              <a:t>spring.jpa.properties.hibernate.search.default.directory_provider </a:t>
+            </a:r>
+            <a:r>
+              <a:rPr lang="en-US" altLang="en-US" sz="1200" smtClean="0">
+                <a:solidFill>
+                  <a:srgbClr val="808080"/>
+                </a:solidFill>
+                <a:latin typeface="DejaVu Sans Mono" panose="020B0609030804020204"/>
+              </a:rPr>
+              <a:t>= </a:t>
+            </a:r>
+            <a:r>
+              <a:rPr lang="en-US" altLang="en-US" sz="1200" smtClean="0">
+                <a:solidFill>
+                  <a:srgbClr val="E6DB74"/>
+                </a:solidFill>
+                <a:latin typeface="DejaVu Sans Mono" panose="020B0609030804020204"/>
+              </a:rPr>
+              <a:t>filesystem</a:t>
+            </a:r>
+            <a:br>
+              <a:rPr lang="en-US" altLang="en-US" sz="1200" smtClean="0">
+                <a:solidFill>
+                  <a:srgbClr val="E6DB74"/>
+                </a:solidFill>
+                <a:latin typeface="DejaVu Sans Mono" panose="020B0609030804020204"/>
+              </a:rPr>
+            </a:br>
+            <a:r>
+              <a:rPr lang="en-US" altLang="en-US" sz="1200" b="1" smtClean="0">
+                <a:solidFill>
+                  <a:srgbClr val="F92672"/>
+                </a:solidFill>
+                <a:latin typeface="DejaVu Sans Mono" panose="020B0609030804020204"/>
+              </a:rPr>
+              <a:t>spring.jpa.properties.hibernate.search.default.indexBase </a:t>
+            </a:r>
+            <a:r>
+              <a:rPr lang="en-US" altLang="en-US" sz="1200" smtClean="0">
+                <a:solidFill>
+                  <a:srgbClr val="808080"/>
+                </a:solidFill>
+                <a:latin typeface="DejaVu Sans Mono" panose="020B0609030804020204"/>
+              </a:rPr>
+              <a:t>= </a:t>
+            </a:r>
+            <a:r>
+              <a:rPr lang="en-US" altLang="en-US" sz="1200" smtClean="0">
+                <a:solidFill>
+                  <a:srgbClr val="E6DB74"/>
+                </a:solidFill>
+                <a:latin typeface="DejaVu Sans Mono" panose="020B0609030804020204"/>
+              </a:rPr>
+              <a:t>indexpath</a:t>
+            </a:r>
+            <a:br>
+              <a:rPr lang="en-US" altLang="en-US" sz="1200" smtClean="0">
+                <a:solidFill>
+                  <a:srgbClr val="E6DB74"/>
+                </a:solidFill>
+                <a:latin typeface="DejaVu Sans Mono" panose="020B0609030804020204"/>
+              </a:rPr>
+            </a:br>
+            <a:r>
+              <a:rPr lang="en-US" altLang="en-US" sz="1200" b="1" smtClean="0">
+                <a:solidFill>
+                  <a:srgbClr val="F92672"/>
+                </a:solidFill>
+                <a:latin typeface="DejaVu Sans Mono" panose="020B0609030804020204"/>
+              </a:rPr>
+              <a:t>spring.jpa.properties.hibernate.search.default.locking_strategy </a:t>
+            </a:r>
+            <a:r>
+              <a:rPr lang="en-US" altLang="en-US" sz="1200" smtClean="0">
+                <a:solidFill>
+                  <a:srgbClr val="808080"/>
+                </a:solidFill>
+                <a:latin typeface="DejaVu Sans Mono" panose="020B0609030804020204"/>
+              </a:rPr>
+              <a:t>= </a:t>
+            </a:r>
+            <a:r>
+              <a:rPr lang="en-US" altLang="en-US" sz="1200" smtClean="0">
+                <a:solidFill>
+                  <a:srgbClr val="E6DB74"/>
+                </a:solidFill>
+                <a:latin typeface="DejaVu Sans Mono" panose="020B0609030804020204"/>
+              </a:rPr>
+              <a:t>none</a:t>
+            </a:r>
+            <a:endParaRPr lang="en-US" altLang="en-US" sz="6000">
+              <a:latin typeface="DejaVu Sans Mono" panose="020B0609030804020204"/>
+            </a:endParaRPr>
+          </a:p>
+        </p:txBody>
+      </p:sp>
+    </p:spTree>
+    <p:extLst>
+      <p:ext uri="{BB962C8B-B14F-4D97-AF65-F5344CB8AC3E}">
+        <p14:creationId xmlns:p14="http://schemas.microsoft.com/office/powerpoint/2010/main" val="1654694693"/>
+      </p:ext>
+    </p:extLst>
+  </p:cSld>
+  <p:clrMapOvr>
+    <a:masterClrMapping/>
+  </p:clrMapOvr>
+  <p:timing>
+    <p:tnLst>
+      <p:par>
+        <p:cTn id="1" dur="indefinite" restart="never" nodeType="tmRoot"/>
+      </p:par>
+    </p:tnLst>
+  </p:timing>
+</p:sld>
+</file>
+
 <file path=ppt/slides/slide8.xml><?xml version="1.0" encoding="utf-8"?>
 <p:sld xmlns:a="http://schemas.openxmlformats.org/drawingml/2006/main" xmlns:r="http://schemas.openxmlformats.org/officeDocument/2006/relationships" xmlns:p="http://schemas.openxmlformats.org/presentationml/2006/main">
   <p:cSld>
@@ -18129,11 +17886,7 @@
           <a:p>
             <a:r>
               <a:rPr lang="en-US"/>
-              <a:t>Hibernate Search will </a:t>
-            </a:r>
-            <a:r>
-              <a:rPr lang="en-US"/>
-              <a:t>transparently </a:t>
+              <a:t>Hibernate Search will transparently </a:t>
             </a:r>
             <a:r>
               <a:rPr lang="en-US" smtClean="0"/>
@@ -18141,22 +17894,13 @@
             </a:r>
             <a:r>
               <a:rPr lang="en-US"/>
-              <a:t>every entity each time it’s persisted, updated or removed through Hibernate ORM</a:t>
-            </a:r>
+              <a:t>every entity each time it’s persisted, updated or removed through Hibernate ORM. </a:t>
+            </a:r>
+          </a:p>
+          <a:p>
             <a:r>
               <a:rPr lang="en-US"/>
-              <a:t>. </a:t>
-            </a:r>
-            <a:endParaRPr lang="en-US"/>
-          </a:p>
-          <a:p>
-            <a:r>
-              <a:rPr lang="en-US"/>
-              <a:t>Its mission is to keep the index and your database in sync, allowing you to forget about this </a:t>
-            </a:r>
-            <a:r>
-              <a:rPr lang="en-US"/>
-              <a:t>problem</a:t>
+              <a:t>Its mission is to keep the index and your database in sync, allowing you to forget about this problem</a:t>
             </a:r>
             <a:r>
               <a:rPr lang="en-US" smtClean="0"/>
@@ -18667,15 +18411,6 @@
               </a:rPr>
               <a:t>@Id</a:t>
             </a:r>
-            <a:r>
-              <a:rPr lang="en-US" altLang="en-US" sz="1100">
-                <a:solidFill>
-                  <a:srgbClr val="BBB529"/>
-                </a:solidFill>
-                <a:latin typeface="Fira Code"/>
-              </a:rPr>
-              <a:t/>
-            </a:r>
             <a:br>
               <a:rPr lang="en-US" altLang="en-US" sz="1100">
                 <a:solidFill>
@@ -18887,16 +18622,7 @@
                 </a:solidFill>
                 <a:latin typeface="Fira Code"/>
               </a:rPr>
-              <a:t>@</a:t>
-            </a:r>
-            <a:r>
-              <a:rPr lang="en-US" altLang="en-US" sz="1100">
-                <a:solidFill>
-                  <a:srgbClr val="BBB529"/>
-                </a:solidFill>
-                <a:latin typeface="Fira Code"/>
-              </a:rPr>
-              <a:t>GenericGenerator</a:t>
+              <a:t>@GenericGenerator</a:t>
             </a:r>
             <a:r>
               <a:rPr lang="en-US" altLang="en-US" sz="1100" i="1" smtClean="0">
